--- a/DevOps Principles and Practices for QA Professionals.pptx
+++ b/DevOps Principles and Practices for QA Professionals.pptx
@@ -5,7 +5,7 @@
     <p:sldMasterId id="2147483648" r:id="rId1"/>
   </p:sldMasterIdLst>
   <p:notesMasterIdLst>
-    <p:notesMasterId r:id="rId44"/>
+    <p:notesMasterId r:id="rId72"/>
   </p:notesMasterIdLst>
   <p:sldIdLst>
     <p:sldId id="256" r:id="rId28"/>
@@ -24,6 +24,34 @@
     <p:sldId id="269" r:id="rId41"/>
     <p:sldId id="270" r:id="rId42"/>
     <p:sldId id="271" r:id="rId43"/>
+    <p:sldId id="272" r:id="rId44"/>
+    <p:sldId id="273" r:id="rId45"/>
+    <p:sldId id="274" r:id="rId46"/>
+    <p:sldId id="275" r:id="rId47"/>
+    <p:sldId id="276" r:id="rId48"/>
+    <p:sldId id="277" r:id="rId49"/>
+    <p:sldId id="278" r:id="rId50"/>
+    <p:sldId id="279" r:id="rId51"/>
+    <p:sldId id="280" r:id="rId52"/>
+    <p:sldId id="281" r:id="rId53"/>
+    <p:sldId id="282" r:id="rId54"/>
+    <p:sldId id="283" r:id="rId55"/>
+    <p:sldId id="284" r:id="rId56"/>
+    <p:sldId id="285" r:id="rId57"/>
+    <p:sldId id="286" r:id="rId58"/>
+    <p:sldId id="287" r:id="rId59"/>
+    <p:sldId id="288" r:id="rId60"/>
+    <p:sldId id="289" r:id="rId61"/>
+    <p:sldId id="290" r:id="rId62"/>
+    <p:sldId id="291" r:id="rId63"/>
+    <p:sldId id="292" r:id="rId64"/>
+    <p:sldId id="293" r:id="rId65"/>
+    <p:sldId id="294" r:id="rId66"/>
+    <p:sldId id="295" r:id="rId67"/>
+    <p:sldId id="296" r:id="rId68"/>
+    <p:sldId id="297" r:id="rId69"/>
+    <p:sldId id="298" r:id="rId70"/>
+    <p:sldId id="299" r:id="rId71"/>
   </p:sldIdLst>
   <p:sldSz cx="18288000" cy="10287000"/>
   <p:notesSz cx="6858000" cy="9144000"/>
@@ -5957,7 +5985,7 @@
                 </a:solidFill>
                 <a:latin typeface="Canva Sans"/>
               </a:rPr>
-              <a:t>Duration: 10 (minutes)</a:t>
+              <a:t>Duration: 15 (minutes)</a:t>
             </a:r>
           </a:p>
         </p:txBody>
@@ -6189,7 +6217,7 @@
         <p:spPr>
           <a:xfrm rot="0">
             <a:off x="0" y="3118080"/>
-            <a:ext cx="17806201" cy="2976372"/>
+            <a:ext cx="17806201" cy="3576447"/>
           </a:xfrm>
           <a:prstGeom prst="rect">
             <a:avLst/>
@@ -6215,7 +6243,7 @@
                 </a:solidFill>
                 <a:latin typeface="Canva Sans"/>
               </a:rPr>
-              <a:t>Understanding the nuances of testing in cloud platforms like AWS.</a:t>
+              <a:t>Understanding the nuances of testing in cloud platforms like AWS. (deploying the tests, monitoring, and reporting)</a:t>
             </a:r>
           </a:p>
           <a:p>
@@ -7255,7 +7283,709 @@
 </p:sld>
 </file>
 
-<file path=ppt/slides/slide2.xml><?xml version="1.0" encoding="utf-8"?>
+<file path=ppt/slides/slide17.xml><?xml version="1.0" encoding="utf-8"?>
+<p:sld xmlns:p="http://schemas.openxmlformats.org/presentationml/2006/main" xmlns:a="http://schemas.openxmlformats.org/drawingml/2006/main" xmlns:r="http://schemas.openxmlformats.org/officeDocument/2006/relationships">
+  <p:cSld>
+    <p:bg>
+      <p:bgPr>
+        <a:solidFill>
+          <a:srgbClr val="E8E8E8"/>
+        </a:solidFill>
+      </p:bgPr>
+    </p:bg>
+    <p:spTree>
+      <p:nvGrpSpPr>
+        <p:cNvPr id="1" name=""/>
+        <p:cNvGrpSpPr/>
+        <p:nvPr/>
+      </p:nvGrpSpPr>
+      <p:grpSpPr>
+        <a:xfrm>
+          <a:off x="0" y="0"/>
+          <a:ext cx="0" cy="0"/>
+          <a:chOff x="0" y="0"/>
+          <a:chExt cx="0" cy="0"/>
+        </a:xfrm>
+      </p:grpSpPr>
+      <p:grpSp>
+        <p:nvGrpSpPr>
+          <p:cNvPr name="Group 2" id="2"/>
+          <p:cNvGrpSpPr>
+            <a:grpSpLocks noChangeAspect="true"/>
+          </p:cNvGrpSpPr>
+          <p:nvPr/>
+        </p:nvGrpSpPr>
+        <p:grpSpPr>
+          <a:xfrm rot="0">
+            <a:off x="6950605" y="-85725"/>
+            <a:ext cx="11337395" cy="12754570"/>
+            <a:chOff x="0" y="0"/>
+            <a:chExt cx="5370413" cy="6041715"/>
+          </a:xfrm>
+        </p:grpSpPr>
+        <p:sp>
+          <p:nvSpPr>
+            <p:cNvPr name="Freeform 3" id="3"/>
+            <p:cNvSpPr/>
+            <p:nvPr/>
+          </p:nvSpPr>
+          <p:spPr>
+            <a:xfrm flipH="false" flipV="false" rot="0">
+              <a:off x="0" y="0"/>
+              <a:ext cx="5370413" cy="6041715"/>
+            </a:xfrm>
+            <a:custGeom>
+              <a:avLst/>
+              <a:gdLst/>
+              <a:ahLst/>
+              <a:cxnLst/>
+              <a:rect r="r" b="b" t="t" l="l"/>
+              <a:pathLst>
+                <a:path h="6041715" w="5370413">
+                  <a:moveTo>
+                    <a:pt x="5370413" y="0"/>
+                  </a:moveTo>
+                  <a:lnTo>
+                    <a:pt x="5370413" y="6041715"/>
+                  </a:lnTo>
+                  <a:cubicBezTo>
+                    <a:pt x="3580275" y="4027810"/>
+                    <a:pt x="1790138" y="2013905"/>
+                    <a:pt x="0" y="0"/>
+                  </a:cubicBezTo>
+                  <a:lnTo>
+                    <a:pt x="5370413" y="0"/>
+                  </a:lnTo>
+                  <a:close/>
+                </a:path>
+              </a:pathLst>
+            </a:custGeom>
+            <a:solidFill>
+              <a:srgbClr val="A3D376"/>
+            </a:solidFill>
+          </p:spPr>
+        </p:sp>
+        <p:sp>
+          <p:nvSpPr>
+            <p:cNvPr name="Freeform 4" id="4"/>
+            <p:cNvSpPr/>
+            <p:nvPr/>
+          </p:nvSpPr>
+          <p:spPr>
+            <a:xfrm flipH="false" flipV="false" rot="0">
+              <a:off x="0" y="0"/>
+              <a:ext cx="5370413" cy="6041715"/>
+            </a:xfrm>
+            <a:custGeom>
+              <a:avLst/>
+              <a:gdLst/>
+              <a:ahLst/>
+              <a:cxnLst/>
+              <a:rect r="r" b="b" t="t" l="l"/>
+              <a:pathLst>
+                <a:path h="6041715" w="5370413">
+                  <a:moveTo>
+                    <a:pt x="5370413" y="0"/>
+                  </a:moveTo>
+                  <a:lnTo>
+                    <a:pt x="5370413" y="6041715"/>
+                  </a:lnTo>
+                  <a:cubicBezTo>
+                    <a:pt x="3580275" y="4027810"/>
+                    <a:pt x="1790138" y="2013905"/>
+                    <a:pt x="0" y="0"/>
+                  </a:cubicBezTo>
+                  <a:lnTo>
+                    <a:pt x="5370413" y="0"/>
+                  </a:lnTo>
+                  <a:close/>
+                </a:path>
+              </a:pathLst>
+            </a:custGeom>
+            <a:blipFill>
+              <a:blip r:embed="rId2"/>
+              <a:stretch>
+                <a:fillRect l="-11073" t="0" r="-58737" b="0"/>
+              </a:stretch>
+            </a:blipFill>
+          </p:spPr>
+        </p:sp>
+      </p:grpSp>
+      <p:grpSp>
+        <p:nvGrpSpPr>
+          <p:cNvPr name="Group 5" id="5"/>
+          <p:cNvGrpSpPr/>
+          <p:nvPr/>
+        </p:nvGrpSpPr>
+        <p:grpSpPr>
+          <a:xfrm rot="0">
+            <a:off x="7906871" y="7586662"/>
+            <a:ext cx="8239896" cy="4626084"/>
+            <a:chOff x="0" y="0"/>
+            <a:chExt cx="812800" cy="456326"/>
+          </a:xfrm>
+        </p:grpSpPr>
+        <p:sp>
+          <p:nvSpPr>
+            <p:cNvPr name="Freeform 6" id="6"/>
+            <p:cNvSpPr/>
+            <p:nvPr/>
+          </p:nvSpPr>
+          <p:spPr>
+            <a:xfrm flipH="false" flipV="false" rot="0">
+              <a:off x="0" y="0"/>
+              <a:ext cx="812800" cy="456326"/>
+            </a:xfrm>
+            <a:custGeom>
+              <a:avLst/>
+              <a:gdLst/>
+              <a:ahLst/>
+              <a:cxnLst/>
+              <a:rect r="r" b="b" t="t" l="l"/>
+              <a:pathLst>
+                <a:path h="456326" w="812800">
+                  <a:moveTo>
+                    <a:pt x="406400" y="0"/>
+                  </a:moveTo>
+                  <a:lnTo>
+                    <a:pt x="812800" y="456326"/>
+                  </a:lnTo>
+                  <a:lnTo>
+                    <a:pt x="0" y="456326"/>
+                  </a:lnTo>
+                  <a:lnTo>
+                    <a:pt x="406400" y="0"/>
+                  </a:lnTo>
+                  <a:close/>
+                </a:path>
+              </a:pathLst>
+            </a:custGeom>
+            <a:solidFill>
+              <a:srgbClr val="5A6C99"/>
+            </a:solidFill>
+          </p:spPr>
+        </p:sp>
+        <p:sp>
+          <p:nvSpPr>
+            <p:cNvPr name="TextBox 7" id="7"/>
+            <p:cNvSpPr txBox="true"/>
+            <p:nvPr/>
+          </p:nvSpPr>
+          <p:spPr>
+            <a:xfrm>
+              <a:off x="127000" y="292100"/>
+              <a:ext cx="558800" cy="368300"/>
+            </a:xfrm>
+            <a:prstGeom prst="rect">
+              <a:avLst/>
+            </a:prstGeom>
+          </p:spPr>
+          <p:txBody>
+            <a:bodyPr anchor="ctr" rtlCol="false" tIns="50800" lIns="50800" bIns="50800" rIns="50800"/>
+            <a:lstStyle/>
+            <a:p>
+              <a:pPr algn="ctr">
+                <a:lnSpc>
+                  <a:spcPts val="2659"/>
+                </a:lnSpc>
+              </a:pPr>
+            </a:p>
+          </p:txBody>
+        </p:sp>
+      </p:grpSp>
+      <p:grpSp>
+        <p:nvGrpSpPr>
+          <p:cNvPr name="Group 8" id="8"/>
+          <p:cNvGrpSpPr/>
+          <p:nvPr/>
+        </p:nvGrpSpPr>
+        <p:grpSpPr>
+          <a:xfrm rot="0">
+            <a:off x="8887468" y="7250922"/>
+            <a:ext cx="8239896" cy="4626084"/>
+            <a:chOff x="0" y="0"/>
+            <a:chExt cx="812800" cy="456326"/>
+          </a:xfrm>
+        </p:grpSpPr>
+        <p:sp>
+          <p:nvSpPr>
+            <p:cNvPr name="Freeform 9" id="9"/>
+            <p:cNvSpPr/>
+            <p:nvPr/>
+          </p:nvSpPr>
+          <p:spPr>
+            <a:xfrm flipH="false" flipV="false" rot="0">
+              <a:off x="0" y="0"/>
+              <a:ext cx="812800" cy="456326"/>
+            </a:xfrm>
+            <a:custGeom>
+              <a:avLst/>
+              <a:gdLst/>
+              <a:ahLst/>
+              <a:cxnLst/>
+              <a:rect r="r" b="b" t="t" l="l"/>
+              <a:pathLst>
+                <a:path h="456326" w="812800">
+                  <a:moveTo>
+                    <a:pt x="406400" y="0"/>
+                  </a:moveTo>
+                  <a:lnTo>
+                    <a:pt x="812800" y="456326"/>
+                  </a:lnTo>
+                  <a:lnTo>
+                    <a:pt x="0" y="456326"/>
+                  </a:lnTo>
+                  <a:lnTo>
+                    <a:pt x="406400" y="0"/>
+                  </a:lnTo>
+                  <a:close/>
+                </a:path>
+              </a:pathLst>
+            </a:custGeom>
+            <a:solidFill>
+              <a:srgbClr val="051D64"/>
+            </a:solidFill>
+          </p:spPr>
+        </p:sp>
+        <p:sp>
+          <p:nvSpPr>
+            <p:cNvPr name="TextBox 10" id="10"/>
+            <p:cNvSpPr txBox="true"/>
+            <p:nvPr/>
+          </p:nvSpPr>
+          <p:spPr>
+            <a:xfrm>
+              <a:off x="127000" y="292100"/>
+              <a:ext cx="558800" cy="368300"/>
+            </a:xfrm>
+            <a:prstGeom prst="rect">
+              <a:avLst/>
+            </a:prstGeom>
+          </p:spPr>
+          <p:txBody>
+            <a:bodyPr anchor="ctr" rtlCol="false" tIns="50800" lIns="50800" bIns="50800" rIns="50800"/>
+            <a:lstStyle/>
+            <a:p>
+              <a:pPr algn="ctr">
+                <a:lnSpc>
+                  <a:spcPts val="2659"/>
+                </a:lnSpc>
+              </a:pPr>
+            </a:p>
+          </p:txBody>
+        </p:sp>
+      </p:grpSp>
+      <p:grpSp>
+        <p:nvGrpSpPr>
+          <p:cNvPr name="Group 11" id="11"/>
+          <p:cNvGrpSpPr/>
+          <p:nvPr/>
+        </p:nvGrpSpPr>
+        <p:grpSpPr>
+          <a:xfrm rot="0">
+            <a:off x="4789594" y="-248810"/>
+            <a:ext cx="10403659" cy="1677560"/>
+            <a:chOff x="0" y="0"/>
+            <a:chExt cx="812800" cy="131062"/>
+          </a:xfrm>
+        </p:grpSpPr>
+        <p:sp>
+          <p:nvSpPr>
+            <p:cNvPr name="Freeform 12" id="12"/>
+            <p:cNvSpPr/>
+            <p:nvPr/>
+          </p:nvSpPr>
+          <p:spPr>
+            <a:xfrm flipH="false" flipV="false" rot="0">
+              <a:off x="0" y="0"/>
+              <a:ext cx="812800" cy="131062"/>
+            </a:xfrm>
+            <a:custGeom>
+              <a:avLst/>
+              <a:gdLst/>
+              <a:ahLst/>
+              <a:cxnLst/>
+              <a:rect r="r" b="b" t="t" l="l"/>
+              <a:pathLst>
+                <a:path h="131062" w="812800">
+                  <a:moveTo>
+                    <a:pt x="203200" y="0"/>
+                  </a:moveTo>
+                  <a:lnTo>
+                    <a:pt x="812800" y="0"/>
+                  </a:lnTo>
+                  <a:lnTo>
+                    <a:pt x="609600" y="131062"/>
+                  </a:lnTo>
+                  <a:lnTo>
+                    <a:pt x="0" y="131062"/>
+                  </a:lnTo>
+                  <a:lnTo>
+                    <a:pt x="203200" y="0"/>
+                  </a:lnTo>
+                  <a:close/>
+                </a:path>
+              </a:pathLst>
+            </a:custGeom>
+            <a:solidFill>
+              <a:srgbClr val="5A6C99"/>
+            </a:solidFill>
+          </p:spPr>
+        </p:sp>
+        <p:sp>
+          <p:nvSpPr>
+            <p:cNvPr name="TextBox 13" id="13"/>
+            <p:cNvSpPr txBox="true"/>
+            <p:nvPr/>
+          </p:nvSpPr>
+          <p:spPr>
+            <a:xfrm>
+              <a:off x="101600" y="-38100"/>
+              <a:ext cx="609600" cy="647700"/>
+            </a:xfrm>
+            <a:prstGeom prst="rect">
+              <a:avLst/>
+            </a:prstGeom>
+          </p:spPr>
+          <p:txBody>
+            <a:bodyPr anchor="ctr" rtlCol="false" tIns="50800" lIns="50800" bIns="50800" rIns="50800"/>
+            <a:lstStyle/>
+            <a:p>
+              <a:pPr algn="ctr">
+                <a:lnSpc>
+                  <a:spcPts val="2659"/>
+                </a:lnSpc>
+              </a:pPr>
+            </a:p>
+          </p:txBody>
+        </p:sp>
+      </p:grpSp>
+      <p:sp>
+        <p:nvSpPr>
+          <p:cNvPr name="Freeform 14" id="14"/>
+          <p:cNvSpPr/>
+          <p:nvPr/>
+        </p:nvSpPr>
+        <p:spPr>
+          <a:xfrm flipH="false" flipV="false" rot="0">
+            <a:off x="-157996" y="-85725"/>
+            <a:ext cx="6874875" cy="2672608"/>
+          </a:xfrm>
+          <a:custGeom>
+            <a:avLst/>
+            <a:gdLst/>
+            <a:ahLst/>
+            <a:cxnLst/>
+            <a:rect r="r" b="b" t="t" l="l"/>
+            <a:pathLst>
+              <a:path h="2672608" w="6874875">
+                <a:moveTo>
+                  <a:pt x="0" y="0"/>
+                </a:moveTo>
+                <a:lnTo>
+                  <a:pt x="6874875" y="0"/>
+                </a:lnTo>
+                <a:lnTo>
+                  <a:pt x="6874875" y="2672608"/>
+                </a:lnTo>
+                <a:lnTo>
+                  <a:pt x="0" y="2672608"/>
+                </a:lnTo>
+                <a:lnTo>
+                  <a:pt x="0" y="0"/>
+                </a:lnTo>
+                <a:close/>
+              </a:path>
+            </a:pathLst>
+          </a:custGeom>
+          <a:blipFill>
+            <a:blip r:embed="rId3">
+              <a:extLst>
+                <a:ext uri="{96DAC541-7B7A-43D3-8B79-37D633B846F1}">
+                  <asvg:svgBlip xmlns:asvg="http://schemas.microsoft.com/office/drawing/2016/SVG/main" r:embed="rId4"/>
+                </a:ext>
+              </a:extLst>
+            </a:blip>
+            <a:stretch>
+              <a:fillRect l="0" t="0" r="0" b="0"/>
+            </a:stretch>
+          </a:blipFill>
+        </p:spPr>
+      </p:sp>
+      <p:grpSp>
+        <p:nvGrpSpPr>
+          <p:cNvPr name="Group 15" id="15"/>
+          <p:cNvGrpSpPr/>
+          <p:nvPr/>
+        </p:nvGrpSpPr>
+        <p:grpSpPr>
+          <a:xfrm rot="0">
+            <a:off x="4799119" y="-601235"/>
+            <a:ext cx="10403659" cy="1677560"/>
+            <a:chOff x="0" y="0"/>
+            <a:chExt cx="812800" cy="131062"/>
+          </a:xfrm>
+        </p:grpSpPr>
+        <p:sp>
+          <p:nvSpPr>
+            <p:cNvPr name="Freeform 16" id="16"/>
+            <p:cNvSpPr/>
+            <p:nvPr/>
+          </p:nvSpPr>
+          <p:spPr>
+            <a:xfrm flipH="false" flipV="false" rot="0">
+              <a:off x="0" y="0"/>
+              <a:ext cx="812800" cy="131062"/>
+            </a:xfrm>
+            <a:custGeom>
+              <a:avLst/>
+              <a:gdLst/>
+              <a:ahLst/>
+              <a:cxnLst/>
+              <a:rect r="r" b="b" t="t" l="l"/>
+              <a:pathLst>
+                <a:path h="131062" w="812800">
+                  <a:moveTo>
+                    <a:pt x="203200" y="0"/>
+                  </a:moveTo>
+                  <a:lnTo>
+                    <a:pt x="812800" y="0"/>
+                  </a:lnTo>
+                  <a:lnTo>
+                    <a:pt x="609600" y="131062"/>
+                  </a:lnTo>
+                  <a:lnTo>
+                    <a:pt x="0" y="131062"/>
+                  </a:lnTo>
+                  <a:lnTo>
+                    <a:pt x="203200" y="0"/>
+                  </a:lnTo>
+                  <a:close/>
+                </a:path>
+              </a:pathLst>
+            </a:custGeom>
+            <a:solidFill>
+              <a:srgbClr val="051D64"/>
+            </a:solidFill>
+          </p:spPr>
+        </p:sp>
+        <p:sp>
+          <p:nvSpPr>
+            <p:cNvPr name="TextBox 17" id="17"/>
+            <p:cNvSpPr txBox="true"/>
+            <p:nvPr/>
+          </p:nvSpPr>
+          <p:spPr>
+            <a:xfrm>
+              <a:off x="101600" y="-38100"/>
+              <a:ext cx="609600" cy="647700"/>
+            </a:xfrm>
+            <a:prstGeom prst="rect">
+              <a:avLst/>
+            </a:prstGeom>
+          </p:spPr>
+          <p:txBody>
+            <a:bodyPr anchor="ctr" rtlCol="false" tIns="50800" lIns="50800" bIns="50800" rIns="50800"/>
+            <a:lstStyle/>
+            <a:p>
+              <a:pPr algn="ctr">
+                <a:lnSpc>
+                  <a:spcPts val="2659"/>
+                </a:lnSpc>
+              </a:pPr>
+            </a:p>
+          </p:txBody>
+        </p:sp>
+      </p:grpSp>
+      <p:sp>
+        <p:nvSpPr>
+          <p:cNvPr name="AutoShape 18" id="18"/>
+          <p:cNvSpPr/>
+          <p:nvPr/>
+        </p:nvSpPr>
+        <p:spPr>
+          <a:xfrm flipV="true">
+            <a:off x="771957" y="9563964"/>
+            <a:ext cx="8115511" cy="57150"/>
+          </a:xfrm>
+          <a:prstGeom prst="line">
+            <a:avLst/>
+          </a:prstGeom>
+          <a:ln cap="flat" w="104775">
+            <a:solidFill>
+              <a:srgbClr val="F9B680"/>
+            </a:solidFill>
+            <a:prstDash val="solid"/>
+            <a:headEnd type="none" len="sm" w="sm"/>
+            <a:tailEnd type="none" len="sm" w="sm"/>
+          </a:ln>
+        </p:spPr>
+      </p:sp>
+      <p:sp>
+        <p:nvSpPr>
+          <p:cNvPr name="AutoShape 19" id="19"/>
+          <p:cNvSpPr/>
+          <p:nvPr/>
+        </p:nvSpPr>
+        <p:spPr>
+          <a:xfrm>
+            <a:off x="12654197" y="7625737"/>
+            <a:ext cx="1253257" cy="1391854"/>
+          </a:xfrm>
+          <a:prstGeom prst="line">
+            <a:avLst/>
+          </a:prstGeom>
+          <a:ln cap="flat" w="104775">
+            <a:solidFill>
+              <a:srgbClr val="F9B680"/>
+            </a:solidFill>
+            <a:prstDash val="solid"/>
+            <a:headEnd type="none" len="sm" w="sm"/>
+            <a:tailEnd type="none" len="sm" w="sm"/>
+          </a:ln>
+        </p:spPr>
+      </p:sp>
+      <p:sp>
+        <p:nvSpPr>
+          <p:cNvPr name="AutoShape 20" id="20"/>
+          <p:cNvSpPr/>
+          <p:nvPr/>
+        </p:nvSpPr>
+        <p:spPr>
+          <a:xfrm>
+            <a:off x="12333162" y="8017994"/>
+            <a:ext cx="1253257" cy="1391854"/>
+          </a:xfrm>
+          <a:prstGeom prst="line">
+            <a:avLst/>
+          </a:prstGeom>
+          <a:ln cap="flat" w="104775">
+            <a:solidFill>
+              <a:srgbClr val="F9B680"/>
+            </a:solidFill>
+            <a:prstDash val="solid"/>
+            <a:headEnd type="none" len="sm" w="sm"/>
+            <a:tailEnd type="none" len="sm" w="sm"/>
+          </a:ln>
+        </p:spPr>
+      </p:sp>
+      <p:sp>
+        <p:nvSpPr>
+          <p:cNvPr name="TextBox 21" id="21"/>
+          <p:cNvSpPr txBox="true"/>
+          <p:nvPr/>
+        </p:nvSpPr>
+        <p:spPr>
+          <a:xfrm rot="0">
+            <a:off x="1028700" y="3579660"/>
+            <a:ext cx="9661137" cy="3886200"/>
+          </a:xfrm>
+          <a:prstGeom prst="rect">
+            <a:avLst/>
+          </a:prstGeom>
+        </p:spPr>
+        <p:txBody>
+          <a:bodyPr anchor="t" rtlCol="false" tIns="0" lIns="0" bIns="0" rIns="0">
+            <a:spAutoFit/>
+          </a:bodyPr>
+          <a:lstStyle/>
+          <a:p>
+            <a:pPr>
+              <a:lnSpc>
+                <a:spcPts val="7692"/>
+              </a:lnSpc>
+            </a:pPr>
+            <a:r>
+              <a:rPr lang="en-US" sz="6410">
+                <a:solidFill>
+                  <a:srgbClr val="051D64"/>
+                </a:solidFill>
+                <a:latin typeface="Oswald Bold"/>
+              </a:rPr>
+              <a:t> INTRODUCTION TO DOCKER FOR SOFTWARE DEVELOPMENT AND DEPLOYMENT</a:t>
+            </a:r>
+          </a:p>
+        </p:txBody>
+      </p:sp>
+      <p:sp>
+        <p:nvSpPr>
+          <p:cNvPr name="TextBox 22" id="22"/>
+          <p:cNvSpPr txBox="true"/>
+          <p:nvPr/>
+        </p:nvSpPr>
+        <p:spPr>
+          <a:xfrm rot="0">
+            <a:off x="1028700" y="7711353"/>
+            <a:ext cx="8301765" cy="1800225"/>
+          </a:xfrm>
+          <a:prstGeom prst="rect">
+            <a:avLst/>
+          </a:prstGeom>
+        </p:spPr>
+        <p:txBody>
+          <a:bodyPr anchor="t" rtlCol="false" tIns="0" lIns="0" bIns="0" rIns="0">
+            <a:spAutoFit/>
+          </a:bodyPr>
+          <a:lstStyle/>
+          <a:p>
+            <a:pPr algn="just">
+              <a:lnSpc>
+                <a:spcPts val="4799"/>
+              </a:lnSpc>
+            </a:pPr>
+            <a:r>
+              <a:rPr lang="en-US" sz="3999">
+                <a:solidFill>
+                  <a:srgbClr val="03060B"/>
+                </a:solidFill>
+                <a:latin typeface="Canva Sans"/>
+              </a:rPr>
+              <a:t>Date: Oct-2023</a:t>
+            </a:r>
+          </a:p>
+          <a:p>
+            <a:pPr algn="just">
+              <a:lnSpc>
+                <a:spcPts val="4799"/>
+              </a:lnSpc>
+            </a:pPr>
+            <a:r>
+              <a:rPr lang="en-US" sz="3999">
+                <a:solidFill>
+                  <a:srgbClr val="03060B"/>
+                </a:solidFill>
+                <a:latin typeface="Canva Sans"/>
+              </a:rPr>
+              <a:t>By: Quy (Christian) P. TRAN</a:t>
+            </a:r>
+          </a:p>
+          <a:p>
+            <a:pPr algn="just">
+              <a:lnSpc>
+                <a:spcPts val="4799"/>
+              </a:lnSpc>
+            </a:pPr>
+            <a:r>
+              <a:rPr lang="en-US" sz="3999">
+                <a:solidFill>
+                  <a:srgbClr val="03060B"/>
+                </a:solidFill>
+                <a:latin typeface="Canva Sans"/>
+              </a:rPr>
+              <a:t>Duration: 60 (minutes)</a:t>
+            </a:r>
+          </a:p>
+        </p:txBody>
+      </p:sp>
+    </p:spTree>
+  </p:cSld>
+  <p:clrMapOvr>
+    <a:masterClrMapping/>
+  </p:clrMapOvr>
+</p:sld>
+</file>
+
+<file path=ppt/slides/slide18.xml><?xml version="1.0" encoding="utf-8"?>
 <p:sld xmlns:p="http://schemas.openxmlformats.org/presentationml/2006/main" xmlns:a="http://schemas.openxmlformats.org/drawingml/2006/main" xmlns:r="http://schemas.openxmlformats.org/officeDocument/2006/relationships">
   <p:cSld>
     <p:bg>
@@ -7895,8 +8625,8 @@
         </p:nvSpPr>
         <p:spPr>
           <a:xfrm rot="0">
-            <a:off x="7279586" y="3095625"/>
-            <a:ext cx="4426078" cy="1228725"/>
+            <a:off x="7279586" y="3376613"/>
+            <a:ext cx="4426078" cy="666750"/>
           </a:xfrm>
           <a:prstGeom prst="rect">
             <a:avLst/>
@@ -7920,7 +8650,7 @@
                 </a:solidFill>
                 <a:latin typeface="Cooper Hewitt Bold"/>
               </a:rPr>
-              <a:t>DEVOPS FOR QA: INTRODUCTION</a:t>
+              <a:t>INTRODUCTION</a:t>
             </a:r>
           </a:p>
         </p:txBody>
@@ -7958,7 +8688,7 @@
                 </a:solidFill>
                 <a:latin typeface="Cooper Hewitt Bold"/>
               </a:rPr>
-              <a:t>WHAT IS DEVOPS?</a:t>
+              <a:t>WHAT IS DOCKER?</a:t>
             </a:r>
           </a:p>
         </p:txBody>
@@ -7996,7 +8726,7 @@
                 </a:solidFill>
                 <a:latin typeface="Cooper Hewitt Bold"/>
               </a:rPr>
-              <a:t>CI/CD</a:t>
+              <a:t>DOCKER IMAGES</a:t>
             </a:r>
           </a:p>
         </p:txBody>
@@ -8034,7 +8764,7 @@
                 </a:solidFill>
                 <a:latin typeface="Cooper Hewitt Bold"/>
               </a:rPr>
-              <a:t>DEVOPS TOOLS AND TECHNOLOGIES</a:t>
+              <a:t>DOCKER CONTAINERS</a:t>
             </a:r>
           </a:p>
         </p:txBody>
@@ -8148,7 +8878,7 @@
                 </a:solidFill>
                 <a:latin typeface="Cooper Hewitt Bold"/>
               </a:rPr>
-              <a:t>BENEFITS OF DEVOPS FOR QA</a:t>
+              <a:t>KEY DOCKER COMPONENTS</a:t>
             </a:r>
           </a:p>
         </p:txBody>
@@ -8161,7 +8891,7 @@
         </p:nvSpPr>
         <p:spPr>
           <a:xfrm rot="0">
-            <a:off x="13411555" y="6889135"/>
+            <a:off x="13411555" y="6891695"/>
             <a:ext cx="4426078" cy="1228725"/>
           </a:xfrm>
           <a:prstGeom prst="rect">
@@ -8186,7 +8916,7 @@
                 </a:solidFill>
                 <a:latin typeface="Cooper Hewitt Bold"/>
               </a:rPr>
-              <a:t>CONTINUOUS TESTING IN DEVOPS</a:t>
+              <a:t>DOCKER OPERATIONS</a:t>
             </a:r>
           </a:p>
         </p:txBody>
@@ -8199,7 +8929,7 @@
 </p:sld>
 </file>
 
-<file path=ppt/slides/slide3.xml><?xml version="1.0" encoding="utf-8"?>
+<file path=ppt/slides/slide19.xml><?xml version="1.0" encoding="utf-8"?>
 <p:sld xmlns:p="http://schemas.openxmlformats.org/presentationml/2006/main" xmlns:a="http://schemas.openxmlformats.org/drawingml/2006/main" xmlns:r="http://schemas.openxmlformats.org/officeDocument/2006/relationships">
   <p:cSld>
     <p:bg>
@@ -8839,8 +9569,8 @@
         </p:nvSpPr>
         <p:spPr>
           <a:xfrm rot="0">
-            <a:off x="7279586" y="2917144"/>
-            <a:ext cx="4426078" cy="1790700"/>
+            <a:off x="7279586" y="3076575"/>
+            <a:ext cx="4426078" cy="1228725"/>
           </a:xfrm>
           <a:prstGeom prst="rect">
             <a:avLst/>
@@ -8864,6 +9594,3679 @@
                 </a:solidFill>
                 <a:latin typeface="Cooper Hewitt Bold"/>
               </a:rPr>
+              <a:t>DOCKER NETWORKING</a:t>
+            </a:r>
+          </a:p>
+        </p:txBody>
+      </p:sp>
+      <p:sp>
+        <p:nvSpPr>
+          <p:cNvPr name="TextBox 22" id="22"/>
+          <p:cNvSpPr txBox="true"/>
+          <p:nvPr/>
+        </p:nvSpPr>
+        <p:spPr>
+          <a:xfrm rot="0">
+            <a:off x="7279586" y="5198447"/>
+            <a:ext cx="4426078" cy="666750"/>
+          </a:xfrm>
+          <a:prstGeom prst="rect">
+            <a:avLst/>
+          </a:prstGeom>
+        </p:spPr>
+        <p:txBody>
+          <a:bodyPr anchor="t" rtlCol="false" tIns="0" lIns="0" bIns="0" rIns="0">
+            <a:spAutoFit/>
+          </a:bodyPr>
+          <a:lstStyle/>
+          <a:p>
+            <a:pPr>
+              <a:lnSpc>
+                <a:spcPts val="4440"/>
+              </a:lnSpc>
+            </a:pPr>
+            <a:r>
+              <a:rPr lang="en-US" sz="3700">
+                <a:solidFill>
+                  <a:srgbClr val="051D64"/>
+                </a:solidFill>
+                <a:latin typeface="Cooper Hewitt Bold"/>
+              </a:rPr>
+              <a:t>DOCKER VOLUMES</a:t>
+            </a:r>
+          </a:p>
+        </p:txBody>
+      </p:sp>
+      <p:sp>
+        <p:nvSpPr>
+          <p:cNvPr name="TextBox 23" id="23"/>
+          <p:cNvSpPr txBox="true"/>
+          <p:nvPr/>
+        </p:nvSpPr>
+        <p:spPr>
+          <a:xfrm rot="0">
+            <a:off x="13382975" y="3076575"/>
+            <a:ext cx="4426078" cy="1228725"/>
+          </a:xfrm>
+          <a:prstGeom prst="rect">
+            <a:avLst/>
+          </a:prstGeom>
+        </p:spPr>
+        <p:txBody>
+          <a:bodyPr anchor="t" rtlCol="false" tIns="0" lIns="0" bIns="0" rIns="0">
+            <a:spAutoFit/>
+          </a:bodyPr>
+          <a:lstStyle/>
+          <a:p>
+            <a:pPr>
+              <a:lnSpc>
+                <a:spcPts val="4440"/>
+              </a:lnSpc>
+            </a:pPr>
+            <a:r>
+              <a:rPr lang="en-US" sz="3700">
+                <a:solidFill>
+                  <a:srgbClr val="051D64"/>
+                </a:solidFill>
+                <a:latin typeface="Cooper Hewitt Bold"/>
+              </a:rPr>
+              <a:t>BEST PRACTICES FOR DOCKER</a:t>
+            </a:r>
+          </a:p>
+        </p:txBody>
+      </p:sp>
+      <p:sp>
+        <p:nvSpPr>
+          <p:cNvPr name="TextBox 24" id="24"/>
+          <p:cNvSpPr txBox="true"/>
+          <p:nvPr/>
+        </p:nvSpPr>
+        <p:spPr>
+          <a:xfrm rot="0">
+            <a:off x="13411555" y="4917460"/>
+            <a:ext cx="4426078" cy="1228725"/>
+          </a:xfrm>
+          <a:prstGeom prst="rect">
+            <a:avLst/>
+          </a:prstGeom>
+        </p:spPr>
+        <p:txBody>
+          <a:bodyPr anchor="t" rtlCol="false" tIns="0" lIns="0" bIns="0" rIns="0">
+            <a:spAutoFit/>
+          </a:bodyPr>
+          <a:lstStyle/>
+          <a:p>
+            <a:pPr>
+              <a:lnSpc>
+                <a:spcPts val="4440"/>
+              </a:lnSpc>
+            </a:pPr>
+            <a:r>
+              <a:rPr lang="en-US" sz="3700">
+                <a:solidFill>
+                  <a:srgbClr val="051D64"/>
+                </a:solidFill>
+                <a:latin typeface="Cooper Hewitt Bold"/>
+              </a:rPr>
+              <a:t>HANDS-ON EXERCISE</a:t>
+            </a:r>
+          </a:p>
+        </p:txBody>
+      </p:sp>
+      <p:sp>
+        <p:nvSpPr>
+          <p:cNvPr name="TextBox 25" id="25"/>
+          <p:cNvSpPr txBox="true"/>
+          <p:nvPr/>
+        </p:nvSpPr>
+        <p:spPr>
+          <a:xfrm rot="0">
+            <a:off x="6128414" y="6996470"/>
+            <a:ext cx="1151172" cy="971550"/>
+          </a:xfrm>
+          <a:prstGeom prst="rect">
+            <a:avLst/>
+          </a:prstGeom>
+        </p:spPr>
+        <p:txBody>
+          <a:bodyPr anchor="t" rtlCol="false" tIns="0" lIns="0" bIns="0" rIns="0">
+            <a:spAutoFit/>
+          </a:bodyPr>
+          <a:lstStyle/>
+          <a:p>
+            <a:pPr>
+              <a:lnSpc>
+                <a:spcPts val="7679"/>
+              </a:lnSpc>
+            </a:pPr>
+            <a:r>
+              <a:rPr lang="en-US" sz="6399">
+                <a:solidFill>
+                  <a:srgbClr val="D18547"/>
+                </a:solidFill>
+                <a:latin typeface="Oswald Bold"/>
+              </a:rPr>
+              <a:t>09</a:t>
+            </a:r>
+          </a:p>
+        </p:txBody>
+      </p:sp>
+      <p:sp>
+        <p:nvSpPr>
+          <p:cNvPr name="TextBox 26" id="26"/>
+          <p:cNvSpPr txBox="true"/>
+          <p:nvPr/>
+        </p:nvSpPr>
+        <p:spPr>
+          <a:xfrm rot="0">
+            <a:off x="12260383" y="6996470"/>
+            <a:ext cx="1151172" cy="971550"/>
+          </a:xfrm>
+          <a:prstGeom prst="rect">
+            <a:avLst/>
+          </a:prstGeom>
+        </p:spPr>
+        <p:txBody>
+          <a:bodyPr anchor="t" rtlCol="false" tIns="0" lIns="0" bIns="0" rIns="0">
+            <a:spAutoFit/>
+          </a:bodyPr>
+          <a:lstStyle/>
+          <a:p>
+            <a:pPr>
+              <a:lnSpc>
+                <a:spcPts val="7679"/>
+              </a:lnSpc>
+            </a:pPr>
+            <a:r>
+              <a:rPr lang="en-US" sz="6399">
+                <a:solidFill>
+                  <a:srgbClr val="D18547"/>
+                </a:solidFill>
+                <a:latin typeface="Oswald Bold"/>
+              </a:rPr>
+              <a:t>12</a:t>
+            </a:r>
+          </a:p>
+        </p:txBody>
+      </p:sp>
+      <p:sp>
+        <p:nvSpPr>
+          <p:cNvPr name="TextBox 27" id="27"/>
+          <p:cNvSpPr txBox="true"/>
+          <p:nvPr/>
+        </p:nvSpPr>
+        <p:spPr>
+          <a:xfrm rot="0">
+            <a:off x="7279586" y="7096482"/>
+            <a:ext cx="4256245" cy="666750"/>
+          </a:xfrm>
+          <a:prstGeom prst="rect">
+            <a:avLst/>
+          </a:prstGeom>
+        </p:spPr>
+        <p:txBody>
+          <a:bodyPr anchor="t" rtlCol="false" tIns="0" lIns="0" bIns="0" rIns="0">
+            <a:spAutoFit/>
+          </a:bodyPr>
+          <a:lstStyle/>
+          <a:p>
+            <a:pPr>
+              <a:lnSpc>
+                <a:spcPts val="4439"/>
+              </a:lnSpc>
+            </a:pPr>
+            <a:r>
+              <a:rPr lang="en-US" sz="3699">
+                <a:solidFill>
+                  <a:srgbClr val="051D64"/>
+                </a:solidFill>
+                <a:latin typeface="Cooper Hewitt Bold"/>
+              </a:rPr>
+              <a:t>DOCKER COMPOSE</a:t>
+            </a:r>
+          </a:p>
+        </p:txBody>
+      </p:sp>
+      <p:sp>
+        <p:nvSpPr>
+          <p:cNvPr name="TextBox 28" id="28"/>
+          <p:cNvSpPr txBox="true"/>
+          <p:nvPr/>
+        </p:nvSpPr>
+        <p:spPr>
+          <a:xfrm rot="0">
+            <a:off x="13411555" y="6755785"/>
+            <a:ext cx="4426078" cy="1790700"/>
+          </a:xfrm>
+          <a:prstGeom prst="rect">
+            <a:avLst/>
+          </a:prstGeom>
+        </p:spPr>
+        <p:txBody>
+          <a:bodyPr anchor="t" rtlCol="false" tIns="0" lIns="0" bIns="0" rIns="0">
+            <a:spAutoFit/>
+          </a:bodyPr>
+          <a:lstStyle/>
+          <a:p>
+            <a:pPr>
+              <a:lnSpc>
+                <a:spcPts val="4440"/>
+              </a:lnSpc>
+            </a:pPr>
+            <a:r>
+              <a:rPr lang="en-US" sz="3700">
+                <a:solidFill>
+                  <a:srgbClr val="051D64"/>
+                </a:solidFill>
+                <a:latin typeface="Cooper Hewitt Bold"/>
+              </a:rPr>
+              <a:t>SUMMARY AND ADDITIONAL RESOURCES</a:t>
+            </a:r>
+          </a:p>
+        </p:txBody>
+      </p:sp>
+    </p:spTree>
+  </p:cSld>
+  <p:clrMapOvr>
+    <a:masterClrMapping/>
+  </p:clrMapOvr>
+</p:sld>
+</file>
+
+<file path=ppt/slides/slide2.xml><?xml version="1.0" encoding="utf-8"?>
+<p:sld xmlns:p="http://schemas.openxmlformats.org/presentationml/2006/main" xmlns:a="http://schemas.openxmlformats.org/drawingml/2006/main" xmlns:r="http://schemas.openxmlformats.org/officeDocument/2006/relationships">
+  <p:cSld>
+    <p:bg>
+      <p:bgPr>
+        <a:solidFill>
+          <a:srgbClr val="E8E8E8"/>
+        </a:solidFill>
+      </p:bgPr>
+    </p:bg>
+    <p:spTree>
+      <p:nvGrpSpPr>
+        <p:cNvPr id="1" name=""/>
+        <p:cNvGrpSpPr/>
+        <p:nvPr/>
+      </p:nvGrpSpPr>
+      <p:grpSpPr>
+        <a:xfrm>
+          <a:off x="0" y="0"/>
+          <a:ext cx="0" cy="0"/>
+          <a:chOff x="0" y="0"/>
+          <a:chExt cx="0" cy="0"/>
+        </a:xfrm>
+      </p:grpSpPr>
+      <p:sp>
+        <p:nvSpPr>
+          <p:cNvPr name="Freeform 2" id="2"/>
+          <p:cNvSpPr/>
+          <p:nvPr/>
+        </p:nvSpPr>
+        <p:spPr>
+          <a:xfrm flipH="false" flipV="false" rot="0">
+            <a:off x="9833938" y="0"/>
+            <a:ext cx="8454062" cy="1648542"/>
+          </a:xfrm>
+          <a:custGeom>
+            <a:avLst/>
+            <a:gdLst/>
+            <a:ahLst/>
+            <a:cxnLst/>
+            <a:rect r="r" b="b" t="t" l="l"/>
+            <a:pathLst>
+              <a:path h="1648542" w="8454062">
+                <a:moveTo>
+                  <a:pt x="0" y="0"/>
+                </a:moveTo>
+                <a:lnTo>
+                  <a:pt x="8454062" y="0"/>
+                </a:lnTo>
+                <a:lnTo>
+                  <a:pt x="8454062" y="1648542"/>
+                </a:lnTo>
+                <a:lnTo>
+                  <a:pt x="0" y="1648542"/>
+                </a:lnTo>
+                <a:lnTo>
+                  <a:pt x="0" y="0"/>
+                </a:lnTo>
+                <a:close/>
+              </a:path>
+            </a:pathLst>
+          </a:custGeom>
+          <a:blipFill>
+            <a:blip r:embed="rId2">
+              <a:extLst>
+                <a:ext uri="{96DAC541-7B7A-43D3-8B79-37D633B846F1}">
+                  <asvg:svgBlip xmlns:asvg="http://schemas.microsoft.com/office/drawing/2016/SVG/main" r:embed="rId3"/>
+                </a:ext>
+              </a:extLst>
+            </a:blip>
+            <a:stretch>
+              <a:fillRect l="0" t="0" r="0" b="0"/>
+            </a:stretch>
+          </a:blipFill>
+        </p:spPr>
+      </p:sp>
+      <p:sp>
+        <p:nvSpPr>
+          <p:cNvPr name="Freeform 3" id="3"/>
+          <p:cNvSpPr/>
+          <p:nvPr/>
+        </p:nvSpPr>
+        <p:spPr>
+          <a:xfrm flipH="false" flipV="true" rot="0">
+            <a:off x="0" y="7998501"/>
+            <a:ext cx="6128414" cy="2288499"/>
+          </a:xfrm>
+          <a:custGeom>
+            <a:avLst/>
+            <a:gdLst/>
+            <a:ahLst/>
+            <a:cxnLst/>
+            <a:rect r="r" b="b" t="t" l="l"/>
+            <a:pathLst>
+              <a:path h="2288499" w="6128414">
+                <a:moveTo>
+                  <a:pt x="0" y="2288499"/>
+                </a:moveTo>
+                <a:lnTo>
+                  <a:pt x="6128414" y="2288499"/>
+                </a:lnTo>
+                <a:lnTo>
+                  <a:pt x="6128414" y="0"/>
+                </a:lnTo>
+                <a:lnTo>
+                  <a:pt x="0" y="0"/>
+                </a:lnTo>
+                <a:lnTo>
+                  <a:pt x="0" y="2288499"/>
+                </a:lnTo>
+                <a:close/>
+              </a:path>
+            </a:pathLst>
+          </a:custGeom>
+          <a:blipFill>
+            <a:blip r:embed="rId4">
+              <a:extLst>
+                <a:ext uri="{96DAC541-7B7A-43D3-8B79-37D633B846F1}">
+                  <asvg:svgBlip xmlns:asvg="http://schemas.microsoft.com/office/drawing/2016/SVG/main" r:embed="rId5"/>
+                </a:ext>
+              </a:extLst>
+            </a:blip>
+            <a:stretch>
+              <a:fillRect l="0" t="0" r="-103224" b="0"/>
+            </a:stretch>
+          </a:blipFill>
+        </p:spPr>
+      </p:sp>
+      <p:grpSp>
+        <p:nvGrpSpPr>
+          <p:cNvPr name="Group 4" id="4"/>
+          <p:cNvGrpSpPr/>
+          <p:nvPr/>
+        </p:nvGrpSpPr>
+        <p:grpSpPr>
+          <a:xfrm rot="0">
+            <a:off x="5166947" y="9939233"/>
+            <a:ext cx="16432054" cy="3086100"/>
+            <a:chOff x="0" y="0"/>
+            <a:chExt cx="4327784" cy="812800"/>
+          </a:xfrm>
+        </p:grpSpPr>
+        <p:sp>
+          <p:nvSpPr>
+            <p:cNvPr name="Freeform 5" id="5"/>
+            <p:cNvSpPr/>
+            <p:nvPr/>
+          </p:nvSpPr>
+          <p:spPr>
+            <a:xfrm flipH="false" flipV="false" rot="0">
+              <a:off x="0" y="0"/>
+              <a:ext cx="4327784" cy="812800"/>
+            </a:xfrm>
+            <a:custGeom>
+              <a:avLst/>
+              <a:gdLst/>
+              <a:ahLst/>
+              <a:cxnLst/>
+              <a:rect r="r" b="b" t="t" l="l"/>
+              <a:pathLst>
+                <a:path h="812800" w="4327784">
+                  <a:moveTo>
+                    <a:pt x="0" y="0"/>
+                  </a:moveTo>
+                  <a:lnTo>
+                    <a:pt x="4327784" y="0"/>
+                  </a:lnTo>
+                  <a:lnTo>
+                    <a:pt x="4327784" y="812800"/>
+                  </a:lnTo>
+                  <a:lnTo>
+                    <a:pt x="0" y="812800"/>
+                  </a:lnTo>
+                  <a:close/>
+                </a:path>
+              </a:pathLst>
+            </a:custGeom>
+            <a:solidFill>
+              <a:srgbClr val="051D64"/>
+            </a:solidFill>
+          </p:spPr>
+        </p:sp>
+        <p:sp>
+          <p:nvSpPr>
+            <p:cNvPr name="TextBox 6" id="6"/>
+            <p:cNvSpPr txBox="true"/>
+            <p:nvPr/>
+          </p:nvSpPr>
+          <p:spPr>
+            <a:xfrm>
+              <a:off x="0" y="-38100"/>
+              <a:ext cx="812800" cy="850900"/>
+            </a:xfrm>
+            <a:prstGeom prst="rect">
+              <a:avLst/>
+            </a:prstGeom>
+          </p:spPr>
+          <p:txBody>
+            <a:bodyPr anchor="ctr" rtlCol="false" tIns="50800" lIns="50800" bIns="50800" rIns="50800"/>
+            <a:lstStyle/>
+            <a:p>
+              <a:pPr algn="ctr">
+                <a:lnSpc>
+                  <a:spcPts val="2659"/>
+                </a:lnSpc>
+              </a:pPr>
+            </a:p>
+          </p:txBody>
+        </p:sp>
+      </p:grpSp>
+      <p:sp>
+        <p:nvSpPr>
+          <p:cNvPr name="TextBox 7" id="7"/>
+          <p:cNvSpPr txBox="true"/>
+          <p:nvPr/>
+        </p:nvSpPr>
+        <p:spPr>
+          <a:xfrm rot="0">
+            <a:off x="1085548" y="4171950"/>
+            <a:ext cx="3961789" cy="1943100"/>
+          </a:xfrm>
+          <a:prstGeom prst="rect">
+            <a:avLst/>
+          </a:prstGeom>
+        </p:spPr>
+        <p:txBody>
+          <a:bodyPr anchor="t" rtlCol="false" tIns="0" lIns="0" bIns="0" rIns="0">
+            <a:spAutoFit/>
+          </a:bodyPr>
+          <a:lstStyle/>
+          <a:p>
+            <a:pPr>
+              <a:lnSpc>
+                <a:spcPts val="7679"/>
+              </a:lnSpc>
+            </a:pPr>
+            <a:r>
+              <a:rPr lang="en-US" sz="6399">
+                <a:solidFill>
+                  <a:srgbClr val="051D64"/>
+                </a:solidFill>
+                <a:latin typeface="Oswald Bold"/>
+              </a:rPr>
+              <a:t>TABLE OF</a:t>
+            </a:r>
+          </a:p>
+          <a:p>
+            <a:pPr>
+              <a:lnSpc>
+                <a:spcPts val="7679"/>
+              </a:lnSpc>
+            </a:pPr>
+            <a:r>
+              <a:rPr lang="en-US" sz="6399">
+                <a:solidFill>
+                  <a:srgbClr val="051D64"/>
+                </a:solidFill>
+                <a:latin typeface="Oswald Bold"/>
+              </a:rPr>
+              <a:t>CONTENT</a:t>
+            </a:r>
+          </a:p>
+        </p:txBody>
+      </p:sp>
+      <p:sp>
+        <p:nvSpPr>
+          <p:cNvPr name="TextBox 8" id="8"/>
+          <p:cNvSpPr txBox="true"/>
+          <p:nvPr/>
+        </p:nvSpPr>
+        <p:spPr>
+          <a:xfrm rot="0">
+            <a:off x="6128414" y="3200400"/>
+            <a:ext cx="1151172" cy="971550"/>
+          </a:xfrm>
+          <a:prstGeom prst="rect">
+            <a:avLst/>
+          </a:prstGeom>
+        </p:spPr>
+        <p:txBody>
+          <a:bodyPr anchor="t" rtlCol="false" tIns="0" lIns="0" bIns="0" rIns="0">
+            <a:spAutoFit/>
+          </a:bodyPr>
+          <a:lstStyle/>
+          <a:p>
+            <a:pPr>
+              <a:lnSpc>
+                <a:spcPts val="7679"/>
+              </a:lnSpc>
+            </a:pPr>
+            <a:r>
+              <a:rPr lang="en-US" sz="6399">
+                <a:solidFill>
+                  <a:srgbClr val="D18547"/>
+                </a:solidFill>
+                <a:latin typeface="Oswald Bold"/>
+              </a:rPr>
+              <a:t>01</a:t>
+            </a:r>
+          </a:p>
+        </p:txBody>
+      </p:sp>
+      <p:sp>
+        <p:nvSpPr>
+          <p:cNvPr name="TextBox 9" id="9"/>
+          <p:cNvSpPr txBox="true"/>
+          <p:nvPr/>
+        </p:nvSpPr>
+        <p:spPr>
+          <a:xfrm rot="0">
+            <a:off x="6128414" y="5098435"/>
+            <a:ext cx="1151172" cy="971550"/>
+          </a:xfrm>
+          <a:prstGeom prst="rect">
+            <a:avLst/>
+          </a:prstGeom>
+        </p:spPr>
+        <p:txBody>
+          <a:bodyPr anchor="t" rtlCol="false" tIns="0" lIns="0" bIns="0" rIns="0">
+            <a:spAutoFit/>
+          </a:bodyPr>
+          <a:lstStyle/>
+          <a:p>
+            <a:pPr>
+              <a:lnSpc>
+                <a:spcPts val="7679"/>
+              </a:lnSpc>
+            </a:pPr>
+            <a:r>
+              <a:rPr lang="en-US" sz="6399">
+                <a:solidFill>
+                  <a:srgbClr val="D18547"/>
+                </a:solidFill>
+                <a:latin typeface="Oswald Bold"/>
+              </a:rPr>
+              <a:t>02</a:t>
+            </a:r>
+          </a:p>
+        </p:txBody>
+      </p:sp>
+      <p:sp>
+        <p:nvSpPr>
+          <p:cNvPr name="TextBox 10" id="10"/>
+          <p:cNvSpPr txBox="true"/>
+          <p:nvPr/>
+        </p:nvSpPr>
+        <p:spPr>
+          <a:xfrm rot="0">
+            <a:off x="12260383" y="3200400"/>
+            <a:ext cx="1151172" cy="971550"/>
+          </a:xfrm>
+          <a:prstGeom prst="rect">
+            <a:avLst/>
+          </a:prstGeom>
+        </p:spPr>
+        <p:txBody>
+          <a:bodyPr anchor="t" rtlCol="false" tIns="0" lIns="0" bIns="0" rIns="0">
+            <a:spAutoFit/>
+          </a:bodyPr>
+          <a:lstStyle/>
+          <a:p>
+            <a:pPr>
+              <a:lnSpc>
+                <a:spcPts val="7679"/>
+              </a:lnSpc>
+            </a:pPr>
+            <a:r>
+              <a:rPr lang="en-US" sz="6399">
+                <a:solidFill>
+                  <a:srgbClr val="D18547"/>
+                </a:solidFill>
+                <a:latin typeface="Oswald Bold"/>
+              </a:rPr>
+              <a:t>04</a:t>
+            </a:r>
+          </a:p>
+        </p:txBody>
+      </p:sp>
+      <p:sp>
+        <p:nvSpPr>
+          <p:cNvPr name="TextBox 11" id="11"/>
+          <p:cNvSpPr txBox="true"/>
+          <p:nvPr/>
+        </p:nvSpPr>
+        <p:spPr>
+          <a:xfrm rot="0">
+            <a:off x="12260383" y="5098435"/>
+            <a:ext cx="1151172" cy="971550"/>
+          </a:xfrm>
+          <a:prstGeom prst="rect">
+            <a:avLst/>
+          </a:prstGeom>
+        </p:spPr>
+        <p:txBody>
+          <a:bodyPr anchor="t" rtlCol="false" tIns="0" lIns="0" bIns="0" rIns="0">
+            <a:spAutoFit/>
+          </a:bodyPr>
+          <a:lstStyle/>
+          <a:p>
+            <a:pPr>
+              <a:lnSpc>
+                <a:spcPts val="7679"/>
+              </a:lnSpc>
+            </a:pPr>
+            <a:r>
+              <a:rPr lang="en-US" sz="6399">
+                <a:solidFill>
+                  <a:srgbClr val="D18547"/>
+                </a:solidFill>
+                <a:latin typeface="Oswald Bold"/>
+              </a:rPr>
+              <a:t>05</a:t>
+            </a:r>
+          </a:p>
+        </p:txBody>
+      </p:sp>
+      <p:sp>
+        <p:nvSpPr>
+          <p:cNvPr name="AutoShape 12" id="12"/>
+          <p:cNvSpPr/>
+          <p:nvPr/>
+        </p:nvSpPr>
+        <p:spPr>
+          <a:xfrm flipV="true">
+            <a:off x="6109733" y="9572264"/>
+            <a:ext cx="8115511" cy="57150"/>
+          </a:xfrm>
+          <a:prstGeom prst="line">
+            <a:avLst/>
+          </a:prstGeom>
+          <a:ln cap="flat" w="104775">
+            <a:solidFill>
+              <a:srgbClr val="F9B680"/>
+            </a:solidFill>
+            <a:prstDash val="solid"/>
+            <a:headEnd type="none" len="sm" w="sm"/>
+            <a:tailEnd type="none" len="sm" w="sm"/>
+          </a:ln>
+        </p:spPr>
+      </p:sp>
+      <p:sp>
+        <p:nvSpPr>
+          <p:cNvPr name="AutoShape 13" id="13"/>
+          <p:cNvSpPr/>
+          <p:nvPr/>
+        </p:nvSpPr>
+        <p:spPr>
+          <a:xfrm>
+            <a:off x="685118" y="568102"/>
+            <a:ext cx="375086" cy="438940"/>
+          </a:xfrm>
+          <a:prstGeom prst="line">
+            <a:avLst/>
+          </a:prstGeom>
+          <a:ln cap="flat" w="66675">
+            <a:solidFill>
+              <a:srgbClr val="BEC6D4"/>
+            </a:solidFill>
+            <a:prstDash val="solid"/>
+            <a:headEnd type="none" len="sm" w="sm"/>
+            <a:tailEnd type="none" len="sm" w="sm"/>
+          </a:ln>
+        </p:spPr>
+      </p:sp>
+      <p:sp>
+        <p:nvSpPr>
+          <p:cNvPr name="AutoShape 14" id="14"/>
+          <p:cNvSpPr/>
+          <p:nvPr/>
+        </p:nvSpPr>
+        <p:spPr>
+          <a:xfrm>
+            <a:off x="1026336" y="568102"/>
+            <a:ext cx="375086" cy="438940"/>
+          </a:xfrm>
+          <a:prstGeom prst="line">
+            <a:avLst/>
+          </a:prstGeom>
+          <a:ln cap="flat" w="66675">
+            <a:solidFill>
+              <a:srgbClr val="BEC6D4"/>
+            </a:solidFill>
+            <a:prstDash val="solid"/>
+            <a:headEnd type="none" len="sm" w="sm"/>
+            <a:tailEnd type="none" len="sm" w="sm"/>
+          </a:ln>
+        </p:spPr>
+      </p:sp>
+      <p:sp>
+        <p:nvSpPr>
+          <p:cNvPr name="AutoShape 15" id="15"/>
+          <p:cNvSpPr/>
+          <p:nvPr/>
+        </p:nvSpPr>
+        <p:spPr>
+          <a:xfrm>
+            <a:off x="1367554" y="568102"/>
+            <a:ext cx="375086" cy="438940"/>
+          </a:xfrm>
+          <a:prstGeom prst="line">
+            <a:avLst/>
+          </a:prstGeom>
+          <a:ln cap="flat" w="66675">
+            <a:solidFill>
+              <a:srgbClr val="BEC6D4"/>
+            </a:solidFill>
+            <a:prstDash val="solid"/>
+            <a:headEnd type="none" len="sm" w="sm"/>
+            <a:tailEnd type="none" len="sm" w="sm"/>
+          </a:ln>
+        </p:spPr>
+      </p:sp>
+      <p:sp>
+        <p:nvSpPr>
+          <p:cNvPr name="AutoShape 16" id="16"/>
+          <p:cNvSpPr/>
+          <p:nvPr/>
+        </p:nvSpPr>
+        <p:spPr>
+          <a:xfrm>
+            <a:off x="1708772" y="568102"/>
+            <a:ext cx="375086" cy="438940"/>
+          </a:xfrm>
+          <a:prstGeom prst="line">
+            <a:avLst/>
+          </a:prstGeom>
+          <a:ln cap="flat" w="66675">
+            <a:solidFill>
+              <a:srgbClr val="BEC6D4"/>
+            </a:solidFill>
+            <a:prstDash val="solid"/>
+            <a:headEnd type="none" len="sm" w="sm"/>
+            <a:tailEnd type="none" len="sm" w="sm"/>
+          </a:ln>
+        </p:spPr>
+      </p:sp>
+      <p:sp>
+        <p:nvSpPr>
+          <p:cNvPr name="AutoShape 17" id="17"/>
+          <p:cNvSpPr/>
+          <p:nvPr/>
+        </p:nvSpPr>
+        <p:spPr>
+          <a:xfrm>
+            <a:off x="2049991" y="568102"/>
+            <a:ext cx="375086" cy="438940"/>
+          </a:xfrm>
+          <a:prstGeom prst="line">
+            <a:avLst/>
+          </a:prstGeom>
+          <a:ln cap="flat" w="66675">
+            <a:solidFill>
+              <a:srgbClr val="BEC6D4"/>
+            </a:solidFill>
+            <a:prstDash val="solid"/>
+            <a:headEnd type="none" len="sm" w="sm"/>
+            <a:tailEnd type="none" len="sm" w="sm"/>
+          </a:ln>
+        </p:spPr>
+      </p:sp>
+      <p:sp>
+        <p:nvSpPr>
+          <p:cNvPr name="AutoShape 18" id="18"/>
+          <p:cNvSpPr/>
+          <p:nvPr/>
+        </p:nvSpPr>
+        <p:spPr>
+          <a:xfrm>
+            <a:off x="2391209" y="568102"/>
+            <a:ext cx="375086" cy="438940"/>
+          </a:xfrm>
+          <a:prstGeom prst="line">
+            <a:avLst/>
+          </a:prstGeom>
+          <a:ln cap="flat" w="66675">
+            <a:solidFill>
+              <a:srgbClr val="BEC6D4"/>
+            </a:solidFill>
+            <a:prstDash val="solid"/>
+            <a:headEnd type="none" len="sm" w="sm"/>
+            <a:tailEnd type="none" len="sm" w="sm"/>
+          </a:ln>
+        </p:spPr>
+      </p:sp>
+      <p:sp>
+        <p:nvSpPr>
+          <p:cNvPr name="AutoShape 19" id="19"/>
+          <p:cNvSpPr/>
+          <p:nvPr/>
+        </p:nvSpPr>
+        <p:spPr>
+          <a:xfrm>
+            <a:off x="2732427" y="568102"/>
+            <a:ext cx="375086" cy="438940"/>
+          </a:xfrm>
+          <a:prstGeom prst="line">
+            <a:avLst/>
+          </a:prstGeom>
+          <a:ln cap="flat" w="66675">
+            <a:solidFill>
+              <a:srgbClr val="BEC6D4"/>
+            </a:solidFill>
+            <a:prstDash val="solid"/>
+            <a:headEnd type="none" len="sm" w="sm"/>
+            <a:tailEnd type="none" len="sm" w="sm"/>
+          </a:ln>
+        </p:spPr>
+      </p:sp>
+      <p:sp>
+        <p:nvSpPr>
+          <p:cNvPr name="AutoShape 20" id="20"/>
+          <p:cNvSpPr/>
+          <p:nvPr/>
+        </p:nvSpPr>
+        <p:spPr>
+          <a:xfrm>
+            <a:off x="3073645" y="568102"/>
+            <a:ext cx="375086" cy="438940"/>
+          </a:xfrm>
+          <a:prstGeom prst="line">
+            <a:avLst/>
+          </a:prstGeom>
+          <a:ln cap="flat" w="66675">
+            <a:solidFill>
+              <a:srgbClr val="BEC6D4"/>
+            </a:solidFill>
+            <a:prstDash val="solid"/>
+            <a:headEnd type="none" len="sm" w="sm"/>
+            <a:tailEnd type="none" len="sm" w="sm"/>
+          </a:ln>
+        </p:spPr>
+      </p:sp>
+      <p:sp>
+        <p:nvSpPr>
+          <p:cNvPr name="TextBox 21" id="21"/>
+          <p:cNvSpPr txBox="true"/>
+          <p:nvPr/>
+        </p:nvSpPr>
+        <p:spPr>
+          <a:xfrm rot="0">
+            <a:off x="7279586" y="3095625"/>
+            <a:ext cx="4426078" cy="1228725"/>
+          </a:xfrm>
+          <a:prstGeom prst="rect">
+            <a:avLst/>
+          </a:prstGeom>
+        </p:spPr>
+        <p:txBody>
+          <a:bodyPr anchor="t" rtlCol="false" tIns="0" lIns="0" bIns="0" rIns="0">
+            <a:spAutoFit/>
+          </a:bodyPr>
+          <a:lstStyle/>
+          <a:p>
+            <a:pPr>
+              <a:lnSpc>
+                <a:spcPts val="4440"/>
+              </a:lnSpc>
+            </a:pPr>
+            <a:r>
+              <a:rPr lang="en-US" sz="3700">
+                <a:solidFill>
+                  <a:srgbClr val="051D64"/>
+                </a:solidFill>
+                <a:latin typeface="Cooper Hewitt Bold"/>
+              </a:rPr>
+              <a:t>DEVOPS FOR QA: INTRODUCTION</a:t>
+            </a:r>
+          </a:p>
+        </p:txBody>
+      </p:sp>
+      <p:sp>
+        <p:nvSpPr>
+          <p:cNvPr name="TextBox 22" id="22"/>
+          <p:cNvSpPr txBox="true"/>
+          <p:nvPr/>
+        </p:nvSpPr>
+        <p:spPr>
+          <a:xfrm rot="0">
+            <a:off x="7279586" y="5272266"/>
+            <a:ext cx="4426078" cy="666750"/>
+          </a:xfrm>
+          <a:prstGeom prst="rect">
+            <a:avLst/>
+          </a:prstGeom>
+        </p:spPr>
+        <p:txBody>
+          <a:bodyPr anchor="t" rtlCol="false" tIns="0" lIns="0" bIns="0" rIns="0">
+            <a:spAutoFit/>
+          </a:bodyPr>
+          <a:lstStyle/>
+          <a:p>
+            <a:pPr>
+              <a:lnSpc>
+                <a:spcPts val="4440"/>
+              </a:lnSpc>
+            </a:pPr>
+            <a:r>
+              <a:rPr lang="en-US" sz="3700">
+                <a:solidFill>
+                  <a:srgbClr val="051D64"/>
+                </a:solidFill>
+                <a:latin typeface="Cooper Hewitt Bold"/>
+              </a:rPr>
+              <a:t>WHAT IS DEVOPS?</a:t>
+            </a:r>
+          </a:p>
+        </p:txBody>
+      </p:sp>
+      <p:sp>
+        <p:nvSpPr>
+          <p:cNvPr name="TextBox 23" id="23"/>
+          <p:cNvSpPr txBox="true"/>
+          <p:nvPr/>
+        </p:nvSpPr>
+        <p:spPr>
+          <a:xfrm rot="0">
+            <a:off x="13411555" y="3376613"/>
+            <a:ext cx="4426078" cy="666750"/>
+          </a:xfrm>
+          <a:prstGeom prst="rect">
+            <a:avLst/>
+          </a:prstGeom>
+        </p:spPr>
+        <p:txBody>
+          <a:bodyPr anchor="t" rtlCol="false" tIns="0" lIns="0" bIns="0" rIns="0">
+            <a:spAutoFit/>
+          </a:bodyPr>
+          <a:lstStyle/>
+          <a:p>
+            <a:pPr>
+              <a:lnSpc>
+                <a:spcPts val="4440"/>
+              </a:lnSpc>
+            </a:pPr>
+            <a:r>
+              <a:rPr lang="en-US" sz="3700">
+                <a:solidFill>
+                  <a:srgbClr val="051D64"/>
+                </a:solidFill>
+                <a:latin typeface="Cooper Hewitt Bold"/>
+              </a:rPr>
+              <a:t>CI/CD</a:t>
+            </a:r>
+          </a:p>
+        </p:txBody>
+      </p:sp>
+      <p:sp>
+        <p:nvSpPr>
+          <p:cNvPr name="TextBox 24" id="24"/>
+          <p:cNvSpPr txBox="true"/>
+          <p:nvPr/>
+        </p:nvSpPr>
+        <p:spPr>
+          <a:xfrm rot="0">
+            <a:off x="13411555" y="4993660"/>
+            <a:ext cx="4426078" cy="1228725"/>
+          </a:xfrm>
+          <a:prstGeom prst="rect">
+            <a:avLst/>
+          </a:prstGeom>
+        </p:spPr>
+        <p:txBody>
+          <a:bodyPr anchor="t" rtlCol="false" tIns="0" lIns="0" bIns="0" rIns="0">
+            <a:spAutoFit/>
+          </a:bodyPr>
+          <a:lstStyle/>
+          <a:p>
+            <a:pPr>
+              <a:lnSpc>
+                <a:spcPts val="4440"/>
+              </a:lnSpc>
+            </a:pPr>
+            <a:r>
+              <a:rPr lang="en-US" sz="3700">
+                <a:solidFill>
+                  <a:srgbClr val="051D64"/>
+                </a:solidFill>
+                <a:latin typeface="Cooper Hewitt Bold"/>
+              </a:rPr>
+              <a:t>DEVOPS TOOLS AND TECHNOLOGIES</a:t>
+            </a:r>
+          </a:p>
+        </p:txBody>
+      </p:sp>
+      <p:sp>
+        <p:nvSpPr>
+          <p:cNvPr name="TextBox 25" id="25"/>
+          <p:cNvSpPr txBox="true"/>
+          <p:nvPr/>
+        </p:nvSpPr>
+        <p:spPr>
+          <a:xfrm rot="0">
+            <a:off x="6128414" y="6996470"/>
+            <a:ext cx="1151172" cy="971550"/>
+          </a:xfrm>
+          <a:prstGeom prst="rect">
+            <a:avLst/>
+          </a:prstGeom>
+        </p:spPr>
+        <p:txBody>
+          <a:bodyPr anchor="t" rtlCol="false" tIns="0" lIns="0" bIns="0" rIns="0">
+            <a:spAutoFit/>
+          </a:bodyPr>
+          <a:lstStyle/>
+          <a:p>
+            <a:pPr>
+              <a:lnSpc>
+                <a:spcPts val="7679"/>
+              </a:lnSpc>
+            </a:pPr>
+            <a:r>
+              <a:rPr lang="en-US" sz="6399">
+                <a:solidFill>
+                  <a:srgbClr val="D18547"/>
+                </a:solidFill>
+                <a:latin typeface="Oswald Bold"/>
+              </a:rPr>
+              <a:t>03</a:t>
+            </a:r>
+          </a:p>
+        </p:txBody>
+      </p:sp>
+      <p:sp>
+        <p:nvSpPr>
+          <p:cNvPr name="TextBox 26" id="26"/>
+          <p:cNvSpPr txBox="true"/>
+          <p:nvPr/>
+        </p:nvSpPr>
+        <p:spPr>
+          <a:xfrm rot="0">
+            <a:off x="12260383" y="6996470"/>
+            <a:ext cx="1151172" cy="971550"/>
+          </a:xfrm>
+          <a:prstGeom prst="rect">
+            <a:avLst/>
+          </a:prstGeom>
+        </p:spPr>
+        <p:txBody>
+          <a:bodyPr anchor="t" rtlCol="false" tIns="0" lIns="0" bIns="0" rIns="0">
+            <a:spAutoFit/>
+          </a:bodyPr>
+          <a:lstStyle/>
+          <a:p>
+            <a:pPr>
+              <a:lnSpc>
+                <a:spcPts val="7679"/>
+              </a:lnSpc>
+            </a:pPr>
+            <a:r>
+              <a:rPr lang="en-US" sz="6399">
+                <a:solidFill>
+                  <a:srgbClr val="D18547"/>
+                </a:solidFill>
+                <a:latin typeface="Oswald Bold"/>
+              </a:rPr>
+              <a:t>06</a:t>
+            </a:r>
+          </a:p>
+        </p:txBody>
+      </p:sp>
+      <p:sp>
+        <p:nvSpPr>
+          <p:cNvPr name="TextBox 27" id="27"/>
+          <p:cNvSpPr txBox="true"/>
+          <p:nvPr/>
+        </p:nvSpPr>
+        <p:spPr>
+          <a:xfrm rot="0">
+            <a:off x="7279586" y="6891695"/>
+            <a:ext cx="4256245" cy="1228725"/>
+          </a:xfrm>
+          <a:prstGeom prst="rect">
+            <a:avLst/>
+          </a:prstGeom>
+        </p:spPr>
+        <p:txBody>
+          <a:bodyPr anchor="t" rtlCol="false" tIns="0" lIns="0" bIns="0" rIns="0">
+            <a:spAutoFit/>
+          </a:bodyPr>
+          <a:lstStyle/>
+          <a:p>
+            <a:pPr>
+              <a:lnSpc>
+                <a:spcPts val="4439"/>
+              </a:lnSpc>
+            </a:pPr>
+            <a:r>
+              <a:rPr lang="en-US" sz="3699">
+                <a:solidFill>
+                  <a:srgbClr val="051D64"/>
+                </a:solidFill>
+                <a:latin typeface="Cooper Hewitt Bold"/>
+              </a:rPr>
+              <a:t>BENEFITS OF DEVOPS FOR QA</a:t>
+            </a:r>
+          </a:p>
+        </p:txBody>
+      </p:sp>
+      <p:sp>
+        <p:nvSpPr>
+          <p:cNvPr name="TextBox 28" id="28"/>
+          <p:cNvSpPr txBox="true"/>
+          <p:nvPr/>
+        </p:nvSpPr>
+        <p:spPr>
+          <a:xfrm rot="0">
+            <a:off x="13411555" y="6889135"/>
+            <a:ext cx="4426078" cy="1228725"/>
+          </a:xfrm>
+          <a:prstGeom prst="rect">
+            <a:avLst/>
+          </a:prstGeom>
+        </p:spPr>
+        <p:txBody>
+          <a:bodyPr anchor="t" rtlCol="false" tIns="0" lIns="0" bIns="0" rIns="0">
+            <a:spAutoFit/>
+          </a:bodyPr>
+          <a:lstStyle/>
+          <a:p>
+            <a:pPr>
+              <a:lnSpc>
+                <a:spcPts val="4440"/>
+              </a:lnSpc>
+            </a:pPr>
+            <a:r>
+              <a:rPr lang="en-US" sz="3700">
+                <a:solidFill>
+                  <a:srgbClr val="051D64"/>
+                </a:solidFill>
+                <a:latin typeface="Cooper Hewitt Bold"/>
+              </a:rPr>
+              <a:t>CONTINUOUS TESTING IN DEVOPS</a:t>
+            </a:r>
+          </a:p>
+        </p:txBody>
+      </p:sp>
+    </p:spTree>
+  </p:cSld>
+  <p:clrMapOvr>
+    <a:masterClrMapping/>
+  </p:clrMapOvr>
+</p:sld>
+</file>
+
+<file path=ppt/slides/slide20.xml><?xml version="1.0" encoding="utf-8"?>
+<p:sld xmlns:p="http://schemas.openxmlformats.org/presentationml/2006/main" xmlns:a="http://schemas.openxmlformats.org/drawingml/2006/main">
+  <p:cSld>
+    <p:bg>
+      <p:bgPr>
+        <a:solidFill>
+          <a:srgbClr val="E8E8E8"/>
+        </a:solidFill>
+      </p:bgPr>
+    </p:bg>
+    <p:spTree>
+      <p:nvGrpSpPr>
+        <p:cNvPr id="1" name=""/>
+        <p:cNvGrpSpPr/>
+        <p:nvPr/>
+      </p:nvGrpSpPr>
+      <p:grpSpPr>
+        <a:xfrm>
+          <a:off x="0" y="0"/>
+          <a:ext cx="0" cy="0"/>
+          <a:chOff x="0" y="0"/>
+          <a:chExt cx="0" cy="0"/>
+        </a:xfrm>
+      </p:grpSpPr>
+      <p:sp>
+        <p:nvSpPr>
+          <p:cNvPr name="TextBox 2" id="2"/>
+          <p:cNvSpPr txBox="true"/>
+          <p:nvPr/>
+        </p:nvSpPr>
+        <p:spPr>
+          <a:xfrm rot="0">
+            <a:off x="210933" y="218207"/>
+            <a:ext cx="16087355" cy="1170305"/>
+          </a:xfrm>
+          <a:prstGeom prst="rect">
+            <a:avLst/>
+          </a:prstGeom>
+        </p:spPr>
+        <p:txBody>
+          <a:bodyPr anchor="t" rtlCol="false" tIns="0" lIns="0" bIns="0" rIns="0">
+            <a:spAutoFit/>
+          </a:bodyPr>
+          <a:lstStyle/>
+          <a:p>
+            <a:pPr marL="0" indent="0" lvl="0">
+              <a:lnSpc>
+                <a:spcPts val="9520"/>
+              </a:lnSpc>
+              <a:spcBef>
+                <a:spcPct val="0"/>
+              </a:spcBef>
+            </a:pPr>
+            <a:r>
+              <a:rPr lang="en-US" sz="6800">
+                <a:solidFill>
+                  <a:srgbClr val="000000"/>
+                </a:solidFill>
+                <a:latin typeface="Canva Sans Bold"/>
+              </a:rPr>
+              <a:t>Introduction</a:t>
+            </a:r>
+          </a:p>
+        </p:txBody>
+      </p:sp>
+      <p:sp>
+        <p:nvSpPr>
+          <p:cNvPr name="TextBox 3" id="3"/>
+          <p:cNvSpPr txBox="true"/>
+          <p:nvPr/>
+        </p:nvSpPr>
+        <p:spPr>
+          <a:xfrm rot="0">
+            <a:off x="0" y="3108555"/>
+            <a:ext cx="16637959" cy="2449068"/>
+          </a:xfrm>
+          <a:prstGeom prst="rect">
+            <a:avLst/>
+          </a:prstGeom>
+        </p:spPr>
+        <p:txBody>
+          <a:bodyPr anchor="t" rtlCol="false" tIns="0" lIns="0" bIns="0" rIns="0">
+            <a:spAutoFit/>
+          </a:bodyPr>
+          <a:lstStyle/>
+          <a:p>
+            <a:pPr marL="734059" indent="-367030" lvl="1">
+              <a:lnSpc>
+                <a:spcPts val="4895"/>
+              </a:lnSpc>
+              <a:buFont typeface="Arial"/>
+              <a:buChar char="•"/>
+            </a:pPr>
+            <a:r>
+              <a:rPr lang="en-US" sz="3399">
+                <a:solidFill>
+                  <a:srgbClr val="000000"/>
+                </a:solidFill>
+                <a:latin typeface="Canva Sans"/>
+              </a:rPr>
+              <a:t>Briefly introduce the training topic: Docker for software development and deployment.</a:t>
+            </a:r>
+          </a:p>
+          <a:p>
+            <a:pPr algn="l" marL="734059" indent="-367030" lvl="1">
+              <a:lnSpc>
+                <a:spcPts val="4895"/>
+              </a:lnSpc>
+              <a:buFont typeface="Arial"/>
+              <a:buChar char="•"/>
+            </a:pPr>
+            <a:r>
+              <a:rPr lang="en-US" sz="3399">
+                <a:solidFill>
+                  <a:srgbClr val="000000"/>
+                </a:solidFill>
+                <a:latin typeface="Canva Sans"/>
+              </a:rPr>
+              <a:t>Highlight the benefits of using Docker for application portability, scalability, and reproducibility.</a:t>
+            </a:r>
+          </a:p>
+        </p:txBody>
+      </p:sp>
+    </p:spTree>
+  </p:cSld>
+  <p:clrMapOvr>
+    <a:masterClrMapping/>
+  </p:clrMapOvr>
+</p:sld>
+</file>
+
+<file path=ppt/slides/slide21.xml><?xml version="1.0" encoding="utf-8"?>
+<p:sld xmlns:p="http://schemas.openxmlformats.org/presentationml/2006/main" xmlns:a="http://schemas.openxmlformats.org/drawingml/2006/main">
+  <p:cSld>
+    <p:bg>
+      <p:bgPr>
+        <a:solidFill>
+          <a:srgbClr val="E8E8E8"/>
+        </a:solidFill>
+      </p:bgPr>
+    </p:bg>
+    <p:spTree>
+      <p:nvGrpSpPr>
+        <p:cNvPr id="1" name=""/>
+        <p:cNvGrpSpPr/>
+        <p:nvPr/>
+      </p:nvGrpSpPr>
+      <p:grpSpPr>
+        <a:xfrm>
+          <a:off x="0" y="0"/>
+          <a:ext cx="0" cy="0"/>
+          <a:chOff x="0" y="0"/>
+          <a:chExt cx="0" cy="0"/>
+        </a:xfrm>
+      </p:grpSpPr>
+      <p:sp>
+        <p:nvSpPr>
+          <p:cNvPr name="TextBox 2" id="2"/>
+          <p:cNvSpPr txBox="true"/>
+          <p:nvPr/>
+        </p:nvSpPr>
+        <p:spPr>
+          <a:xfrm rot="0">
+            <a:off x="210933" y="218207"/>
+            <a:ext cx="16087355" cy="1170305"/>
+          </a:xfrm>
+          <a:prstGeom prst="rect">
+            <a:avLst/>
+          </a:prstGeom>
+        </p:spPr>
+        <p:txBody>
+          <a:bodyPr anchor="t" rtlCol="false" tIns="0" lIns="0" bIns="0" rIns="0">
+            <a:spAutoFit/>
+          </a:bodyPr>
+          <a:lstStyle/>
+          <a:p>
+            <a:pPr marL="0" indent="0" lvl="0">
+              <a:lnSpc>
+                <a:spcPts val="9520"/>
+              </a:lnSpc>
+              <a:spcBef>
+                <a:spcPct val="0"/>
+              </a:spcBef>
+            </a:pPr>
+            <a:r>
+              <a:rPr lang="en-US" sz="6800">
+                <a:solidFill>
+                  <a:srgbClr val="000000"/>
+                </a:solidFill>
+                <a:latin typeface="Canva Sans Bold"/>
+              </a:rPr>
+              <a:t>What is Docker?</a:t>
+            </a:r>
+          </a:p>
+        </p:txBody>
+      </p:sp>
+      <p:sp>
+        <p:nvSpPr>
+          <p:cNvPr name="TextBox 3" id="3"/>
+          <p:cNvSpPr txBox="true"/>
+          <p:nvPr/>
+        </p:nvSpPr>
+        <p:spPr>
+          <a:xfrm rot="0">
+            <a:off x="0" y="3108555"/>
+            <a:ext cx="16637959" cy="1829943"/>
+          </a:xfrm>
+          <a:prstGeom prst="rect">
+            <a:avLst/>
+          </a:prstGeom>
+        </p:spPr>
+        <p:txBody>
+          <a:bodyPr anchor="t" rtlCol="false" tIns="0" lIns="0" bIns="0" rIns="0">
+            <a:spAutoFit/>
+          </a:bodyPr>
+          <a:lstStyle/>
+          <a:p>
+            <a:pPr marL="734059" indent="-367030" lvl="1">
+              <a:lnSpc>
+                <a:spcPts val="4895"/>
+              </a:lnSpc>
+              <a:buFont typeface="Arial"/>
+              <a:buChar char="•"/>
+            </a:pPr>
+            <a:r>
+              <a:rPr lang="en-US" sz="3399">
+                <a:solidFill>
+                  <a:srgbClr val="000000"/>
+                </a:solidFill>
+                <a:latin typeface="Canva Sans"/>
+              </a:rPr>
+              <a:t>Define Docker as an open-source platform for containerization.</a:t>
+            </a:r>
+          </a:p>
+          <a:p>
+            <a:pPr algn="l" marL="734059" indent="-367030" lvl="1">
+              <a:lnSpc>
+                <a:spcPts val="4895"/>
+              </a:lnSpc>
+              <a:buFont typeface="Arial"/>
+              <a:buChar char="•"/>
+            </a:pPr>
+            <a:r>
+              <a:rPr lang="en-US" sz="3399">
+                <a:solidFill>
+                  <a:srgbClr val="000000"/>
+                </a:solidFill>
+                <a:latin typeface="Canva Sans"/>
+              </a:rPr>
+              <a:t>Explain the concept of containers and their advantages compared to traditional virtual machines.</a:t>
+            </a:r>
+          </a:p>
+        </p:txBody>
+      </p:sp>
+    </p:spTree>
+  </p:cSld>
+  <p:clrMapOvr>
+    <a:masterClrMapping/>
+  </p:clrMapOvr>
+</p:sld>
+</file>
+
+<file path=ppt/slides/slide22.xml><?xml version="1.0" encoding="utf-8"?>
+<p:sld xmlns:p="http://schemas.openxmlformats.org/presentationml/2006/main" xmlns:a="http://schemas.openxmlformats.org/drawingml/2006/main">
+  <p:cSld>
+    <p:bg>
+      <p:bgPr>
+        <a:solidFill>
+          <a:srgbClr val="E8E8E8"/>
+        </a:solidFill>
+      </p:bgPr>
+    </p:bg>
+    <p:spTree>
+      <p:nvGrpSpPr>
+        <p:cNvPr id="1" name=""/>
+        <p:cNvGrpSpPr/>
+        <p:nvPr/>
+      </p:nvGrpSpPr>
+      <p:grpSpPr>
+        <a:xfrm>
+          <a:off x="0" y="0"/>
+          <a:ext cx="0" cy="0"/>
+          <a:chOff x="0" y="0"/>
+          <a:chExt cx="0" cy="0"/>
+        </a:xfrm>
+      </p:grpSpPr>
+      <p:sp>
+        <p:nvSpPr>
+          <p:cNvPr name="TextBox 2" id="2"/>
+          <p:cNvSpPr txBox="true"/>
+          <p:nvPr/>
+        </p:nvSpPr>
+        <p:spPr>
+          <a:xfrm rot="0">
+            <a:off x="210933" y="218207"/>
+            <a:ext cx="16087355" cy="1170305"/>
+          </a:xfrm>
+          <a:prstGeom prst="rect">
+            <a:avLst/>
+          </a:prstGeom>
+        </p:spPr>
+        <p:txBody>
+          <a:bodyPr anchor="t" rtlCol="false" tIns="0" lIns="0" bIns="0" rIns="0">
+            <a:spAutoFit/>
+          </a:bodyPr>
+          <a:lstStyle/>
+          <a:p>
+            <a:pPr marL="0" indent="0" lvl="0">
+              <a:lnSpc>
+                <a:spcPts val="9520"/>
+              </a:lnSpc>
+              <a:spcBef>
+                <a:spcPct val="0"/>
+              </a:spcBef>
+            </a:pPr>
+            <a:r>
+              <a:rPr lang="en-US" sz="6800">
+                <a:solidFill>
+                  <a:srgbClr val="000000"/>
+                </a:solidFill>
+                <a:latin typeface="Canva Sans Bold"/>
+              </a:rPr>
+              <a:t>Docker vs. Virtual Machines (VMs)</a:t>
+            </a:r>
+          </a:p>
+        </p:txBody>
+      </p:sp>
+      <p:sp>
+        <p:nvSpPr>
+          <p:cNvPr name="TextBox 3" id="3"/>
+          <p:cNvSpPr txBox="true"/>
+          <p:nvPr/>
+        </p:nvSpPr>
+        <p:spPr>
+          <a:xfrm rot="0">
+            <a:off x="210933" y="2265807"/>
+            <a:ext cx="16637959" cy="4925568"/>
+          </a:xfrm>
+          <a:prstGeom prst="rect">
+            <a:avLst/>
+          </a:prstGeom>
+        </p:spPr>
+        <p:txBody>
+          <a:bodyPr anchor="t" rtlCol="false" tIns="0" lIns="0" bIns="0" rIns="0">
+            <a:spAutoFit/>
+          </a:bodyPr>
+          <a:lstStyle/>
+          <a:p>
+            <a:pPr marL="734059" indent="-367030" lvl="1">
+              <a:lnSpc>
+                <a:spcPts val="4895"/>
+              </a:lnSpc>
+              <a:buFont typeface="Arial"/>
+              <a:buChar char="•"/>
+            </a:pPr>
+            <a:r>
+              <a:rPr lang="en-US" sz="3399">
+                <a:solidFill>
+                  <a:srgbClr val="000000"/>
+                </a:solidFill>
+                <a:latin typeface="Canva Sans"/>
+              </a:rPr>
+              <a:t>Docker: Lightweight containers, shared host OS, efficient resource usage, faster startup.</a:t>
+            </a:r>
+          </a:p>
+          <a:p>
+            <a:pPr marL="734059" indent="-367030" lvl="1">
+              <a:lnSpc>
+                <a:spcPts val="4895"/>
+              </a:lnSpc>
+              <a:buFont typeface="Arial"/>
+              <a:buChar char="•"/>
+            </a:pPr>
+            <a:r>
+              <a:rPr lang="en-US" sz="3399">
+                <a:solidFill>
+                  <a:srgbClr val="000000"/>
+                </a:solidFill>
+                <a:latin typeface="Canva Sans"/>
+              </a:rPr>
+              <a:t>VMs: Complete virtualization, separate guest OS, heavier resource requirements, slower startup.</a:t>
+            </a:r>
+          </a:p>
+          <a:p>
+            <a:pPr marL="734059" indent="-367030" lvl="1">
+              <a:lnSpc>
+                <a:spcPts val="4895"/>
+              </a:lnSpc>
+              <a:buFont typeface="Arial"/>
+              <a:buChar char="•"/>
+            </a:pPr>
+            <a:r>
+              <a:rPr lang="en-US" sz="3399">
+                <a:solidFill>
+                  <a:srgbClr val="000000"/>
+                </a:solidFill>
+                <a:latin typeface="Canva Sans"/>
+              </a:rPr>
+              <a:t>Docker provides portability and scalability across different environments.</a:t>
+            </a:r>
+          </a:p>
+          <a:p>
+            <a:pPr marL="734059" indent="-367030" lvl="1">
+              <a:lnSpc>
+                <a:spcPts val="4895"/>
+              </a:lnSpc>
+              <a:buFont typeface="Arial"/>
+              <a:buChar char="•"/>
+            </a:pPr>
+            <a:r>
+              <a:rPr lang="en-US" sz="3399">
+                <a:solidFill>
+                  <a:srgbClr val="000000"/>
+                </a:solidFill>
+                <a:latin typeface="Canva Sans"/>
+              </a:rPr>
+              <a:t>Docker offers better performance and resource utilization compared to VMs.</a:t>
+            </a:r>
+          </a:p>
+          <a:p>
+            <a:pPr algn="l" marL="734059" indent="-367030" lvl="1">
+              <a:lnSpc>
+                <a:spcPts val="4895"/>
+              </a:lnSpc>
+              <a:buFont typeface="Arial"/>
+              <a:buChar char="•"/>
+            </a:pPr>
+            <a:r>
+              <a:rPr lang="en-US" sz="3399">
+                <a:solidFill>
+                  <a:srgbClr val="000000"/>
+                </a:solidFill>
+                <a:latin typeface="Canva Sans"/>
+              </a:rPr>
+              <a:t>Docker's containerization simplifies deployment and enhances efficiency.</a:t>
+            </a:r>
+          </a:p>
+        </p:txBody>
+      </p:sp>
+    </p:spTree>
+  </p:cSld>
+  <p:clrMapOvr>
+    <a:masterClrMapping/>
+  </p:clrMapOvr>
+</p:sld>
+</file>
+
+<file path=ppt/slides/slide23.xml><?xml version="1.0" encoding="utf-8"?>
+<p:sld xmlns:p="http://schemas.openxmlformats.org/presentationml/2006/main" xmlns:a="http://schemas.openxmlformats.org/drawingml/2006/main">
+  <p:cSld>
+    <p:bg>
+      <p:bgPr>
+        <a:solidFill>
+          <a:srgbClr val="E8E8E8"/>
+        </a:solidFill>
+      </p:bgPr>
+    </p:bg>
+    <p:spTree>
+      <p:nvGrpSpPr>
+        <p:cNvPr id="1" name=""/>
+        <p:cNvGrpSpPr/>
+        <p:nvPr/>
+      </p:nvGrpSpPr>
+      <p:grpSpPr>
+        <a:xfrm>
+          <a:off x="0" y="0"/>
+          <a:ext cx="0" cy="0"/>
+          <a:chOff x="0" y="0"/>
+          <a:chExt cx="0" cy="0"/>
+        </a:xfrm>
+      </p:grpSpPr>
+      <p:sp>
+        <p:nvSpPr>
+          <p:cNvPr name="TextBox 2" id="2"/>
+          <p:cNvSpPr txBox="true"/>
+          <p:nvPr/>
+        </p:nvSpPr>
+        <p:spPr>
+          <a:xfrm rot="0">
+            <a:off x="210933" y="218207"/>
+            <a:ext cx="16087355" cy="1170305"/>
+          </a:xfrm>
+          <a:prstGeom prst="rect">
+            <a:avLst/>
+          </a:prstGeom>
+        </p:spPr>
+        <p:txBody>
+          <a:bodyPr anchor="t" rtlCol="false" tIns="0" lIns="0" bIns="0" rIns="0">
+            <a:spAutoFit/>
+          </a:bodyPr>
+          <a:lstStyle/>
+          <a:p>
+            <a:pPr marL="0" indent="0" lvl="0">
+              <a:lnSpc>
+                <a:spcPts val="9520"/>
+              </a:lnSpc>
+              <a:spcBef>
+                <a:spcPct val="0"/>
+              </a:spcBef>
+            </a:pPr>
+            <a:r>
+              <a:rPr lang="en-US" sz="6800">
+                <a:solidFill>
+                  <a:srgbClr val="000000"/>
+                </a:solidFill>
+                <a:latin typeface="Canva Sans Bold"/>
+              </a:rPr>
+              <a:t>Installation</a:t>
+            </a:r>
+          </a:p>
+        </p:txBody>
+      </p:sp>
+      <p:sp>
+        <p:nvSpPr>
+          <p:cNvPr name="TextBox 3" id="3"/>
+          <p:cNvSpPr txBox="true"/>
+          <p:nvPr/>
+        </p:nvSpPr>
+        <p:spPr>
+          <a:xfrm rot="0">
+            <a:off x="210933" y="2265807"/>
+            <a:ext cx="16637959" cy="591693"/>
+          </a:xfrm>
+          <a:prstGeom prst="rect">
+            <a:avLst/>
+          </a:prstGeom>
+        </p:spPr>
+        <p:txBody>
+          <a:bodyPr anchor="t" rtlCol="false" tIns="0" lIns="0" bIns="0" rIns="0">
+            <a:spAutoFit/>
+          </a:bodyPr>
+          <a:lstStyle/>
+          <a:p>
+            <a:pPr algn="l" marL="734059" indent="-367030" lvl="1">
+              <a:lnSpc>
+                <a:spcPts val="4895"/>
+              </a:lnSpc>
+              <a:buFont typeface="Arial"/>
+              <a:buChar char="•"/>
+            </a:pPr>
+            <a:r>
+              <a:rPr lang="en-US" sz="3399">
+                <a:solidFill>
+                  <a:srgbClr val="000000"/>
+                </a:solidFill>
+                <a:latin typeface="Canva Sans"/>
+              </a:rPr>
+              <a:t>Docs: https://docs.docker.com/get-docker/</a:t>
+            </a:r>
+          </a:p>
+        </p:txBody>
+      </p:sp>
+    </p:spTree>
+  </p:cSld>
+  <p:clrMapOvr>
+    <a:masterClrMapping/>
+  </p:clrMapOvr>
+</p:sld>
+</file>
+
+<file path=ppt/slides/slide24.xml><?xml version="1.0" encoding="utf-8"?>
+<p:sld xmlns:p="http://schemas.openxmlformats.org/presentationml/2006/main" xmlns:a="http://schemas.openxmlformats.org/drawingml/2006/main">
+  <p:cSld>
+    <p:bg>
+      <p:bgPr>
+        <a:solidFill>
+          <a:srgbClr val="E8E8E8"/>
+        </a:solidFill>
+      </p:bgPr>
+    </p:bg>
+    <p:spTree>
+      <p:nvGrpSpPr>
+        <p:cNvPr id="1" name=""/>
+        <p:cNvGrpSpPr/>
+        <p:nvPr/>
+      </p:nvGrpSpPr>
+      <p:grpSpPr>
+        <a:xfrm>
+          <a:off x="0" y="0"/>
+          <a:ext cx="0" cy="0"/>
+          <a:chOff x="0" y="0"/>
+          <a:chExt cx="0" cy="0"/>
+        </a:xfrm>
+      </p:grpSpPr>
+      <p:sp>
+        <p:nvSpPr>
+          <p:cNvPr name="TextBox 2" id="2"/>
+          <p:cNvSpPr txBox="true"/>
+          <p:nvPr/>
+        </p:nvSpPr>
+        <p:spPr>
+          <a:xfrm rot="0">
+            <a:off x="210933" y="218207"/>
+            <a:ext cx="16087355" cy="1170305"/>
+          </a:xfrm>
+          <a:prstGeom prst="rect">
+            <a:avLst/>
+          </a:prstGeom>
+        </p:spPr>
+        <p:txBody>
+          <a:bodyPr anchor="t" rtlCol="false" tIns="0" lIns="0" bIns="0" rIns="0">
+            <a:spAutoFit/>
+          </a:bodyPr>
+          <a:lstStyle/>
+          <a:p>
+            <a:pPr marL="0" indent="0" lvl="0">
+              <a:lnSpc>
+                <a:spcPts val="9520"/>
+              </a:lnSpc>
+              <a:spcBef>
+                <a:spcPct val="0"/>
+              </a:spcBef>
+            </a:pPr>
+            <a:r>
+              <a:rPr lang="en-US" sz="6800">
+                <a:solidFill>
+                  <a:srgbClr val="000000"/>
+                </a:solidFill>
+                <a:latin typeface="Canva Sans Bold"/>
+              </a:rPr>
+              <a:t>Key Docker Components</a:t>
+            </a:r>
+          </a:p>
+        </p:txBody>
+      </p:sp>
+      <p:sp>
+        <p:nvSpPr>
+          <p:cNvPr name="TextBox 3" id="3"/>
+          <p:cNvSpPr txBox="true"/>
+          <p:nvPr/>
+        </p:nvSpPr>
+        <p:spPr>
+          <a:xfrm rot="0">
+            <a:off x="210933" y="2265807"/>
+            <a:ext cx="16637959" cy="1829943"/>
+          </a:xfrm>
+          <a:prstGeom prst="rect">
+            <a:avLst/>
+          </a:prstGeom>
+        </p:spPr>
+        <p:txBody>
+          <a:bodyPr anchor="t" rtlCol="false" tIns="0" lIns="0" bIns="0" rIns="0">
+            <a:spAutoFit/>
+          </a:bodyPr>
+          <a:lstStyle/>
+          <a:p>
+            <a:pPr marL="734059" indent="-367030" lvl="1">
+              <a:lnSpc>
+                <a:spcPts val="4895"/>
+              </a:lnSpc>
+              <a:buFont typeface="Arial"/>
+              <a:buChar char="•"/>
+            </a:pPr>
+            <a:r>
+              <a:rPr lang="en-US" sz="3399">
+                <a:solidFill>
+                  <a:srgbClr val="000000"/>
+                </a:solidFill>
+                <a:latin typeface="Canva Sans"/>
+              </a:rPr>
+              <a:t>Introduce the main components of Docker: Docker Engine, Images, and Containers.</a:t>
+            </a:r>
+          </a:p>
+          <a:p>
+            <a:pPr algn="l" marL="734059" indent="-367030" lvl="1">
+              <a:lnSpc>
+                <a:spcPts val="4895"/>
+              </a:lnSpc>
+              <a:buFont typeface="Arial"/>
+              <a:buChar char="•"/>
+            </a:pPr>
+            <a:r>
+              <a:rPr lang="en-US" sz="3399">
+                <a:solidFill>
+                  <a:srgbClr val="000000"/>
+                </a:solidFill>
+                <a:latin typeface="Canva Sans"/>
+              </a:rPr>
+              <a:t>Explain the role of Docker Engine in running and managing containers.</a:t>
+            </a:r>
+          </a:p>
+        </p:txBody>
+      </p:sp>
+    </p:spTree>
+  </p:cSld>
+  <p:clrMapOvr>
+    <a:masterClrMapping/>
+  </p:clrMapOvr>
+</p:sld>
+</file>
+
+<file path=ppt/slides/slide25.xml><?xml version="1.0" encoding="utf-8"?>
+<p:sld xmlns:p="http://schemas.openxmlformats.org/presentationml/2006/main" xmlns:a="http://schemas.openxmlformats.org/drawingml/2006/main">
+  <p:cSld>
+    <p:bg>
+      <p:bgPr>
+        <a:solidFill>
+          <a:srgbClr val="E8E8E8"/>
+        </a:solidFill>
+      </p:bgPr>
+    </p:bg>
+    <p:spTree>
+      <p:nvGrpSpPr>
+        <p:cNvPr id="1" name=""/>
+        <p:cNvGrpSpPr/>
+        <p:nvPr/>
+      </p:nvGrpSpPr>
+      <p:grpSpPr>
+        <a:xfrm>
+          <a:off x="0" y="0"/>
+          <a:ext cx="0" cy="0"/>
+          <a:chOff x="0" y="0"/>
+          <a:chExt cx="0" cy="0"/>
+        </a:xfrm>
+      </p:grpSpPr>
+      <p:sp>
+        <p:nvSpPr>
+          <p:cNvPr name="TextBox 2" id="2"/>
+          <p:cNvSpPr txBox="true"/>
+          <p:nvPr/>
+        </p:nvSpPr>
+        <p:spPr>
+          <a:xfrm rot="0">
+            <a:off x="210933" y="218207"/>
+            <a:ext cx="16087355" cy="1170305"/>
+          </a:xfrm>
+          <a:prstGeom prst="rect">
+            <a:avLst/>
+          </a:prstGeom>
+        </p:spPr>
+        <p:txBody>
+          <a:bodyPr anchor="t" rtlCol="false" tIns="0" lIns="0" bIns="0" rIns="0">
+            <a:spAutoFit/>
+          </a:bodyPr>
+          <a:lstStyle/>
+          <a:p>
+            <a:pPr marL="0" indent="0" lvl="0">
+              <a:lnSpc>
+                <a:spcPts val="9520"/>
+              </a:lnSpc>
+              <a:spcBef>
+                <a:spcPct val="0"/>
+              </a:spcBef>
+            </a:pPr>
+            <a:r>
+              <a:rPr lang="en-US" sz="6800">
+                <a:solidFill>
+                  <a:srgbClr val="000000"/>
+                </a:solidFill>
+                <a:latin typeface="Canva Sans Bold"/>
+              </a:rPr>
+              <a:t>Docker Images</a:t>
+            </a:r>
+          </a:p>
+        </p:txBody>
+      </p:sp>
+      <p:sp>
+        <p:nvSpPr>
+          <p:cNvPr name="TextBox 3" id="3"/>
+          <p:cNvSpPr txBox="true"/>
+          <p:nvPr/>
+        </p:nvSpPr>
+        <p:spPr>
+          <a:xfrm rot="0">
+            <a:off x="210933" y="2265807"/>
+            <a:ext cx="16637959" cy="4925568"/>
+          </a:xfrm>
+          <a:prstGeom prst="rect">
+            <a:avLst/>
+          </a:prstGeom>
+        </p:spPr>
+        <p:txBody>
+          <a:bodyPr anchor="t" rtlCol="false" tIns="0" lIns="0" bIns="0" rIns="0">
+            <a:spAutoFit/>
+          </a:bodyPr>
+          <a:lstStyle/>
+          <a:p>
+            <a:pPr marL="734059" indent="-367030" lvl="1">
+              <a:lnSpc>
+                <a:spcPts val="4895"/>
+              </a:lnSpc>
+              <a:buFont typeface="Arial"/>
+              <a:buChar char="•"/>
+            </a:pPr>
+            <a:r>
+              <a:rPr lang="en-US" sz="3399">
+                <a:solidFill>
+                  <a:srgbClr val="000000"/>
+                </a:solidFill>
+                <a:latin typeface="Canva Sans"/>
+              </a:rPr>
+              <a:t>Docker Image: Lightweight, self-contained package with everything needed to run software.</a:t>
+            </a:r>
+          </a:p>
+          <a:p>
+            <a:pPr marL="734059" indent="-367030" lvl="1">
+              <a:lnSpc>
+                <a:spcPts val="4895"/>
+              </a:lnSpc>
+              <a:buFont typeface="Arial"/>
+              <a:buChar char="•"/>
+            </a:pPr>
+            <a:r>
+              <a:rPr lang="en-US" sz="3399">
+                <a:solidFill>
+                  <a:srgbClr val="000000"/>
+                </a:solidFill>
+                <a:latin typeface="Canva Sans"/>
+              </a:rPr>
+              <a:t>Similar to a blueprint, it provides a consistent and reproducible environment.</a:t>
+            </a:r>
+          </a:p>
+          <a:p>
+            <a:pPr marL="734059" indent="-367030" lvl="1">
+              <a:lnSpc>
+                <a:spcPts val="4895"/>
+              </a:lnSpc>
+              <a:buFont typeface="Arial"/>
+              <a:buChar char="•"/>
+            </a:pPr>
+            <a:r>
+              <a:rPr lang="en-US" sz="3399">
+                <a:solidFill>
+                  <a:srgbClr val="000000"/>
+                </a:solidFill>
+                <a:latin typeface="Canva Sans"/>
+              </a:rPr>
+              <a:t>Contains base OS, application code, dependencies, and configuration files.</a:t>
+            </a:r>
+          </a:p>
+          <a:p>
+            <a:pPr marL="734059" indent="-367030" lvl="1">
+              <a:lnSpc>
+                <a:spcPts val="4895"/>
+              </a:lnSpc>
+              <a:buFont typeface="Arial"/>
+              <a:buChar char="•"/>
+            </a:pPr>
+            <a:r>
+              <a:rPr lang="en-US" sz="3399">
+                <a:solidFill>
+                  <a:srgbClr val="000000"/>
+                </a:solidFill>
+                <a:latin typeface="Canva Sans"/>
+              </a:rPr>
+              <a:t>Version-controlled and built using Dockerfiles.</a:t>
+            </a:r>
+          </a:p>
+          <a:p>
+            <a:pPr algn="l" marL="734059" indent="-367030" lvl="1">
+              <a:lnSpc>
+                <a:spcPts val="4895"/>
+              </a:lnSpc>
+              <a:buFont typeface="Arial"/>
+              <a:buChar char="•"/>
+            </a:pPr>
+            <a:r>
+              <a:rPr lang="en-US" sz="3399">
+                <a:solidFill>
+                  <a:srgbClr val="000000"/>
+                </a:solidFill>
+                <a:latin typeface="Canva Sans"/>
+              </a:rPr>
+              <a:t>Enables portability, consistency, and ease of deployment for Docker Containers.</a:t>
+            </a:r>
+          </a:p>
+        </p:txBody>
+      </p:sp>
+    </p:spTree>
+  </p:cSld>
+  <p:clrMapOvr>
+    <a:masterClrMapping/>
+  </p:clrMapOvr>
+</p:sld>
+</file>
+
+<file path=ppt/slides/slide26.xml><?xml version="1.0" encoding="utf-8"?>
+<p:sld xmlns:p="http://schemas.openxmlformats.org/presentationml/2006/main" xmlns:a="http://schemas.openxmlformats.org/drawingml/2006/main">
+  <p:cSld>
+    <p:bg>
+      <p:bgPr>
+        <a:solidFill>
+          <a:srgbClr val="E8E8E8"/>
+        </a:solidFill>
+      </p:bgPr>
+    </p:bg>
+    <p:spTree>
+      <p:nvGrpSpPr>
+        <p:cNvPr id="1" name=""/>
+        <p:cNvGrpSpPr/>
+        <p:nvPr/>
+      </p:nvGrpSpPr>
+      <p:grpSpPr>
+        <a:xfrm>
+          <a:off x="0" y="0"/>
+          <a:ext cx="0" cy="0"/>
+          <a:chOff x="0" y="0"/>
+          <a:chExt cx="0" cy="0"/>
+        </a:xfrm>
+      </p:grpSpPr>
+      <p:sp>
+        <p:nvSpPr>
+          <p:cNvPr name="TextBox 2" id="2"/>
+          <p:cNvSpPr txBox="true"/>
+          <p:nvPr/>
+        </p:nvSpPr>
+        <p:spPr>
+          <a:xfrm rot="0">
+            <a:off x="210933" y="218207"/>
+            <a:ext cx="16087355" cy="1170305"/>
+          </a:xfrm>
+          <a:prstGeom prst="rect">
+            <a:avLst/>
+          </a:prstGeom>
+        </p:spPr>
+        <p:txBody>
+          <a:bodyPr anchor="t" rtlCol="false" tIns="0" lIns="0" bIns="0" rIns="0">
+            <a:spAutoFit/>
+          </a:bodyPr>
+          <a:lstStyle/>
+          <a:p>
+            <a:pPr marL="0" indent="0" lvl="0">
+              <a:lnSpc>
+                <a:spcPts val="9520"/>
+              </a:lnSpc>
+              <a:spcBef>
+                <a:spcPct val="0"/>
+              </a:spcBef>
+            </a:pPr>
+            <a:r>
+              <a:rPr lang="en-US" sz="6800">
+                <a:solidFill>
+                  <a:srgbClr val="000000"/>
+                </a:solidFill>
+                <a:latin typeface="Canva Sans Bold"/>
+              </a:rPr>
+              <a:t>Docker Containers</a:t>
+            </a:r>
+          </a:p>
+        </p:txBody>
+      </p:sp>
+      <p:sp>
+        <p:nvSpPr>
+          <p:cNvPr name="TextBox 3" id="3"/>
+          <p:cNvSpPr txBox="true"/>
+          <p:nvPr/>
+        </p:nvSpPr>
+        <p:spPr>
+          <a:xfrm rot="0">
+            <a:off x="210933" y="2265807"/>
+            <a:ext cx="16637959" cy="3687318"/>
+          </a:xfrm>
+          <a:prstGeom prst="rect">
+            <a:avLst/>
+          </a:prstGeom>
+        </p:spPr>
+        <p:txBody>
+          <a:bodyPr anchor="t" rtlCol="false" tIns="0" lIns="0" bIns="0" rIns="0">
+            <a:spAutoFit/>
+          </a:bodyPr>
+          <a:lstStyle/>
+          <a:p>
+            <a:pPr marL="734059" indent="-367030" lvl="1">
+              <a:lnSpc>
+                <a:spcPts val="4895"/>
+              </a:lnSpc>
+              <a:buFont typeface="Arial"/>
+              <a:buChar char="•"/>
+            </a:pPr>
+            <a:r>
+              <a:rPr lang="en-US" sz="3399">
+                <a:solidFill>
+                  <a:srgbClr val="000000"/>
+                </a:solidFill>
+                <a:latin typeface="Canva Sans"/>
+              </a:rPr>
+              <a:t>Docker Containers: Running instances of Docker Images.</a:t>
+            </a:r>
+          </a:p>
+          <a:p>
+            <a:pPr marL="734059" indent="-367030" lvl="1">
+              <a:lnSpc>
+                <a:spcPts val="4895"/>
+              </a:lnSpc>
+              <a:buFont typeface="Arial"/>
+              <a:buChar char="•"/>
+            </a:pPr>
+            <a:r>
+              <a:rPr lang="en-US" sz="3399">
+                <a:solidFill>
+                  <a:srgbClr val="000000"/>
+                </a:solidFill>
+                <a:latin typeface="Canva Sans"/>
+              </a:rPr>
+              <a:t>Containers provide isolated environments for running applications.</a:t>
+            </a:r>
+          </a:p>
+          <a:p>
+            <a:pPr marL="734059" indent="-367030" lvl="1">
+              <a:lnSpc>
+                <a:spcPts val="4895"/>
+              </a:lnSpc>
+              <a:buFont typeface="Arial"/>
+              <a:buChar char="•"/>
+            </a:pPr>
+            <a:r>
+              <a:rPr lang="en-US" sz="3399">
+                <a:solidFill>
+                  <a:srgbClr val="000000"/>
+                </a:solidFill>
+                <a:latin typeface="Canva Sans"/>
+              </a:rPr>
+              <a:t>Lightweight, fast to start, and efficient in resource usage.</a:t>
+            </a:r>
+          </a:p>
+          <a:p>
+            <a:pPr marL="734059" indent="-367030" lvl="1">
+              <a:lnSpc>
+                <a:spcPts val="4895"/>
+              </a:lnSpc>
+              <a:buFont typeface="Arial"/>
+              <a:buChar char="•"/>
+            </a:pPr>
+            <a:r>
+              <a:rPr lang="en-US" sz="3399">
+                <a:solidFill>
+                  <a:srgbClr val="000000"/>
+                </a:solidFill>
+                <a:latin typeface="Canva Sans"/>
+              </a:rPr>
+              <a:t>Containers ensure application portability and consistency.</a:t>
+            </a:r>
+          </a:p>
+          <a:p>
+            <a:pPr marL="734059" indent="-367030" lvl="1">
+              <a:lnSpc>
+                <a:spcPts val="4895"/>
+              </a:lnSpc>
+              <a:buFont typeface="Arial"/>
+              <a:buChar char="•"/>
+            </a:pPr>
+            <a:r>
+              <a:rPr lang="en-US" sz="3399">
+                <a:solidFill>
+                  <a:srgbClr val="000000"/>
+                </a:solidFill>
+                <a:latin typeface="Canva Sans"/>
+              </a:rPr>
+              <a:t>Simplify software development and deployment.</a:t>
+            </a:r>
+          </a:p>
+          <a:p>
+            <a:pPr algn="l" marL="734059" indent="-367030" lvl="1">
+              <a:lnSpc>
+                <a:spcPts val="4895"/>
+              </a:lnSpc>
+              <a:buFont typeface="Arial"/>
+              <a:buChar char="•"/>
+            </a:pPr>
+            <a:r>
+              <a:rPr lang="en-US" sz="3399">
+                <a:solidFill>
+                  <a:srgbClr val="000000"/>
+                </a:solidFill>
+                <a:latin typeface="Canva Sans"/>
+              </a:rPr>
+              <a:t>Easily managed, scaled, and orchestrated using tools like Kubernetes.</a:t>
+            </a:r>
+          </a:p>
+        </p:txBody>
+      </p:sp>
+    </p:spTree>
+  </p:cSld>
+  <p:clrMapOvr>
+    <a:masterClrMapping/>
+  </p:clrMapOvr>
+</p:sld>
+</file>
+
+<file path=ppt/slides/slide27.xml><?xml version="1.0" encoding="utf-8"?>
+<p:sld xmlns:p="http://schemas.openxmlformats.org/presentationml/2006/main" xmlns:a="http://schemas.openxmlformats.org/drawingml/2006/main">
+  <p:cSld>
+    <p:bg>
+      <p:bgPr>
+        <a:solidFill>
+          <a:srgbClr val="E8E8E8"/>
+        </a:solidFill>
+      </p:bgPr>
+    </p:bg>
+    <p:spTree>
+      <p:nvGrpSpPr>
+        <p:cNvPr id="1" name=""/>
+        <p:cNvGrpSpPr/>
+        <p:nvPr/>
+      </p:nvGrpSpPr>
+      <p:grpSpPr>
+        <a:xfrm>
+          <a:off x="0" y="0"/>
+          <a:ext cx="0" cy="0"/>
+          <a:chOff x="0" y="0"/>
+          <a:chExt cx="0" cy="0"/>
+        </a:xfrm>
+      </p:grpSpPr>
+      <p:sp>
+        <p:nvSpPr>
+          <p:cNvPr name="TextBox 2" id="2"/>
+          <p:cNvSpPr txBox="true"/>
+          <p:nvPr/>
+        </p:nvSpPr>
+        <p:spPr>
+          <a:xfrm rot="0">
+            <a:off x="210933" y="218207"/>
+            <a:ext cx="17336724" cy="1170305"/>
+          </a:xfrm>
+          <a:prstGeom prst="rect">
+            <a:avLst/>
+          </a:prstGeom>
+        </p:spPr>
+        <p:txBody>
+          <a:bodyPr anchor="t" rtlCol="false" tIns="0" lIns="0" bIns="0" rIns="0">
+            <a:spAutoFit/>
+          </a:bodyPr>
+          <a:lstStyle/>
+          <a:p>
+            <a:pPr marL="0" indent="0" lvl="0">
+              <a:lnSpc>
+                <a:spcPts val="9520"/>
+              </a:lnSpc>
+              <a:spcBef>
+                <a:spcPct val="0"/>
+              </a:spcBef>
+            </a:pPr>
+            <a:r>
+              <a:rPr lang="en-US" sz="6800">
+                <a:solidFill>
+                  <a:srgbClr val="000000"/>
+                </a:solidFill>
+                <a:latin typeface="Canva Sans Bold"/>
+              </a:rPr>
+              <a:t>Docker Operations</a:t>
+            </a:r>
+          </a:p>
+        </p:txBody>
+      </p:sp>
+      <p:sp>
+        <p:nvSpPr>
+          <p:cNvPr name="TextBox 3" id="3"/>
+          <p:cNvSpPr txBox="true"/>
+          <p:nvPr/>
+        </p:nvSpPr>
+        <p:spPr>
+          <a:xfrm rot="0">
+            <a:off x="210933" y="2265807"/>
+            <a:ext cx="16637959" cy="4306443"/>
+          </a:xfrm>
+          <a:prstGeom prst="rect">
+            <a:avLst/>
+          </a:prstGeom>
+        </p:spPr>
+        <p:txBody>
+          <a:bodyPr anchor="t" rtlCol="false" tIns="0" lIns="0" bIns="0" rIns="0">
+            <a:spAutoFit/>
+          </a:bodyPr>
+          <a:lstStyle/>
+          <a:p>
+            <a:pPr marL="734059" indent="-367030" lvl="1">
+              <a:lnSpc>
+                <a:spcPts val="4895"/>
+              </a:lnSpc>
+              <a:buFont typeface="Arial"/>
+              <a:buChar char="•"/>
+            </a:pPr>
+            <a:r>
+              <a:rPr lang="en-US" sz="3399">
+                <a:solidFill>
+                  <a:srgbClr val="000000"/>
+                </a:solidFill>
+                <a:latin typeface="Canva Sans"/>
+              </a:rPr>
+              <a:t>Pull: Download Docker Images from a registry.</a:t>
+            </a:r>
+          </a:p>
+          <a:p>
+            <a:pPr marL="734059" indent="-367030" lvl="1">
+              <a:lnSpc>
+                <a:spcPts val="4895"/>
+              </a:lnSpc>
+              <a:buFont typeface="Arial"/>
+              <a:buChar char="•"/>
+            </a:pPr>
+            <a:r>
+              <a:rPr lang="en-US" sz="3399">
+                <a:solidFill>
+                  <a:srgbClr val="000000"/>
+                </a:solidFill>
+                <a:latin typeface="Canva Sans"/>
+              </a:rPr>
+              <a:t>Build: Create a Docker Image from a Dockerfile.</a:t>
+            </a:r>
+          </a:p>
+          <a:p>
+            <a:pPr marL="734059" indent="-367030" lvl="1">
+              <a:lnSpc>
+                <a:spcPts val="4895"/>
+              </a:lnSpc>
+              <a:buFont typeface="Arial"/>
+              <a:buChar char="•"/>
+            </a:pPr>
+            <a:r>
+              <a:rPr lang="en-US" sz="3399">
+                <a:solidFill>
+                  <a:srgbClr val="000000"/>
+                </a:solidFill>
+                <a:latin typeface="Canva Sans"/>
+              </a:rPr>
+              <a:t>Run: Start a Docker Container from an Image.</a:t>
+            </a:r>
+          </a:p>
+          <a:p>
+            <a:pPr marL="734059" indent="-367030" lvl="1">
+              <a:lnSpc>
+                <a:spcPts val="4895"/>
+              </a:lnSpc>
+              <a:buFont typeface="Arial"/>
+              <a:buChar char="•"/>
+            </a:pPr>
+            <a:r>
+              <a:rPr lang="en-US" sz="3399">
+                <a:solidFill>
+                  <a:srgbClr val="000000"/>
+                </a:solidFill>
+                <a:latin typeface="Canva Sans"/>
+              </a:rPr>
+              <a:t>Push: Upload Docker Images to a registry.</a:t>
+            </a:r>
+          </a:p>
+          <a:p>
+            <a:pPr marL="734059" indent="-367030" lvl="1">
+              <a:lnSpc>
+                <a:spcPts val="4895"/>
+              </a:lnSpc>
+              <a:buFont typeface="Arial"/>
+              <a:buChar char="•"/>
+            </a:pPr>
+            <a:r>
+              <a:rPr lang="en-US" sz="3399">
+                <a:solidFill>
+                  <a:srgbClr val="000000"/>
+                </a:solidFill>
+                <a:latin typeface="Canva Sans"/>
+              </a:rPr>
+              <a:t>Exec: Run commands inside a running container.</a:t>
+            </a:r>
+          </a:p>
+          <a:p>
+            <a:pPr marL="734059" indent="-367030" lvl="1">
+              <a:lnSpc>
+                <a:spcPts val="4895"/>
+              </a:lnSpc>
+              <a:buFont typeface="Arial"/>
+              <a:buChar char="•"/>
+            </a:pPr>
+            <a:r>
+              <a:rPr lang="en-US" sz="3399">
+                <a:solidFill>
+                  <a:srgbClr val="000000"/>
+                </a:solidFill>
+                <a:latin typeface="Canva Sans"/>
+              </a:rPr>
+              <a:t>Stop: Gracefully stop a running container.</a:t>
+            </a:r>
+          </a:p>
+          <a:p>
+            <a:pPr algn="l" marL="734059" indent="-367030" lvl="1">
+              <a:lnSpc>
+                <a:spcPts val="4895"/>
+              </a:lnSpc>
+              <a:buFont typeface="Arial"/>
+              <a:buChar char="•"/>
+            </a:pPr>
+            <a:r>
+              <a:rPr lang="en-US" sz="3399">
+                <a:solidFill>
+                  <a:srgbClr val="000000"/>
+                </a:solidFill>
+                <a:latin typeface="Canva Sans"/>
+              </a:rPr>
+              <a:t>Remove: Delete unused containers or images.</a:t>
+            </a:r>
+          </a:p>
+        </p:txBody>
+      </p:sp>
+    </p:spTree>
+  </p:cSld>
+  <p:clrMapOvr>
+    <a:masterClrMapping/>
+  </p:clrMapOvr>
+</p:sld>
+</file>
+
+<file path=ppt/slides/slide28.xml><?xml version="1.0" encoding="utf-8"?>
+<p:sld xmlns:p="http://schemas.openxmlformats.org/presentationml/2006/main" xmlns:a="http://schemas.openxmlformats.org/drawingml/2006/main">
+  <p:cSld>
+    <p:bg>
+      <p:bgPr>
+        <a:solidFill>
+          <a:srgbClr val="E8E8E8"/>
+        </a:solidFill>
+      </p:bgPr>
+    </p:bg>
+    <p:spTree>
+      <p:nvGrpSpPr>
+        <p:cNvPr id="1" name=""/>
+        <p:cNvGrpSpPr/>
+        <p:nvPr/>
+      </p:nvGrpSpPr>
+      <p:grpSpPr>
+        <a:xfrm>
+          <a:off x="0" y="0"/>
+          <a:ext cx="0" cy="0"/>
+          <a:chOff x="0" y="0"/>
+          <a:chExt cx="0" cy="0"/>
+        </a:xfrm>
+      </p:grpSpPr>
+      <p:sp>
+        <p:nvSpPr>
+          <p:cNvPr name="TextBox 2" id="2"/>
+          <p:cNvSpPr txBox="true"/>
+          <p:nvPr/>
+        </p:nvSpPr>
+        <p:spPr>
+          <a:xfrm rot="0">
+            <a:off x="210933" y="218207"/>
+            <a:ext cx="17336724" cy="1170305"/>
+          </a:xfrm>
+          <a:prstGeom prst="rect">
+            <a:avLst/>
+          </a:prstGeom>
+        </p:spPr>
+        <p:txBody>
+          <a:bodyPr anchor="t" rtlCol="false" tIns="0" lIns="0" bIns="0" rIns="0">
+            <a:spAutoFit/>
+          </a:bodyPr>
+          <a:lstStyle/>
+          <a:p>
+            <a:pPr marL="0" indent="0" lvl="0">
+              <a:lnSpc>
+                <a:spcPts val="9520"/>
+              </a:lnSpc>
+              <a:spcBef>
+                <a:spcPct val="0"/>
+              </a:spcBef>
+            </a:pPr>
+            <a:r>
+              <a:rPr lang="en-US" sz="6800">
+                <a:solidFill>
+                  <a:srgbClr val="000000"/>
+                </a:solidFill>
+                <a:latin typeface="Canva Sans Bold"/>
+              </a:rPr>
+              <a:t>Docker Pull</a:t>
+            </a:r>
+          </a:p>
+        </p:txBody>
+      </p:sp>
+      <p:sp>
+        <p:nvSpPr>
+          <p:cNvPr name="TextBox 3" id="3"/>
+          <p:cNvSpPr txBox="true"/>
+          <p:nvPr/>
+        </p:nvSpPr>
+        <p:spPr>
+          <a:xfrm rot="0">
+            <a:off x="210933" y="2265807"/>
+            <a:ext cx="16637959" cy="2449068"/>
+          </a:xfrm>
+          <a:prstGeom prst="rect">
+            <a:avLst/>
+          </a:prstGeom>
+        </p:spPr>
+        <p:txBody>
+          <a:bodyPr anchor="t" rtlCol="false" tIns="0" lIns="0" bIns="0" rIns="0">
+            <a:spAutoFit/>
+          </a:bodyPr>
+          <a:lstStyle/>
+          <a:p>
+            <a:pPr marL="734059" indent="-367030" lvl="1">
+              <a:lnSpc>
+                <a:spcPts val="4895"/>
+              </a:lnSpc>
+              <a:buFont typeface="Arial"/>
+              <a:buChar char="•"/>
+            </a:pPr>
+            <a:r>
+              <a:rPr lang="en-US" sz="3399">
+                <a:solidFill>
+                  <a:srgbClr val="000000"/>
+                </a:solidFill>
+                <a:latin typeface="Canva Sans"/>
+              </a:rPr>
+              <a:t>Docker Pull: Download Docker Images from a registry.</a:t>
+            </a:r>
+          </a:p>
+          <a:p>
+            <a:pPr marL="734059" indent="-367030" lvl="1">
+              <a:lnSpc>
+                <a:spcPts val="4895"/>
+              </a:lnSpc>
+              <a:buFont typeface="Arial"/>
+              <a:buChar char="•"/>
+            </a:pPr>
+            <a:r>
+              <a:rPr lang="en-US" sz="3399">
+                <a:solidFill>
+                  <a:srgbClr val="000000"/>
+                </a:solidFill>
+                <a:latin typeface="Canva Sans"/>
+              </a:rPr>
+              <a:t>Command: docker pull &lt;image-name&gt;:&lt;tag&gt;</a:t>
+            </a:r>
+          </a:p>
+          <a:p>
+            <a:pPr marL="734059" indent="-367030" lvl="1">
+              <a:lnSpc>
+                <a:spcPts val="4895"/>
+              </a:lnSpc>
+              <a:buFont typeface="Arial"/>
+              <a:buChar char="•"/>
+            </a:pPr>
+            <a:r>
+              <a:rPr lang="en-US" sz="3399">
+                <a:solidFill>
+                  <a:srgbClr val="000000"/>
+                </a:solidFill>
+                <a:latin typeface="Canva Sans"/>
+              </a:rPr>
+              <a:t>Function: Fetches pre-built Docker Images from a registry.</a:t>
+            </a:r>
+          </a:p>
+          <a:p>
+            <a:pPr algn="l" marL="734059" indent="-367030" lvl="1">
+              <a:lnSpc>
+                <a:spcPts val="4895"/>
+              </a:lnSpc>
+              <a:buFont typeface="Arial"/>
+              <a:buChar char="•"/>
+            </a:pPr>
+            <a:r>
+              <a:rPr lang="en-US" sz="3399">
+                <a:solidFill>
+                  <a:srgbClr val="000000"/>
+                </a:solidFill>
+                <a:latin typeface="Canva Sans"/>
+              </a:rPr>
+              <a:t>Example: </a:t>
+            </a:r>
+            <a:r>
+              <a:rPr lang="en-US" sz="3399">
+                <a:solidFill>
+                  <a:srgbClr val="990000"/>
+                </a:solidFill>
+                <a:latin typeface="Canva Sans"/>
+              </a:rPr>
+              <a:t>docker pull ubuntu:latest</a:t>
+            </a:r>
+          </a:p>
+        </p:txBody>
+      </p:sp>
+    </p:spTree>
+  </p:cSld>
+  <p:clrMapOvr>
+    <a:masterClrMapping/>
+  </p:clrMapOvr>
+</p:sld>
+</file>
+
+<file path=ppt/slides/slide29.xml><?xml version="1.0" encoding="utf-8"?>
+<p:sld xmlns:p="http://schemas.openxmlformats.org/presentationml/2006/main" xmlns:a="http://schemas.openxmlformats.org/drawingml/2006/main">
+  <p:cSld>
+    <p:bg>
+      <p:bgPr>
+        <a:solidFill>
+          <a:srgbClr val="E8E8E8"/>
+        </a:solidFill>
+      </p:bgPr>
+    </p:bg>
+    <p:spTree>
+      <p:nvGrpSpPr>
+        <p:cNvPr id="1" name=""/>
+        <p:cNvGrpSpPr/>
+        <p:nvPr/>
+      </p:nvGrpSpPr>
+      <p:grpSpPr>
+        <a:xfrm>
+          <a:off x="0" y="0"/>
+          <a:ext cx="0" cy="0"/>
+          <a:chOff x="0" y="0"/>
+          <a:chExt cx="0" cy="0"/>
+        </a:xfrm>
+      </p:grpSpPr>
+      <p:sp>
+        <p:nvSpPr>
+          <p:cNvPr name="TextBox 2" id="2"/>
+          <p:cNvSpPr txBox="true"/>
+          <p:nvPr/>
+        </p:nvSpPr>
+        <p:spPr>
+          <a:xfrm rot="0">
+            <a:off x="210933" y="218207"/>
+            <a:ext cx="17336724" cy="1170305"/>
+          </a:xfrm>
+          <a:prstGeom prst="rect">
+            <a:avLst/>
+          </a:prstGeom>
+        </p:spPr>
+        <p:txBody>
+          <a:bodyPr anchor="t" rtlCol="false" tIns="0" lIns="0" bIns="0" rIns="0">
+            <a:spAutoFit/>
+          </a:bodyPr>
+          <a:lstStyle/>
+          <a:p>
+            <a:pPr marL="0" indent="0" lvl="0">
+              <a:lnSpc>
+                <a:spcPts val="9520"/>
+              </a:lnSpc>
+              <a:spcBef>
+                <a:spcPct val="0"/>
+              </a:spcBef>
+            </a:pPr>
+            <a:r>
+              <a:rPr lang="en-US" sz="6800">
+                <a:solidFill>
+                  <a:srgbClr val="000000"/>
+                </a:solidFill>
+                <a:latin typeface="Canva Sans Bold"/>
+              </a:rPr>
+              <a:t>Docker Build</a:t>
+            </a:r>
+          </a:p>
+        </p:txBody>
+      </p:sp>
+      <p:sp>
+        <p:nvSpPr>
+          <p:cNvPr name="TextBox 3" id="3"/>
+          <p:cNvSpPr txBox="true"/>
+          <p:nvPr/>
+        </p:nvSpPr>
+        <p:spPr>
+          <a:xfrm rot="0">
+            <a:off x="210933" y="2265807"/>
+            <a:ext cx="16637959" cy="8021193"/>
+          </a:xfrm>
+          <a:prstGeom prst="rect">
+            <a:avLst/>
+          </a:prstGeom>
+        </p:spPr>
+        <p:txBody>
+          <a:bodyPr anchor="t" rtlCol="false" tIns="0" lIns="0" bIns="0" rIns="0">
+            <a:spAutoFit/>
+          </a:bodyPr>
+          <a:lstStyle/>
+          <a:p>
+            <a:pPr marL="734059" indent="-367030" lvl="1">
+              <a:lnSpc>
+                <a:spcPts val="4895"/>
+              </a:lnSpc>
+              <a:buFont typeface="Arial"/>
+              <a:buChar char="•"/>
+            </a:pPr>
+            <a:r>
+              <a:rPr lang="en-US" sz="3399">
+                <a:solidFill>
+                  <a:srgbClr val="000000"/>
+                </a:solidFill>
+                <a:latin typeface="Canva Sans"/>
+              </a:rPr>
+              <a:t>Docker Build: Create a Docker Image from a Dockerfile.</a:t>
+            </a:r>
+          </a:p>
+          <a:p>
+            <a:pPr marL="734059" indent="-367030" lvl="1">
+              <a:lnSpc>
+                <a:spcPts val="4895"/>
+              </a:lnSpc>
+              <a:buFont typeface="Arial"/>
+              <a:buChar char="•"/>
+            </a:pPr>
+            <a:r>
+              <a:rPr lang="en-US" sz="3399">
+                <a:solidFill>
+                  <a:srgbClr val="000000"/>
+                </a:solidFill>
+                <a:latin typeface="Canva Sans"/>
+              </a:rPr>
+              <a:t>Command: docker build &lt;flags&gt; -t &lt;image-name&gt;:&lt;tag&gt; &lt;path-to-Dockerfile&gt;</a:t>
+            </a:r>
+          </a:p>
+          <a:p>
+            <a:pPr marL="734059" indent="-367030" lvl="1">
+              <a:lnSpc>
+                <a:spcPts val="4895"/>
+              </a:lnSpc>
+              <a:buFont typeface="Arial"/>
+              <a:buChar char="•"/>
+            </a:pPr>
+            <a:r>
+              <a:rPr lang="en-US" sz="3399">
+                <a:solidFill>
+                  <a:srgbClr val="000000"/>
+                </a:solidFill>
+                <a:latin typeface="Canva Sans"/>
+              </a:rPr>
+              <a:t>Function: Builds a Docker Image based on the instructions in a Dockerfile.</a:t>
+            </a:r>
+          </a:p>
+          <a:p>
+            <a:pPr marL="734059" indent="-367030" lvl="1">
+              <a:lnSpc>
+                <a:spcPts val="4895"/>
+              </a:lnSpc>
+              <a:buFont typeface="Arial"/>
+              <a:buChar char="•"/>
+            </a:pPr>
+            <a:r>
+              <a:rPr lang="en-US" sz="3399">
+                <a:solidFill>
+                  <a:srgbClr val="000000"/>
+                </a:solidFill>
+                <a:latin typeface="Canva Sans"/>
+              </a:rPr>
+              <a:t>Example: </a:t>
+            </a:r>
+            <a:r>
+              <a:rPr lang="en-US" sz="3399">
+                <a:solidFill>
+                  <a:srgbClr val="990000"/>
+                </a:solidFill>
+                <a:latin typeface="Canva Sans"/>
+              </a:rPr>
+              <a:t>docker build -f Dockerfile.prod -t myapp:latest .</a:t>
+            </a:r>
+          </a:p>
+          <a:p>
+            <a:pPr>
+              <a:lnSpc>
+                <a:spcPts val="4895"/>
+              </a:lnSpc>
+            </a:pPr>
+            <a:r>
+              <a:rPr lang="en-US" sz="3399">
+                <a:solidFill>
+                  <a:srgbClr val="000000"/>
+                </a:solidFill>
+                <a:latin typeface="Canva Sans"/>
+              </a:rPr>
+              <a:t>Flags:</a:t>
+            </a:r>
+          </a:p>
+          <a:p>
+            <a:pPr marL="1468119" indent="-489373" lvl="2">
+              <a:lnSpc>
+                <a:spcPts val="4895"/>
+              </a:lnSpc>
+              <a:buFont typeface="Arial"/>
+              <a:buChar char="⚬"/>
+            </a:pPr>
+            <a:r>
+              <a:rPr lang="en-US" sz="3399">
+                <a:solidFill>
+                  <a:srgbClr val="000000"/>
+                </a:solidFill>
+                <a:latin typeface="Canva Sans"/>
+              </a:rPr>
+              <a:t>-f &lt;path/to/Dockerfile&gt;: Specifies the path to the Dockerfile.</a:t>
+            </a:r>
+          </a:p>
+          <a:p>
+            <a:pPr marL="1468119" indent="-489373" lvl="2">
+              <a:lnSpc>
+                <a:spcPts val="4895"/>
+              </a:lnSpc>
+              <a:buFont typeface="Arial"/>
+              <a:buChar char="⚬"/>
+            </a:pPr>
+            <a:r>
+              <a:rPr lang="en-US" sz="3399">
+                <a:solidFill>
+                  <a:srgbClr val="000000"/>
+                </a:solidFill>
+                <a:latin typeface="Canva Sans"/>
+              </a:rPr>
+              <a:t>-t &lt;image-name&gt;:&lt;tag&gt;: Tags the built image with a name and tag.</a:t>
+            </a:r>
+          </a:p>
+          <a:p>
+            <a:pPr marL="1468119" indent="-489373" lvl="2">
+              <a:lnSpc>
+                <a:spcPts val="4895"/>
+              </a:lnSpc>
+              <a:buFont typeface="Arial"/>
+              <a:buChar char="⚬"/>
+            </a:pPr>
+            <a:r>
+              <a:rPr lang="en-US" sz="3399">
+                <a:solidFill>
+                  <a:srgbClr val="000000"/>
+                </a:solidFill>
+                <a:latin typeface="Canva Sans"/>
+              </a:rPr>
+              <a:t>--no-cache: Builds the image without using the cache.</a:t>
+            </a:r>
+          </a:p>
+          <a:p>
+            <a:pPr marL="1468119" indent="-489373" lvl="2">
+              <a:lnSpc>
+                <a:spcPts val="4895"/>
+              </a:lnSpc>
+              <a:buFont typeface="Arial"/>
+              <a:buChar char="⚬"/>
+            </a:pPr>
+            <a:r>
+              <a:rPr lang="en-US" sz="3399">
+                <a:solidFill>
+                  <a:srgbClr val="000000"/>
+                </a:solidFill>
+                <a:latin typeface="Canva Sans"/>
+              </a:rPr>
+              <a:t>--build-arg &lt;key=value&gt;: Allows passing build-time variables to the Dockerfile.</a:t>
+            </a:r>
+          </a:p>
+          <a:p>
+            <a:pPr marL="1468119" indent="-489373" lvl="2">
+              <a:lnSpc>
+                <a:spcPts val="4895"/>
+              </a:lnSpc>
+              <a:buFont typeface="Arial"/>
+              <a:buChar char="⚬"/>
+            </a:pPr>
+            <a:r>
+              <a:rPr lang="en-US" sz="3399">
+                <a:solidFill>
+                  <a:srgbClr val="000000"/>
+                </a:solidFill>
+                <a:latin typeface="Canva Sans"/>
+              </a:rPr>
+              <a:t>--pull: Forces a fresh pull of the base image during the build process.</a:t>
+            </a:r>
+          </a:p>
+          <a:p>
+            <a:pPr marL="1468119" indent="-489373" lvl="2">
+              <a:lnSpc>
+                <a:spcPts val="4895"/>
+              </a:lnSpc>
+              <a:buFont typeface="Arial"/>
+              <a:buChar char="⚬"/>
+            </a:pPr>
+            <a:r>
+              <a:rPr lang="en-US" sz="3399">
+                <a:solidFill>
+                  <a:srgbClr val="000000"/>
+                </a:solidFill>
+                <a:latin typeface="Canva Sans"/>
+              </a:rPr>
+              <a:t>--target &lt;stage&gt;: Specifies a specific build stage to build.</a:t>
+            </a:r>
+          </a:p>
+          <a:p>
+            <a:pPr algn="l" marL="734059" indent="-367030" lvl="1">
+              <a:lnSpc>
+                <a:spcPts val="4895"/>
+              </a:lnSpc>
+              <a:buFont typeface="Arial"/>
+              <a:buChar char="•"/>
+            </a:pPr>
+          </a:p>
+        </p:txBody>
+      </p:sp>
+    </p:spTree>
+  </p:cSld>
+  <p:clrMapOvr>
+    <a:masterClrMapping/>
+  </p:clrMapOvr>
+</p:sld>
+</file>
+
+<file path=ppt/slides/slide3.xml><?xml version="1.0" encoding="utf-8"?>
+<p:sld xmlns:p="http://schemas.openxmlformats.org/presentationml/2006/main" xmlns:a="http://schemas.openxmlformats.org/drawingml/2006/main" xmlns:r="http://schemas.openxmlformats.org/officeDocument/2006/relationships">
+  <p:cSld>
+    <p:bg>
+      <p:bgPr>
+        <a:solidFill>
+          <a:srgbClr val="E8E8E8"/>
+        </a:solidFill>
+      </p:bgPr>
+    </p:bg>
+    <p:spTree>
+      <p:nvGrpSpPr>
+        <p:cNvPr id="1" name=""/>
+        <p:cNvGrpSpPr/>
+        <p:nvPr/>
+      </p:nvGrpSpPr>
+      <p:grpSpPr>
+        <a:xfrm>
+          <a:off x="0" y="0"/>
+          <a:ext cx="0" cy="0"/>
+          <a:chOff x="0" y="0"/>
+          <a:chExt cx="0" cy="0"/>
+        </a:xfrm>
+      </p:grpSpPr>
+      <p:sp>
+        <p:nvSpPr>
+          <p:cNvPr name="Freeform 2" id="2"/>
+          <p:cNvSpPr/>
+          <p:nvPr/>
+        </p:nvSpPr>
+        <p:spPr>
+          <a:xfrm flipH="false" flipV="false" rot="0">
+            <a:off x="9833938" y="0"/>
+            <a:ext cx="8454062" cy="1648542"/>
+          </a:xfrm>
+          <a:custGeom>
+            <a:avLst/>
+            <a:gdLst/>
+            <a:ahLst/>
+            <a:cxnLst/>
+            <a:rect r="r" b="b" t="t" l="l"/>
+            <a:pathLst>
+              <a:path h="1648542" w="8454062">
+                <a:moveTo>
+                  <a:pt x="0" y="0"/>
+                </a:moveTo>
+                <a:lnTo>
+                  <a:pt x="8454062" y="0"/>
+                </a:lnTo>
+                <a:lnTo>
+                  <a:pt x="8454062" y="1648542"/>
+                </a:lnTo>
+                <a:lnTo>
+                  <a:pt x="0" y="1648542"/>
+                </a:lnTo>
+                <a:lnTo>
+                  <a:pt x="0" y="0"/>
+                </a:lnTo>
+                <a:close/>
+              </a:path>
+            </a:pathLst>
+          </a:custGeom>
+          <a:blipFill>
+            <a:blip r:embed="rId2">
+              <a:extLst>
+                <a:ext uri="{96DAC541-7B7A-43D3-8B79-37D633B846F1}">
+                  <asvg:svgBlip xmlns:asvg="http://schemas.microsoft.com/office/drawing/2016/SVG/main" r:embed="rId3"/>
+                </a:ext>
+              </a:extLst>
+            </a:blip>
+            <a:stretch>
+              <a:fillRect l="0" t="0" r="0" b="0"/>
+            </a:stretch>
+          </a:blipFill>
+        </p:spPr>
+      </p:sp>
+      <p:sp>
+        <p:nvSpPr>
+          <p:cNvPr name="Freeform 3" id="3"/>
+          <p:cNvSpPr/>
+          <p:nvPr/>
+        </p:nvSpPr>
+        <p:spPr>
+          <a:xfrm flipH="false" flipV="true" rot="0">
+            <a:off x="0" y="7998501"/>
+            <a:ext cx="6128414" cy="2288499"/>
+          </a:xfrm>
+          <a:custGeom>
+            <a:avLst/>
+            <a:gdLst/>
+            <a:ahLst/>
+            <a:cxnLst/>
+            <a:rect r="r" b="b" t="t" l="l"/>
+            <a:pathLst>
+              <a:path h="2288499" w="6128414">
+                <a:moveTo>
+                  <a:pt x="0" y="2288499"/>
+                </a:moveTo>
+                <a:lnTo>
+                  <a:pt x="6128414" y="2288499"/>
+                </a:lnTo>
+                <a:lnTo>
+                  <a:pt x="6128414" y="0"/>
+                </a:lnTo>
+                <a:lnTo>
+                  <a:pt x="0" y="0"/>
+                </a:lnTo>
+                <a:lnTo>
+                  <a:pt x="0" y="2288499"/>
+                </a:lnTo>
+                <a:close/>
+              </a:path>
+            </a:pathLst>
+          </a:custGeom>
+          <a:blipFill>
+            <a:blip r:embed="rId4">
+              <a:extLst>
+                <a:ext uri="{96DAC541-7B7A-43D3-8B79-37D633B846F1}">
+                  <asvg:svgBlip xmlns:asvg="http://schemas.microsoft.com/office/drawing/2016/SVG/main" r:embed="rId5"/>
+                </a:ext>
+              </a:extLst>
+            </a:blip>
+            <a:stretch>
+              <a:fillRect l="0" t="0" r="-103224" b="0"/>
+            </a:stretch>
+          </a:blipFill>
+        </p:spPr>
+      </p:sp>
+      <p:grpSp>
+        <p:nvGrpSpPr>
+          <p:cNvPr name="Group 4" id="4"/>
+          <p:cNvGrpSpPr/>
+          <p:nvPr/>
+        </p:nvGrpSpPr>
+        <p:grpSpPr>
+          <a:xfrm rot="0">
+            <a:off x="5166947" y="9939233"/>
+            <a:ext cx="16432054" cy="3086100"/>
+            <a:chOff x="0" y="0"/>
+            <a:chExt cx="4327784" cy="812800"/>
+          </a:xfrm>
+        </p:grpSpPr>
+        <p:sp>
+          <p:nvSpPr>
+            <p:cNvPr name="Freeform 5" id="5"/>
+            <p:cNvSpPr/>
+            <p:nvPr/>
+          </p:nvSpPr>
+          <p:spPr>
+            <a:xfrm flipH="false" flipV="false" rot="0">
+              <a:off x="0" y="0"/>
+              <a:ext cx="4327784" cy="812800"/>
+            </a:xfrm>
+            <a:custGeom>
+              <a:avLst/>
+              <a:gdLst/>
+              <a:ahLst/>
+              <a:cxnLst/>
+              <a:rect r="r" b="b" t="t" l="l"/>
+              <a:pathLst>
+                <a:path h="812800" w="4327784">
+                  <a:moveTo>
+                    <a:pt x="0" y="0"/>
+                  </a:moveTo>
+                  <a:lnTo>
+                    <a:pt x="4327784" y="0"/>
+                  </a:lnTo>
+                  <a:lnTo>
+                    <a:pt x="4327784" y="812800"/>
+                  </a:lnTo>
+                  <a:lnTo>
+                    <a:pt x="0" y="812800"/>
+                  </a:lnTo>
+                  <a:close/>
+                </a:path>
+              </a:pathLst>
+            </a:custGeom>
+            <a:solidFill>
+              <a:srgbClr val="051D64"/>
+            </a:solidFill>
+          </p:spPr>
+        </p:sp>
+        <p:sp>
+          <p:nvSpPr>
+            <p:cNvPr name="TextBox 6" id="6"/>
+            <p:cNvSpPr txBox="true"/>
+            <p:nvPr/>
+          </p:nvSpPr>
+          <p:spPr>
+            <a:xfrm>
+              <a:off x="0" y="-38100"/>
+              <a:ext cx="812800" cy="850900"/>
+            </a:xfrm>
+            <a:prstGeom prst="rect">
+              <a:avLst/>
+            </a:prstGeom>
+          </p:spPr>
+          <p:txBody>
+            <a:bodyPr anchor="ctr" rtlCol="false" tIns="50800" lIns="50800" bIns="50800" rIns="50800"/>
+            <a:lstStyle/>
+            <a:p>
+              <a:pPr algn="ctr">
+                <a:lnSpc>
+                  <a:spcPts val="2659"/>
+                </a:lnSpc>
+              </a:pPr>
+            </a:p>
+          </p:txBody>
+        </p:sp>
+      </p:grpSp>
+      <p:sp>
+        <p:nvSpPr>
+          <p:cNvPr name="TextBox 7" id="7"/>
+          <p:cNvSpPr txBox="true"/>
+          <p:nvPr/>
+        </p:nvSpPr>
+        <p:spPr>
+          <a:xfrm rot="0">
+            <a:off x="1085548" y="4171950"/>
+            <a:ext cx="3961789" cy="1943100"/>
+          </a:xfrm>
+          <a:prstGeom prst="rect">
+            <a:avLst/>
+          </a:prstGeom>
+        </p:spPr>
+        <p:txBody>
+          <a:bodyPr anchor="t" rtlCol="false" tIns="0" lIns="0" bIns="0" rIns="0">
+            <a:spAutoFit/>
+          </a:bodyPr>
+          <a:lstStyle/>
+          <a:p>
+            <a:pPr>
+              <a:lnSpc>
+                <a:spcPts val="7679"/>
+              </a:lnSpc>
+            </a:pPr>
+            <a:r>
+              <a:rPr lang="en-US" sz="6399">
+                <a:solidFill>
+                  <a:srgbClr val="051D64"/>
+                </a:solidFill>
+                <a:latin typeface="Oswald Bold"/>
+              </a:rPr>
+              <a:t>TABLE OF</a:t>
+            </a:r>
+          </a:p>
+          <a:p>
+            <a:pPr>
+              <a:lnSpc>
+                <a:spcPts val="7679"/>
+              </a:lnSpc>
+            </a:pPr>
+            <a:r>
+              <a:rPr lang="en-US" sz="6399">
+                <a:solidFill>
+                  <a:srgbClr val="051D64"/>
+                </a:solidFill>
+                <a:latin typeface="Oswald Bold"/>
+              </a:rPr>
+              <a:t>CONTENT</a:t>
+            </a:r>
+          </a:p>
+        </p:txBody>
+      </p:sp>
+      <p:sp>
+        <p:nvSpPr>
+          <p:cNvPr name="TextBox 8" id="8"/>
+          <p:cNvSpPr txBox="true"/>
+          <p:nvPr/>
+        </p:nvSpPr>
+        <p:spPr>
+          <a:xfrm rot="0">
+            <a:off x="6128414" y="3200400"/>
+            <a:ext cx="1151172" cy="971550"/>
+          </a:xfrm>
+          <a:prstGeom prst="rect">
+            <a:avLst/>
+          </a:prstGeom>
+        </p:spPr>
+        <p:txBody>
+          <a:bodyPr anchor="t" rtlCol="false" tIns="0" lIns="0" bIns="0" rIns="0">
+            <a:spAutoFit/>
+          </a:bodyPr>
+          <a:lstStyle/>
+          <a:p>
+            <a:pPr>
+              <a:lnSpc>
+                <a:spcPts val="7679"/>
+              </a:lnSpc>
+            </a:pPr>
+            <a:r>
+              <a:rPr lang="en-US" sz="6399">
+                <a:solidFill>
+                  <a:srgbClr val="D18547"/>
+                </a:solidFill>
+                <a:latin typeface="Oswald Bold"/>
+              </a:rPr>
+              <a:t>07</a:t>
+            </a:r>
+          </a:p>
+        </p:txBody>
+      </p:sp>
+      <p:sp>
+        <p:nvSpPr>
+          <p:cNvPr name="TextBox 9" id="9"/>
+          <p:cNvSpPr txBox="true"/>
+          <p:nvPr/>
+        </p:nvSpPr>
+        <p:spPr>
+          <a:xfrm rot="0">
+            <a:off x="6128414" y="5098435"/>
+            <a:ext cx="1151172" cy="971550"/>
+          </a:xfrm>
+          <a:prstGeom prst="rect">
+            <a:avLst/>
+          </a:prstGeom>
+        </p:spPr>
+        <p:txBody>
+          <a:bodyPr anchor="t" rtlCol="false" tIns="0" lIns="0" bIns="0" rIns="0">
+            <a:spAutoFit/>
+          </a:bodyPr>
+          <a:lstStyle/>
+          <a:p>
+            <a:pPr>
+              <a:lnSpc>
+                <a:spcPts val="7679"/>
+              </a:lnSpc>
+            </a:pPr>
+            <a:r>
+              <a:rPr lang="en-US" sz="6399">
+                <a:solidFill>
+                  <a:srgbClr val="D18547"/>
+                </a:solidFill>
+                <a:latin typeface="Oswald Bold"/>
+              </a:rPr>
+              <a:t>08</a:t>
+            </a:r>
+          </a:p>
+        </p:txBody>
+      </p:sp>
+      <p:sp>
+        <p:nvSpPr>
+          <p:cNvPr name="TextBox 10" id="10"/>
+          <p:cNvSpPr txBox="true"/>
+          <p:nvPr/>
+        </p:nvSpPr>
+        <p:spPr>
+          <a:xfrm rot="0">
+            <a:off x="12260383" y="3200400"/>
+            <a:ext cx="1151172" cy="971550"/>
+          </a:xfrm>
+          <a:prstGeom prst="rect">
+            <a:avLst/>
+          </a:prstGeom>
+        </p:spPr>
+        <p:txBody>
+          <a:bodyPr anchor="t" rtlCol="false" tIns="0" lIns="0" bIns="0" rIns="0">
+            <a:spAutoFit/>
+          </a:bodyPr>
+          <a:lstStyle/>
+          <a:p>
+            <a:pPr>
+              <a:lnSpc>
+                <a:spcPts val="7679"/>
+              </a:lnSpc>
+            </a:pPr>
+            <a:r>
+              <a:rPr lang="en-US" sz="6399">
+                <a:solidFill>
+                  <a:srgbClr val="D18547"/>
+                </a:solidFill>
+                <a:latin typeface="Oswald Bold"/>
+              </a:rPr>
+              <a:t>10</a:t>
+            </a:r>
+          </a:p>
+        </p:txBody>
+      </p:sp>
+      <p:sp>
+        <p:nvSpPr>
+          <p:cNvPr name="TextBox 11" id="11"/>
+          <p:cNvSpPr txBox="true"/>
+          <p:nvPr/>
+        </p:nvSpPr>
+        <p:spPr>
+          <a:xfrm rot="0">
+            <a:off x="12260383" y="5098435"/>
+            <a:ext cx="1151172" cy="971550"/>
+          </a:xfrm>
+          <a:prstGeom prst="rect">
+            <a:avLst/>
+          </a:prstGeom>
+        </p:spPr>
+        <p:txBody>
+          <a:bodyPr anchor="t" rtlCol="false" tIns="0" lIns="0" bIns="0" rIns="0">
+            <a:spAutoFit/>
+          </a:bodyPr>
+          <a:lstStyle/>
+          <a:p>
+            <a:pPr>
+              <a:lnSpc>
+                <a:spcPts val="7679"/>
+              </a:lnSpc>
+            </a:pPr>
+            <a:r>
+              <a:rPr lang="en-US" sz="6399">
+                <a:solidFill>
+                  <a:srgbClr val="D18547"/>
+                </a:solidFill>
+                <a:latin typeface="Oswald Bold"/>
+              </a:rPr>
+              <a:t>11</a:t>
+            </a:r>
+          </a:p>
+        </p:txBody>
+      </p:sp>
+      <p:sp>
+        <p:nvSpPr>
+          <p:cNvPr name="AutoShape 12" id="12"/>
+          <p:cNvSpPr/>
+          <p:nvPr/>
+        </p:nvSpPr>
+        <p:spPr>
+          <a:xfrm flipV="true">
+            <a:off x="6109733" y="9572264"/>
+            <a:ext cx="8115511" cy="57150"/>
+          </a:xfrm>
+          <a:prstGeom prst="line">
+            <a:avLst/>
+          </a:prstGeom>
+          <a:ln cap="flat" w="104775">
+            <a:solidFill>
+              <a:srgbClr val="F9B680"/>
+            </a:solidFill>
+            <a:prstDash val="solid"/>
+            <a:headEnd type="none" len="sm" w="sm"/>
+            <a:tailEnd type="none" len="sm" w="sm"/>
+          </a:ln>
+        </p:spPr>
+      </p:sp>
+      <p:sp>
+        <p:nvSpPr>
+          <p:cNvPr name="AutoShape 13" id="13"/>
+          <p:cNvSpPr/>
+          <p:nvPr/>
+        </p:nvSpPr>
+        <p:spPr>
+          <a:xfrm>
+            <a:off x="685118" y="568102"/>
+            <a:ext cx="375086" cy="438940"/>
+          </a:xfrm>
+          <a:prstGeom prst="line">
+            <a:avLst/>
+          </a:prstGeom>
+          <a:ln cap="flat" w="66675">
+            <a:solidFill>
+              <a:srgbClr val="BEC6D4"/>
+            </a:solidFill>
+            <a:prstDash val="solid"/>
+            <a:headEnd type="none" len="sm" w="sm"/>
+            <a:tailEnd type="none" len="sm" w="sm"/>
+          </a:ln>
+        </p:spPr>
+      </p:sp>
+      <p:sp>
+        <p:nvSpPr>
+          <p:cNvPr name="AutoShape 14" id="14"/>
+          <p:cNvSpPr/>
+          <p:nvPr/>
+        </p:nvSpPr>
+        <p:spPr>
+          <a:xfrm>
+            <a:off x="1026336" y="568102"/>
+            <a:ext cx="375086" cy="438940"/>
+          </a:xfrm>
+          <a:prstGeom prst="line">
+            <a:avLst/>
+          </a:prstGeom>
+          <a:ln cap="flat" w="66675">
+            <a:solidFill>
+              <a:srgbClr val="BEC6D4"/>
+            </a:solidFill>
+            <a:prstDash val="solid"/>
+            <a:headEnd type="none" len="sm" w="sm"/>
+            <a:tailEnd type="none" len="sm" w="sm"/>
+          </a:ln>
+        </p:spPr>
+      </p:sp>
+      <p:sp>
+        <p:nvSpPr>
+          <p:cNvPr name="AutoShape 15" id="15"/>
+          <p:cNvSpPr/>
+          <p:nvPr/>
+        </p:nvSpPr>
+        <p:spPr>
+          <a:xfrm>
+            <a:off x="1367554" y="568102"/>
+            <a:ext cx="375086" cy="438940"/>
+          </a:xfrm>
+          <a:prstGeom prst="line">
+            <a:avLst/>
+          </a:prstGeom>
+          <a:ln cap="flat" w="66675">
+            <a:solidFill>
+              <a:srgbClr val="BEC6D4"/>
+            </a:solidFill>
+            <a:prstDash val="solid"/>
+            <a:headEnd type="none" len="sm" w="sm"/>
+            <a:tailEnd type="none" len="sm" w="sm"/>
+          </a:ln>
+        </p:spPr>
+      </p:sp>
+      <p:sp>
+        <p:nvSpPr>
+          <p:cNvPr name="AutoShape 16" id="16"/>
+          <p:cNvSpPr/>
+          <p:nvPr/>
+        </p:nvSpPr>
+        <p:spPr>
+          <a:xfrm>
+            <a:off x="1708772" y="568102"/>
+            <a:ext cx="375086" cy="438940"/>
+          </a:xfrm>
+          <a:prstGeom prst="line">
+            <a:avLst/>
+          </a:prstGeom>
+          <a:ln cap="flat" w="66675">
+            <a:solidFill>
+              <a:srgbClr val="BEC6D4"/>
+            </a:solidFill>
+            <a:prstDash val="solid"/>
+            <a:headEnd type="none" len="sm" w="sm"/>
+            <a:tailEnd type="none" len="sm" w="sm"/>
+          </a:ln>
+        </p:spPr>
+      </p:sp>
+      <p:sp>
+        <p:nvSpPr>
+          <p:cNvPr name="AutoShape 17" id="17"/>
+          <p:cNvSpPr/>
+          <p:nvPr/>
+        </p:nvSpPr>
+        <p:spPr>
+          <a:xfrm>
+            <a:off x="2049991" y="568102"/>
+            <a:ext cx="375086" cy="438940"/>
+          </a:xfrm>
+          <a:prstGeom prst="line">
+            <a:avLst/>
+          </a:prstGeom>
+          <a:ln cap="flat" w="66675">
+            <a:solidFill>
+              <a:srgbClr val="BEC6D4"/>
+            </a:solidFill>
+            <a:prstDash val="solid"/>
+            <a:headEnd type="none" len="sm" w="sm"/>
+            <a:tailEnd type="none" len="sm" w="sm"/>
+          </a:ln>
+        </p:spPr>
+      </p:sp>
+      <p:sp>
+        <p:nvSpPr>
+          <p:cNvPr name="AutoShape 18" id="18"/>
+          <p:cNvSpPr/>
+          <p:nvPr/>
+        </p:nvSpPr>
+        <p:spPr>
+          <a:xfrm>
+            <a:off x="2391209" y="568102"/>
+            <a:ext cx="375086" cy="438940"/>
+          </a:xfrm>
+          <a:prstGeom prst="line">
+            <a:avLst/>
+          </a:prstGeom>
+          <a:ln cap="flat" w="66675">
+            <a:solidFill>
+              <a:srgbClr val="BEC6D4"/>
+            </a:solidFill>
+            <a:prstDash val="solid"/>
+            <a:headEnd type="none" len="sm" w="sm"/>
+            <a:tailEnd type="none" len="sm" w="sm"/>
+          </a:ln>
+        </p:spPr>
+      </p:sp>
+      <p:sp>
+        <p:nvSpPr>
+          <p:cNvPr name="AutoShape 19" id="19"/>
+          <p:cNvSpPr/>
+          <p:nvPr/>
+        </p:nvSpPr>
+        <p:spPr>
+          <a:xfrm>
+            <a:off x="2732427" y="568102"/>
+            <a:ext cx="375086" cy="438940"/>
+          </a:xfrm>
+          <a:prstGeom prst="line">
+            <a:avLst/>
+          </a:prstGeom>
+          <a:ln cap="flat" w="66675">
+            <a:solidFill>
+              <a:srgbClr val="BEC6D4"/>
+            </a:solidFill>
+            <a:prstDash val="solid"/>
+            <a:headEnd type="none" len="sm" w="sm"/>
+            <a:tailEnd type="none" len="sm" w="sm"/>
+          </a:ln>
+        </p:spPr>
+      </p:sp>
+      <p:sp>
+        <p:nvSpPr>
+          <p:cNvPr name="AutoShape 20" id="20"/>
+          <p:cNvSpPr/>
+          <p:nvPr/>
+        </p:nvSpPr>
+        <p:spPr>
+          <a:xfrm>
+            <a:off x="3073645" y="568102"/>
+            <a:ext cx="375086" cy="438940"/>
+          </a:xfrm>
+          <a:prstGeom prst="line">
+            <a:avLst/>
+          </a:prstGeom>
+          <a:ln cap="flat" w="66675">
+            <a:solidFill>
+              <a:srgbClr val="BEC6D4"/>
+            </a:solidFill>
+            <a:prstDash val="solid"/>
+            <a:headEnd type="none" len="sm" w="sm"/>
+            <a:tailEnd type="none" len="sm" w="sm"/>
+          </a:ln>
+        </p:spPr>
+      </p:sp>
+      <p:sp>
+        <p:nvSpPr>
+          <p:cNvPr name="TextBox 21" id="21"/>
+          <p:cNvSpPr txBox="true"/>
+          <p:nvPr/>
+        </p:nvSpPr>
+        <p:spPr>
+          <a:xfrm rot="0">
+            <a:off x="7279586" y="2917144"/>
+            <a:ext cx="4426078" cy="1790700"/>
+          </a:xfrm>
+          <a:prstGeom prst="rect">
+            <a:avLst/>
+          </a:prstGeom>
+        </p:spPr>
+        <p:txBody>
+          <a:bodyPr anchor="t" rtlCol="false" tIns="0" lIns="0" bIns="0" rIns="0">
+            <a:spAutoFit/>
+          </a:bodyPr>
+          <a:lstStyle/>
+          <a:p>
+            <a:pPr>
+              <a:lnSpc>
+                <a:spcPts val="4440"/>
+              </a:lnSpc>
+            </a:pPr>
+            <a:r>
+              <a:rPr lang="en-US" sz="3700">
+                <a:solidFill>
+                  <a:srgbClr val="051D64"/>
+                </a:solidFill>
+                <a:latin typeface="Cooper Hewitt Bold"/>
+              </a:rPr>
               <a:t>TESTING IN CONTAINERIZED ENVIRONMENTS</a:t>
             </a:r>
           </a:p>
@@ -9132,6 +13535,2584 @@
               </a:rPr>
               <a:t>QUESTIONS AND DISCUSSION</a:t>
             </a:r>
+          </a:p>
+        </p:txBody>
+      </p:sp>
+    </p:spTree>
+  </p:cSld>
+  <p:clrMapOvr>
+    <a:masterClrMapping/>
+  </p:clrMapOvr>
+</p:sld>
+</file>
+
+<file path=ppt/slides/slide30.xml><?xml version="1.0" encoding="utf-8"?>
+<p:sld xmlns:p="http://schemas.openxmlformats.org/presentationml/2006/main" xmlns:a="http://schemas.openxmlformats.org/drawingml/2006/main">
+  <p:cSld>
+    <p:bg>
+      <p:bgPr>
+        <a:solidFill>
+          <a:srgbClr val="E8E8E8"/>
+        </a:solidFill>
+      </p:bgPr>
+    </p:bg>
+    <p:spTree>
+      <p:nvGrpSpPr>
+        <p:cNvPr id="1" name=""/>
+        <p:cNvGrpSpPr/>
+        <p:nvPr/>
+      </p:nvGrpSpPr>
+      <p:grpSpPr>
+        <a:xfrm>
+          <a:off x="0" y="0"/>
+          <a:ext cx="0" cy="0"/>
+          <a:chOff x="0" y="0"/>
+          <a:chExt cx="0" cy="0"/>
+        </a:xfrm>
+      </p:grpSpPr>
+      <p:sp>
+        <p:nvSpPr>
+          <p:cNvPr name="TextBox 2" id="2"/>
+          <p:cNvSpPr txBox="true"/>
+          <p:nvPr/>
+        </p:nvSpPr>
+        <p:spPr>
+          <a:xfrm rot="0">
+            <a:off x="210933" y="218207"/>
+            <a:ext cx="17336724" cy="1170305"/>
+          </a:xfrm>
+          <a:prstGeom prst="rect">
+            <a:avLst/>
+          </a:prstGeom>
+        </p:spPr>
+        <p:txBody>
+          <a:bodyPr anchor="t" rtlCol="false" tIns="0" lIns="0" bIns="0" rIns="0">
+            <a:spAutoFit/>
+          </a:bodyPr>
+          <a:lstStyle/>
+          <a:p>
+            <a:pPr marL="0" indent="0" lvl="0">
+              <a:lnSpc>
+                <a:spcPts val="9520"/>
+              </a:lnSpc>
+              <a:spcBef>
+                <a:spcPct val="0"/>
+              </a:spcBef>
+            </a:pPr>
+            <a:r>
+              <a:rPr lang="en-US" sz="6800">
+                <a:solidFill>
+                  <a:srgbClr val="000000"/>
+                </a:solidFill>
+                <a:latin typeface="Canva Sans Bold"/>
+              </a:rPr>
+              <a:t>Docker Run</a:t>
+            </a:r>
+          </a:p>
+        </p:txBody>
+      </p:sp>
+      <p:sp>
+        <p:nvSpPr>
+          <p:cNvPr name="TextBox 3" id="3"/>
+          <p:cNvSpPr txBox="true"/>
+          <p:nvPr/>
+        </p:nvSpPr>
+        <p:spPr>
+          <a:xfrm rot="0">
+            <a:off x="210933" y="1714137"/>
+            <a:ext cx="17209014" cy="8493819"/>
+          </a:xfrm>
+          <a:prstGeom prst="rect">
+            <a:avLst/>
+          </a:prstGeom>
+        </p:spPr>
+        <p:txBody>
+          <a:bodyPr anchor="t" rtlCol="false" tIns="0" lIns="0" bIns="0" rIns="0">
+            <a:spAutoFit/>
+          </a:bodyPr>
+          <a:lstStyle/>
+          <a:p>
+            <a:pPr marL="692263" indent="-346132" lvl="1">
+              <a:lnSpc>
+                <a:spcPts val="4617"/>
+              </a:lnSpc>
+              <a:buFont typeface="Arial"/>
+              <a:buChar char="•"/>
+            </a:pPr>
+            <a:r>
+              <a:rPr lang="en-US" sz="3206">
+                <a:solidFill>
+                  <a:srgbClr val="000000"/>
+                </a:solidFill>
+                <a:latin typeface="Canva Sans"/>
+              </a:rPr>
+              <a:t>Docker Run: Start a Docker Container from an Image.</a:t>
+            </a:r>
+          </a:p>
+          <a:p>
+            <a:pPr marL="692263" indent="-346132" lvl="1">
+              <a:lnSpc>
+                <a:spcPts val="4617"/>
+              </a:lnSpc>
+              <a:buFont typeface="Arial"/>
+              <a:buChar char="•"/>
+            </a:pPr>
+            <a:r>
+              <a:rPr lang="en-US" sz="3206">
+                <a:solidFill>
+                  <a:srgbClr val="000000"/>
+                </a:solidFill>
+                <a:latin typeface="Canva Sans"/>
+              </a:rPr>
+              <a:t>Command: docker run &lt;flags&gt; &lt;image-name&gt;:&lt;tag&gt;</a:t>
+            </a:r>
+          </a:p>
+          <a:p>
+            <a:pPr marL="692263" indent="-346132" lvl="1">
+              <a:lnSpc>
+                <a:spcPts val="4617"/>
+              </a:lnSpc>
+              <a:buFont typeface="Arial"/>
+              <a:buChar char="•"/>
+            </a:pPr>
+            <a:r>
+              <a:rPr lang="en-US" sz="3206">
+                <a:solidFill>
+                  <a:srgbClr val="000000"/>
+                </a:solidFill>
+                <a:latin typeface="Canva Sans"/>
+              </a:rPr>
+              <a:t>Function: Creates and starts a container from a Docker Image.</a:t>
+            </a:r>
+          </a:p>
+          <a:p>
+            <a:pPr marL="692263" indent="-346132" lvl="1">
+              <a:lnSpc>
+                <a:spcPts val="6124"/>
+              </a:lnSpc>
+              <a:buFont typeface="Arial"/>
+              <a:buChar char="•"/>
+            </a:pPr>
+            <a:r>
+              <a:rPr lang="en-US" sz="3206">
+                <a:solidFill>
+                  <a:srgbClr val="000000"/>
+                </a:solidFill>
+                <a:latin typeface="Canva Sans"/>
+              </a:rPr>
+              <a:t>Example: </a:t>
+            </a:r>
+            <a:r>
+              <a:rPr lang="en-US" sz="3206">
+                <a:solidFill>
+                  <a:srgbClr val="990000"/>
+                </a:solidFill>
+                <a:latin typeface="Canva Sans"/>
+              </a:rPr>
+              <a:t>docker run -d -p 8080:80 --name mycontainer myapp:latest</a:t>
+            </a:r>
+          </a:p>
+          <a:p>
+            <a:pPr marL="692263" indent="-346132" lvl="1">
+              <a:lnSpc>
+                <a:spcPts val="6124"/>
+              </a:lnSpc>
+              <a:buFont typeface="Arial"/>
+              <a:buChar char="•"/>
+            </a:pPr>
+            <a:r>
+              <a:rPr lang="en-US" sz="3206">
+                <a:solidFill>
+                  <a:srgbClr val="000000"/>
+                </a:solidFill>
+                <a:latin typeface="Canva Sans"/>
+              </a:rPr>
+              <a:t>Flags:</a:t>
+            </a:r>
+          </a:p>
+          <a:p>
+            <a:pPr marL="1384527" indent="-461509" lvl="2">
+              <a:lnSpc>
+                <a:spcPts val="4617"/>
+              </a:lnSpc>
+              <a:buFont typeface="Arial"/>
+              <a:buChar char="⚬"/>
+            </a:pPr>
+            <a:r>
+              <a:rPr lang="en-US" sz="3206">
+                <a:solidFill>
+                  <a:srgbClr val="000000"/>
+                </a:solidFill>
+                <a:latin typeface="Canva Sans"/>
+              </a:rPr>
+              <a:t>-d: Runs the container in the background (detached mode).</a:t>
+            </a:r>
+          </a:p>
+          <a:p>
+            <a:pPr marL="1384527" indent="-461509" lvl="2">
+              <a:lnSpc>
+                <a:spcPts val="4617"/>
+              </a:lnSpc>
+              <a:buFont typeface="Arial"/>
+              <a:buChar char="⚬"/>
+            </a:pPr>
+            <a:r>
+              <a:rPr lang="en-US" sz="3206">
+                <a:solidFill>
+                  <a:srgbClr val="000000"/>
+                </a:solidFill>
+                <a:latin typeface="Canva Sans"/>
+              </a:rPr>
+              <a:t>-p 8080:80: Maps port 80 in the container to port 8080 on the host system.</a:t>
+            </a:r>
+          </a:p>
+          <a:p>
+            <a:pPr marL="1384527" indent="-461509" lvl="2">
+              <a:lnSpc>
+                <a:spcPts val="4617"/>
+              </a:lnSpc>
+              <a:buFont typeface="Arial"/>
+              <a:buChar char="⚬"/>
+            </a:pPr>
+            <a:r>
+              <a:rPr lang="en-US" sz="3206">
+                <a:solidFill>
+                  <a:srgbClr val="000000"/>
+                </a:solidFill>
+                <a:latin typeface="Canva Sans"/>
+              </a:rPr>
+              <a:t>--name mycontainer: Assigns a custom name to the container.</a:t>
+            </a:r>
+          </a:p>
+          <a:p>
+            <a:pPr marL="1384527" indent="-461509" lvl="2">
+              <a:lnSpc>
+                <a:spcPts val="4617"/>
+              </a:lnSpc>
+              <a:buFont typeface="Arial"/>
+              <a:buChar char="⚬"/>
+            </a:pPr>
+            <a:r>
+              <a:rPr lang="en-US" sz="3206">
+                <a:solidFill>
+                  <a:srgbClr val="000000"/>
+                </a:solidFill>
+                <a:latin typeface="Canva Sans"/>
+              </a:rPr>
+              <a:t>--rm: Automatically removes the container when it stops running.</a:t>
+            </a:r>
+          </a:p>
+          <a:p>
+            <a:pPr marL="1384527" indent="-461509" lvl="2">
+              <a:lnSpc>
+                <a:spcPts val="4617"/>
+              </a:lnSpc>
+              <a:buFont typeface="Arial"/>
+              <a:buChar char="⚬"/>
+            </a:pPr>
+            <a:r>
+              <a:rPr lang="en-US" sz="3206">
+                <a:solidFill>
+                  <a:srgbClr val="000000"/>
+                </a:solidFill>
+                <a:latin typeface="Canva Sans"/>
+              </a:rPr>
+              <a:t>-e &lt;env-variable=value&gt;: Sets environment variables within the container.</a:t>
+            </a:r>
+          </a:p>
+          <a:p>
+            <a:pPr marL="1384527" indent="-461509" lvl="2">
+              <a:lnSpc>
+                <a:spcPts val="4617"/>
+              </a:lnSpc>
+              <a:buFont typeface="Arial"/>
+              <a:buChar char="⚬"/>
+            </a:pPr>
+            <a:r>
+              <a:rPr lang="en-US" sz="3206">
+                <a:solidFill>
+                  <a:srgbClr val="000000"/>
+                </a:solidFill>
+                <a:latin typeface="Canva Sans"/>
+              </a:rPr>
+              <a:t>-v &lt;host-path&gt;:&lt;container-path&gt;: Mounts a volume from the host to the container.</a:t>
+            </a:r>
+          </a:p>
+          <a:p>
+            <a:pPr marL="1384527" indent="-461509" lvl="2">
+              <a:lnSpc>
+                <a:spcPts val="4617"/>
+              </a:lnSpc>
+              <a:buFont typeface="Arial"/>
+              <a:buChar char="⚬"/>
+            </a:pPr>
+            <a:r>
+              <a:rPr lang="en-US" sz="3206">
+                <a:solidFill>
+                  <a:srgbClr val="000000"/>
+                </a:solidFill>
+                <a:latin typeface="Canva Sans"/>
+              </a:rPr>
+              <a:t>--network &lt;network-name&gt;: Connects the container to a specific network.</a:t>
+            </a:r>
+          </a:p>
+          <a:p>
+            <a:pPr algn="l" marL="692263" indent="-346132" lvl="1">
+              <a:lnSpc>
+                <a:spcPts val="4617"/>
+              </a:lnSpc>
+              <a:buFont typeface="Arial"/>
+              <a:buChar char="•"/>
+            </a:pPr>
+          </a:p>
+        </p:txBody>
+      </p:sp>
+    </p:spTree>
+  </p:cSld>
+  <p:clrMapOvr>
+    <a:masterClrMapping/>
+  </p:clrMapOvr>
+</p:sld>
+</file>
+
+<file path=ppt/slides/slide31.xml><?xml version="1.0" encoding="utf-8"?>
+<p:sld xmlns:p="http://schemas.openxmlformats.org/presentationml/2006/main" xmlns:a="http://schemas.openxmlformats.org/drawingml/2006/main">
+  <p:cSld>
+    <p:bg>
+      <p:bgPr>
+        <a:solidFill>
+          <a:srgbClr val="E8E8E8"/>
+        </a:solidFill>
+      </p:bgPr>
+    </p:bg>
+    <p:spTree>
+      <p:nvGrpSpPr>
+        <p:cNvPr id="1" name=""/>
+        <p:cNvGrpSpPr/>
+        <p:nvPr/>
+      </p:nvGrpSpPr>
+      <p:grpSpPr>
+        <a:xfrm>
+          <a:off x="0" y="0"/>
+          <a:ext cx="0" cy="0"/>
+          <a:chOff x="0" y="0"/>
+          <a:chExt cx="0" cy="0"/>
+        </a:xfrm>
+      </p:grpSpPr>
+      <p:sp>
+        <p:nvSpPr>
+          <p:cNvPr name="TextBox 2" id="2"/>
+          <p:cNvSpPr txBox="true"/>
+          <p:nvPr/>
+        </p:nvSpPr>
+        <p:spPr>
+          <a:xfrm rot="0">
+            <a:off x="210933" y="218207"/>
+            <a:ext cx="17336724" cy="1170305"/>
+          </a:xfrm>
+          <a:prstGeom prst="rect">
+            <a:avLst/>
+          </a:prstGeom>
+        </p:spPr>
+        <p:txBody>
+          <a:bodyPr anchor="t" rtlCol="false" tIns="0" lIns="0" bIns="0" rIns="0">
+            <a:spAutoFit/>
+          </a:bodyPr>
+          <a:lstStyle/>
+          <a:p>
+            <a:pPr marL="0" indent="0" lvl="0">
+              <a:lnSpc>
+                <a:spcPts val="9520"/>
+              </a:lnSpc>
+              <a:spcBef>
+                <a:spcPct val="0"/>
+              </a:spcBef>
+            </a:pPr>
+            <a:r>
+              <a:rPr lang="en-US" sz="6800">
+                <a:solidFill>
+                  <a:srgbClr val="000000"/>
+                </a:solidFill>
+                <a:latin typeface="Canva Sans Bold"/>
+              </a:rPr>
+              <a:t>Docker Exec</a:t>
+            </a:r>
+          </a:p>
+        </p:txBody>
+      </p:sp>
+      <p:sp>
+        <p:nvSpPr>
+          <p:cNvPr name="TextBox 3" id="3"/>
+          <p:cNvSpPr txBox="true"/>
+          <p:nvPr/>
+        </p:nvSpPr>
+        <p:spPr>
+          <a:xfrm rot="0">
+            <a:off x="210933" y="1714137"/>
+            <a:ext cx="17209014" cy="6950769"/>
+          </a:xfrm>
+          <a:prstGeom prst="rect">
+            <a:avLst/>
+          </a:prstGeom>
+        </p:spPr>
+        <p:txBody>
+          <a:bodyPr anchor="t" rtlCol="false" tIns="0" lIns="0" bIns="0" rIns="0">
+            <a:spAutoFit/>
+          </a:bodyPr>
+          <a:lstStyle/>
+          <a:p>
+            <a:pPr marL="692263" indent="-346132" lvl="1">
+              <a:lnSpc>
+                <a:spcPts val="4617"/>
+              </a:lnSpc>
+              <a:buFont typeface="Arial"/>
+              <a:buChar char="•"/>
+            </a:pPr>
+            <a:r>
+              <a:rPr lang="en-US" sz="3206">
+                <a:solidFill>
+                  <a:srgbClr val="000000"/>
+                </a:solidFill>
+                <a:latin typeface="Canva Sans"/>
+              </a:rPr>
+              <a:t>Docker Exec: Run commands inside a running container.</a:t>
+            </a:r>
+          </a:p>
+          <a:p>
+            <a:pPr marL="692263" indent="-346132" lvl="1">
+              <a:lnSpc>
+                <a:spcPts val="4617"/>
+              </a:lnSpc>
+              <a:buFont typeface="Arial"/>
+              <a:buChar char="•"/>
+            </a:pPr>
+            <a:r>
+              <a:rPr lang="en-US" sz="3206">
+                <a:solidFill>
+                  <a:srgbClr val="000000"/>
+                </a:solidFill>
+                <a:latin typeface="Canva Sans"/>
+              </a:rPr>
+              <a:t>Command: docker exec &lt;flags&gt; &lt;container-id/name&gt; &lt;command&gt;</a:t>
+            </a:r>
+          </a:p>
+          <a:p>
+            <a:pPr marL="692263" indent="-346132" lvl="1">
+              <a:lnSpc>
+                <a:spcPts val="4617"/>
+              </a:lnSpc>
+              <a:buFont typeface="Arial"/>
+              <a:buChar char="•"/>
+            </a:pPr>
+            <a:r>
+              <a:rPr lang="en-US" sz="3206">
+                <a:solidFill>
+                  <a:srgbClr val="000000"/>
+                </a:solidFill>
+                <a:latin typeface="Canva Sans"/>
+              </a:rPr>
+              <a:t>Function: Executes a command within a running container.</a:t>
+            </a:r>
+          </a:p>
+          <a:p>
+            <a:pPr marL="692263" indent="-346132" lvl="1">
+              <a:lnSpc>
+                <a:spcPts val="4617"/>
+              </a:lnSpc>
+              <a:buFont typeface="Arial"/>
+              <a:buChar char="•"/>
+            </a:pPr>
+            <a:r>
+              <a:rPr lang="en-US" sz="3206">
+                <a:solidFill>
+                  <a:srgbClr val="000000"/>
+                </a:solidFill>
+                <a:latin typeface="Canva Sans"/>
+              </a:rPr>
+              <a:t>Example: </a:t>
+            </a:r>
+            <a:r>
+              <a:rPr lang="en-US" sz="3206">
+                <a:solidFill>
+                  <a:srgbClr val="990000"/>
+                </a:solidFill>
+                <a:latin typeface="Canva Sans"/>
+              </a:rPr>
+              <a:t>docker exec -it mycontainer bash</a:t>
+            </a:r>
+          </a:p>
+          <a:p>
+            <a:pPr>
+              <a:lnSpc>
+                <a:spcPts val="4617"/>
+              </a:lnSpc>
+            </a:pPr>
+            <a:r>
+              <a:rPr lang="en-US" sz="3206">
+                <a:solidFill>
+                  <a:srgbClr val="000000"/>
+                </a:solidFill>
+                <a:latin typeface="Canva Sans"/>
+              </a:rPr>
+              <a:t>Flags:</a:t>
+            </a:r>
+          </a:p>
+          <a:p>
+            <a:pPr marL="1384527" indent="-461509" lvl="2">
+              <a:lnSpc>
+                <a:spcPts val="4617"/>
+              </a:lnSpc>
+              <a:buFont typeface="Arial"/>
+              <a:buChar char="⚬"/>
+            </a:pPr>
+            <a:r>
+              <a:rPr lang="en-US" sz="3206">
+                <a:solidFill>
+                  <a:srgbClr val="000000"/>
+                </a:solidFill>
+                <a:latin typeface="Canva Sans"/>
+              </a:rPr>
+              <a:t>-i: Attach stdin for interactive input.</a:t>
+            </a:r>
+          </a:p>
+          <a:p>
+            <a:pPr marL="1384527" indent="-461509" lvl="2">
+              <a:lnSpc>
+                <a:spcPts val="4617"/>
+              </a:lnSpc>
+              <a:buFont typeface="Arial"/>
+              <a:buChar char="⚬"/>
+            </a:pPr>
+            <a:r>
+              <a:rPr lang="en-US" sz="3206">
+                <a:solidFill>
+                  <a:srgbClr val="000000"/>
+                </a:solidFill>
+                <a:latin typeface="Canva Sans"/>
+              </a:rPr>
+              <a:t>-t: Allocate a pseudo-TTY for the command.</a:t>
+            </a:r>
+          </a:p>
+          <a:p>
+            <a:pPr marL="1384527" indent="-461509" lvl="2">
+              <a:lnSpc>
+                <a:spcPts val="4617"/>
+              </a:lnSpc>
+              <a:buFont typeface="Arial"/>
+              <a:buChar char="⚬"/>
+            </a:pPr>
+            <a:r>
+              <a:rPr lang="en-US" sz="3206">
+                <a:solidFill>
+                  <a:srgbClr val="000000"/>
+                </a:solidFill>
+                <a:latin typeface="Canva Sans"/>
+              </a:rPr>
+              <a:t>-d: Detach from the container's console without killing the command.</a:t>
+            </a:r>
+          </a:p>
+          <a:p>
+            <a:pPr marL="1384527" indent="-461509" lvl="2">
+              <a:lnSpc>
+                <a:spcPts val="4617"/>
+              </a:lnSpc>
+              <a:buFont typeface="Arial"/>
+              <a:buChar char="⚬"/>
+            </a:pPr>
+            <a:r>
+              <a:rPr lang="en-US" sz="3206">
+                <a:solidFill>
+                  <a:srgbClr val="000000"/>
+                </a:solidFill>
+                <a:latin typeface="Canva Sans"/>
+              </a:rPr>
+              <a:t>-e &lt;env-variable=value&gt;: Sets environment variables within the container.</a:t>
+            </a:r>
+          </a:p>
+          <a:p>
+            <a:pPr marL="1384527" indent="-461509" lvl="2">
+              <a:lnSpc>
+                <a:spcPts val="4617"/>
+              </a:lnSpc>
+              <a:buFont typeface="Arial"/>
+              <a:buChar char="⚬"/>
+            </a:pPr>
+            <a:r>
+              <a:rPr lang="en-US" sz="3206">
+                <a:solidFill>
+                  <a:srgbClr val="000000"/>
+                </a:solidFill>
+                <a:latin typeface="Canva Sans"/>
+              </a:rPr>
+              <a:t>--user &lt;username&gt;: Specifies the username or UID for the command.</a:t>
+            </a:r>
+          </a:p>
+          <a:p>
+            <a:pPr marL="1384527" indent="-461509" lvl="2">
+              <a:lnSpc>
+                <a:spcPts val="4617"/>
+              </a:lnSpc>
+              <a:buFont typeface="Arial"/>
+              <a:buChar char="⚬"/>
+            </a:pPr>
+            <a:r>
+              <a:rPr lang="en-US" sz="3206">
+                <a:solidFill>
+                  <a:srgbClr val="000000"/>
+                </a:solidFill>
+                <a:latin typeface="Canva Sans"/>
+              </a:rPr>
+              <a:t>--workdir &lt;directory&gt;: Sets the working directory for the command.</a:t>
+            </a:r>
+          </a:p>
+          <a:p>
+            <a:pPr algn="l" marL="692263" indent="-346132" lvl="1">
+              <a:lnSpc>
+                <a:spcPts val="4617"/>
+              </a:lnSpc>
+              <a:buFont typeface="Arial"/>
+              <a:buChar char="•"/>
+            </a:pPr>
+          </a:p>
+        </p:txBody>
+      </p:sp>
+    </p:spTree>
+  </p:cSld>
+  <p:clrMapOvr>
+    <a:masterClrMapping/>
+  </p:clrMapOvr>
+</p:sld>
+</file>
+
+<file path=ppt/slides/slide32.xml><?xml version="1.0" encoding="utf-8"?>
+<p:sld xmlns:p="http://schemas.openxmlformats.org/presentationml/2006/main" xmlns:a="http://schemas.openxmlformats.org/drawingml/2006/main">
+  <p:cSld>
+    <p:bg>
+      <p:bgPr>
+        <a:solidFill>
+          <a:srgbClr val="E8E8E8"/>
+        </a:solidFill>
+      </p:bgPr>
+    </p:bg>
+    <p:spTree>
+      <p:nvGrpSpPr>
+        <p:cNvPr id="1" name=""/>
+        <p:cNvGrpSpPr/>
+        <p:nvPr/>
+      </p:nvGrpSpPr>
+      <p:grpSpPr>
+        <a:xfrm>
+          <a:off x="0" y="0"/>
+          <a:ext cx="0" cy="0"/>
+          <a:chOff x="0" y="0"/>
+          <a:chExt cx="0" cy="0"/>
+        </a:xfrm>
+      </p:grpSpPr>
+      <p:sp>
+        <p:nvSpPr>
+          <p:cNvPr name="TextBox 2" id="2"/>
+          <p:cNvSpPr txBox="true"/>
+          <p:nvPr/>
+        </p:nvSpPr>
+        <p:spPr>
+          <a:xfrm rot="0">
+            <a:off x="210933" y="218207"/>
+            <a:ext cx="17336724" cy="1170305"/>
+          </a:xfrm>
+          <a:prstGeom prst="rect">
+            <a:avLst/>
+          </a:prstGeom>
+        </p:spPr>
+        <p:txBody>
+          <a:bodyPr anchor="t" rtlCol="false" tIns="0" lIns="0" bIns="0" rIns="0">
+            <a:spAutoFit/>
+          </a:bodyPr>
+          <a:lstStyle/>
+          <a:p>
+            <a:pPr marL="0" indent="0" lvl="0">
+              <a:lnSpc>
+                <a:spcPts val="9520"/>
+              </a:lnSpc>
+              <a:spcBef>
+                <a:spcPct val="0"/>
+              </a:spcBef>
+            </a:pPr>
+            <a:r>
+              <a:rPr lang="en-US" sz="6800">
+                <a:solidFill>
+                  <a:srgbClr val="000000"/>
+                </a:solidFill>
+                <a:latin typeface="Canva Sans Bold"/>
+              </a:rPr>
+              <a:t>Docker Push</a:t>
+            </a:r>
+          </a:p>
+        </p:txBody>
+      </p:sp>
+      <p:sp>
+        <p:nvSpPr>
+          <p:cNvPr name="TextBox 3" id="3"/>
+          <p:cNvSpPr txBox="true"/>
+          <p:nvPr/>
+        </p:nvSpPr>
+        <p:spPr>
+          <a:xfrm rot="0">
+            <a:off x="210933" y="1714137"/>
+            <a:ext cx="17209014" cy="2883594"/>
+          </a:xfrm>
+          <a:prstGeom prst="rect">
+            <a:avLst/>
+          </a:prstGeom>
+        </p:spPr>
+        <p:txBody>
+          <a:bodyPr anchor="t" rtlCol="false" tIns="0" lIns="0" bIns="0" rIns="0">
+            <a:spAutoFit/>
+          </a:bodyPr>
+          <a:lstStyle/>
+          <a:p>
+            <a:pPr marL="692263" indent="-346132" lvl="1">
+              <a:lnSpc>
+                <a:spcPts val="4617"/>
+              </a:lnSpc>
+              <a:buFont typeface="Arial"/>
+              <a:buChar char="•"/>
+            </a:pPr>
+            <a:r>
+              <a:rPr lang="en-US" sz="3206">
+                <a:solidFill>
+                  <a:srgbClr val="000000"/>
+                </a:solidFill>
+                <a:latin typeface="Canva Sans"/>
+              </a:rPr>
+              <a:t>Docker Push</a:t>
+            </a:r>
+          </a:p>
+          <a:p>
+            <a:pPr marL="692263" indent="-346132" lvl="1">
+              <a:lnSpc>
+                <a:spcPts val="4617"/>
+              </a:lnSpc>
+              <a:buFont typeface="Arial"/>
+              <a:buChar char="•"/>
+            </a:pPr>
+            <a:r>
+              <a:rPr lang="en-US" sz="3206">
+                <a:solidFill>
+                  <a:srgbClr val="000000"/>
+                </a:solidFill>
+                <a:latin typeface="Canva Sans"/>
+              </a:rPr>
+              <a:t>Docker Push: Upload Docker Images to a registry.</a:t>
+            </a:r>
+          </a:p>
+          <a:p>
+            <a:pPr marL="692263" indent="-346132" lvl="1">
+              <a:lnSpc>
+                <a:spcPts val="4617"/>
+              </a:lnSpc>
+              <a:buFont typeface="Arial"/>
+              <a:buChar char="•"/>
+            </a:pPr>
+            <a:r>
+              <a:rPr lang="en-US" sz="3206">
+                <a:solidFill>
+                  <a:srgbClr val="000000"/>
+                </a:solidFill>
+                <a:latin typeface="Canva Sans"/>
+              </a:rPr>
+              <a:t>Command: docker push &lt;registry&gt;/&lt;image-name&gt;:&lt;tag&gt;</a:t>
+            </a:r>
+          </a:p>
+          <a:p>
+            <a:pPr marL="692263" indent="-346132" lvl="1">
+              <a:lnSpc>
+                <a:spcPts val="4617"/>
+              </a:lnSpc>
+              <a:buFont typeface="Arial"/>
+              <a:buChar char="•"/>
+            </a:pPr>
+            <a:r>
+              <a:rPr lang="en-US" sz="3206">
+                <a:solidFill>
+                  <a:srgbClr val="000000"/>
+                </a:solidFill>
+                <a:latin typeface="Canva Sans"/>
+              </a:rPr>
+              <a:t>Function: Uploads a Docker Image to a registry for sharing and distribution.</a:t>
+            </a:r>
+          </a:p>
+          <a:p>
+            <a:pPr algn="l" marL="692263" indent="-346132" lvl="1">
+              <a:lnSpc>
+                <a:spcPts val="4617"/>
+              </a:lnSpc>
+              <a:buFont typeface="Arial"/>
+              <a:buChar char="•"/>
+            </a:pPr>
+            <a:r>
+              <a:rPr lang="en-US" sz="3206">
+                <a:solidFill>
+                  <a:srgbClr val="000000"/>
+                </a:solidFill>
+                <a:latin typeface="Canva Sans"/>
+              </a:rPr>
+              <a:t>Example: </a:t>
+            </a:r>
+            <a:r>
+              <a:rPr lang="en-US" sz="3206">
+                <a:solidFill>
+                  <a:srgbClr val="990000"/>
+                </a:solidFill>
+                <a:latin typeface="Canva Sans"/>
+              </a:rPr>
+              <a:t>docker push myregistry/myapp:latest</a:t>
+            </a:r>
+          </a:p>
+        </p:txBody>
+      </p:sp>
+    </p:spTree>
+  </p:cSld>
+  <p:clrMapOvr>
+    <a:masterClrMapping/>
+  </p:clrMapOvr>
+</p:sld>
+</file>
+
+<file path=ppt/slides/slide33.xml><?xml version="1.0" encoding="utf-8"?>
+<p:sld xmlns:p="http://schemas.openxmlformats.org/presentationml/2006/main" xmlns:a="http://schemas.openxmlformats.org/drawingml/2006/main">
+  <p:cSld>
+    <p:bg>
+      <p:bgPr>
+        <a:solidFill>
+          <a:srgbClr val="E8E8E8"/>
+        </a:solidFill>
+      </p:bgPr>
+    </p:bg>
+    <p:spTree>
+      <p:nvGrpSpPr>
+        <p:cNvPr id="1" name=""/>
+        <p:cNvGrpSpPr/>
+        <p:nvPr/>
+      </p:nvGrpSpPr>
+      <p:grpSpPr>
+        <a:xfrm>
+          <a:off x="0" y="0"/>
+          <a:ext cx="0" cy="0"/>
+          <a:chOff x="0" y="0"/>
+          <a:chExt cx="0" cy="0"/>
+        </a:xfrm>
+      </p:grpSpPr>
+      <p:sp>
+        <p:nvSpPr>
+          <p:cNvPr name="TextBox 2" id="2"/>
+          <p:cNvSpPr txBox="true"/>
+          <p:nvPr/>
+        </p:nvSpPr>
+        <p:spPr>
+          <a:xfrm rot="0">
+            <a:off x="210933" y="218207"/>
+            <a:ext cx="17336724" cy="1170305"/>
+          </a:xfrm>
+          <a:prstGeom prst="rect">
+            <a:avLst/>
+          </a:prstGeom>
+        </p:spPr>
+        <p:txBody>
+          <a:bodyPr anchor="t" rtlCol="false" tIns="0" lIns="0" bIns="0" rIns="0">
+            <a:spAutoFit/>
+          </a:bodyPr>
+          <a:lstStyle/>
+          <a:p>
+            <a:pPr marL="0" indent="0" lvl="0">
+              <a:lnSpc>
+                <a:spcPts val="9520"/>
+              </a:lnSpc>
+              <a:spcBef>
+                <a:spcPct val="0"/>
+              </a:spcBef>
+            </a:pPr>
+            <a:r>
+              <a:rPr lang="en-US" sz="6800">
+                <a:solidFill>
+                  <a:srgbClr val="000000"/>
+                </a:solidFill>
+                <a:latin typeface="Canva Sans Bold"/>
+              </a:rPr>
+              <a:t>Docker Remove Container</a:t>
+            </a:r>
+          </a:p>
+        </p:txBody>
+      </p:sp>
+      <p:sp>
+        <p:nvSpPr>
+          <p:cNvPr name="TextBox 3" id="3"/>
+          <p:cNvSpPr txBox="true"/>
+          <p:nvPr/>
+        </p:nvSpPr>
+        <p:spPr>
+          <a:xfrm rot="0">
+            <a:off x="210933" y="1714137"/>
+            <a:ext cx="17209014" cy="5207694"/>
+          </a:xfrm>
+          <a:prstGeom prst="rect">
+            <a:avLst/>
+          </a:prstGeom>
+        </p:spPr>
+        <p:txBody>
+          <a:bodyPr anchor="t" rtlCol="false" tIns="0" lIns="0" bIns="0" rIns="0">
+            <a:spAutoFit/>
+          </a:bodyPr>
+          <a:lstStyle/>
+          <a:p>
+            <a:pPr marL="692263" indent="-346132" lvl="1">
+              <a:lnSpc>
+                <a:spcPts val="4617"/>
+              </a:lnSpc>
+              <a:buFont typeface="Arial"/>
+              <a:buChar char="•"/>
+            </a:pPr>
+            <a:r>
+              <a:rPr lang="en-US" sz="3206">
+                <a:solidFill>
+                  <a:srgbClr val="000000"/>
+                </a:solidFill>
+                <a:latin typeface="Canva Sans"/>
+              </a:rPr>
+              <a:t>Docker Remove Container: Delete a container from your system.</a:t>
+            </a:r>
+          </a:p>
+          <a:p>
+            <a:pPr marL="692263" indent="-346132" lvl="1">
+              <a:lnSpc>
+                <a:spcPts val="4617"/>
+              </a:lnSpc>
+              <a:buFont typeface="Arial"/>
+              <a:buChar char="•"/>
+            </a:pPr>
+            <a:r>
+              <a:rPr lang="en-US" sz="3206">
+                <a:solidFill>
+                  <a:srgbClr val="000000"/>
+                </a:solidFill>
+                <a:latin typeface="Canva Sans"/>
+              </a:rPr>
+              <a:t>Command: docker rm &lt;container-id/name&gt;</a:t>
+            </a:r>
+          </a:p>
+          <a:p>
+            <a:pPr marL="692263" indent="-346132" lvl="1">
+              <a:lnSpc>
+                <a:spcPts val="4617"/>
+              </a:lnSpc>
+              <a:buFont typeface="Arial"/>
+              <a:buChar char="•"/>
+            </a:pPr>
+            <a:r>
+              <a:rPr lang="en-US" sz="3206">
+                <a:solidFill>
+                  <a:srgbClr val="000000"/>
+                </a:solidFill>
+                <a:latin typeface="Canva Sans"/>
+              </a:rPr>
+              <a:t>Function: Removes a specific container from your system.</a:t>
+            </a:r>
+          </a:p>
+          <a:p>
+            <a:pPr marL="692263" indent="-346132" lvl="1">
+              <a:lnSpc>
+                <a:spcPts val="4617"/>
+              </a:lnSpc>
+              <a:buFont typeface="Arial"/>
+              <a:buChar char="•"/>
+            </a:pPr>
+            <a:r>
+              <a:rPr lang="en-US" sz="3206">
+                <a:solidFill>
+                  <a:srgbClr val="000000"/>
+                </a:solidFill>
+                <a:latin typeface="Canva Sans"/>
+              </a:rPr>
+              <a:t>Example: </a:t>
+            </a:r>
+            <a:r>
+              <a:rPr lang="en-US" sz="3206">
+                <a:solidFill>
+                  <a:srgbClr val="990000"/>
+                </a:solidFill>
+                <a:latin typeface="Canva Sans"/>
+              </a:rPr>
+              <a:t>docker rm mycontainer</a:t>
+            </a:r>
+          </a:p>
+          <a:p>
+            <a:pPr marL="692263" indent="-346132" lvl="1">
+              <a:lnSpc>
+                <a:spcPts val="4617"/>
+              </a:lnSpc>
+              <a:buFont typeface="Arial"/>
+              <a:buChar char="•"/>
+            </a:pPr>
+            <a:r>
+              <a:rPr lang="en-US" sz="3206">
+                <a:solidFill>
+                  <a:srgbClr val="000000"/>
+                </a:solidFill>
+                <a:latin typeface="Canva Sans"/>
+              </a:rPr>
+              <a:t>Additional Options:</a:t>
+            </a:r>
+          </a:p>
+          <a:p>
+            <a:pPr marL="1384527" indent="-461509" lvl="2">
+              <a:lnSpc>
+                <a:spcPts val="4617"/>
+              </a:lnSpc>
+              <a:buFont typeface="Arial"/>
+              <a:buChar char="⚬"/>
+            </a:pPr>
+            <a:r>
+              <a:rPr lang="en-US" sz="3206">
+                <a:solidFill>
+                  <a:srgbClr val="000000"/>
+                </a:solidFill>
+                <a:latin typeface="Canva Sans"/>
+              </a:rPr>
+              <a:t>docker rm -f &lt;container-id/name&gt;: Forcefully removes a running container.</a:t>
+            </a:r>
+          </a:p>
+          <a:p>
+            <a:pPr marL="1384527" indent="-461509" lvl="2">
+              <a:lnSpc>
+                <a:spcPts val="4617"/>
+              </a:lnSpc>
+              <a:buFont typeface="Arial"/>
+              <a:buChar char="⚬"/>
+            </a:pPr>
+            <a:r>
+              <a:rPr lang="en-US" sz="3206">
+                <a:solidFill>
+                  <a:srgbClr val="000000"/>
+                </a:solidFill>
+                <a:latin typeface="Canva Sans"/>
+              </a:rPr>
+              <a:t>docker rm -v &lt;container-id/name&gt;: Removes a container and its associated volumes.</a:t>
+            </a:r>
+          </a:p>
+          <a:p>
+            <a:pPr algn="l" marL="692263" indent="-346132" lvl="1">
+              <a:lnSpc>
+                <a:spcPts val="4617"/>
+              </a:lnSpc>
+              <a:buFont typeface="Arial"/>
+              <a:buChar char="•"/>
+            </a:pPr>
+          </a:p>
+        </p:txBody>
+      </p:sp>
+    </p:spTree>
+  </p:cSld>
+  <p:clrMapOvr>
+    <a:masterClrMapping/>
+  </p:clrMapOvr>
+</p:sld>
+</file>
+
+<file path=ppt/slides/slide34.xml><?xml version="1.0" encoding="utf-8"?>
+<p:sld xmlns:p="http://schemas.openxmlformats.org/presentationml/2006/main" xmlns:a="http://schemas.openxmlformats.org/drawingml/2006/main">
+  <p:cSld>
+    <p:bg>
+      <p:bgPr>
+        <a:solidFill>
+          <a:srgbClr val="E8E8E8"/>
+        </a:solidFill>
+      </p:bgPr>
+    </p:bg>
+    <p:spTree>
+      <p:nvGrpSpPr>
+        <p:cNvPr id="1" name=""/>
+        <p:cNvGrpSpPr/>
+        <p:nvPr/>
+      </p:nvGrpSpPr>
+      <p:grpSpPr>
+        <a:xfrm>
+          <a:off x="0" y="0"/>
+          <a:ext cx="0" cy="0"/>
+          <a:chOff x="0" y="0"/>
+          <a:chExt cx="0" cy="0"/>
+        </a:xfrm>
+      </p:grpSpPr>
+      <p:sp>
+        <p:nvSpPr>
+          <p:cNvPr name="TextBox 2" id="2"/>
+          <p:cNvSpPr txBox="true"/>
+          <p:nvPr/>
+        </p:nvSpPr>
+        <p:spPr>
+          <a:xfrm rot="0">
+            <a:off x="210933" y="218207"/>
+            <a:ext cx="17336724" cy="1170305"/>
+          </a:xfrm>
+          <a:prstGeom prst="rect">
+            <a:avLst/>
+          </a:prstGeom>
+        </p:spPr>
+        <p:txBody>
+          <a:bodyPr anchor="t" rtlCol="false" tIns="0" lIns="0" bIns="0" rIns="0">
+            <a:spAutoFit/>
+          </a:bodyPr>
+          <a:lstStyle/>
+          <a:p>
+            <a:pPr marL="0" indent="0" lvl="0">
+              <a:lnSpc>
+                <a:spcPts val="9520"/>
+              </a:lnSpc>
+              <a:spcBef>
+                <a:spcPct val="0"/>
+              </a:spcBef>
+            </a:pPr>
+            <a:r>
+              <a:rPr lang="en-US" sz="6800">
+                <a:solidFill>
+                  <a:srgbClr val="000000"/>
+                </a:solidFill>
+                <a:latin typeface="Canva Sans Bold"/>
+              </a:rPr>
+              <a:t>Docker Remove Image</a:t>
+            </a:r>
+          </a:p>
+        </p:txBody>
+      </p:sp>
+      <p:sp>
+        <p:nvSpPr>
+          <p:cNvPr name="TextBox 3" id="3"/>
+          <p:cNvSpPr txBox="true"/>
+          <p:nvPr/>
+        </p:nvSpPr>
+        <p:spPr>
+          <a:xfrm rot="0">
+            <a:off x="210933" y="1714137"/>
+            <a:ext cx="17209014" cy="5207694"/>
+          </a:xfrm>
+          <a:prstGeom prst="rect">
+            <a:avLst/>
+          </a:prstGeom>
+        </p:spPr>
+        <p:txBody>
+          <a:bodyPr anchor="t" rtlCol="false" tIns="0" lIns="0" bIns="0" rIns="0">
+            <a:spAutoFit/>
+          </a:bodyPr>
+          <a:lstStyle/>
+          <a:p>
+            <a:pPr marL="692263" indent="-346132" lvl="1">
+              <a:lnSpc>
+                <a:spcPts val="4617"/>
+              </a:lnSpc>
+              <a:buFont typeface="Arial"/>
+              <a:buChar char="•"/>
+            </a:pPr>
+            <a:r>
+              <a:rPr lang="en-US" sz="3206">
+                <a:solidFill>
+                  <a:srgbClr val="000000"/>
+                </a:solidFill>
+                <a:latin typeface="Canva Sans"/>
+              </a:rPr>
+              <a:t>Docker Remove Image: Delete an image from your system.</a:t>
+            </a:r>
+          </a:p>
+          <a:p>
+            <a:pPr marL="692263" indent="-346132" lvl="1">
+              <a:lnSpc>
+                <a:spcPts val="4617"/>
+              </a:lnSpc>
+              <a:buFont typeface="Arial"/>
+              <a:buChar char="•"/>
+            </a:pPr>
+            <a:r>
+              <a:rPr lang="en-US" sz="3206">
+                <a:solidFill>
+                  <a:srgbClr val="000000"/>
+                </a:solidFill>
+                <a:latin typeface="Canva Sans"/>
+              </a:rPr>
+              <a:t>Command: docker rmi &lt;image-id/name&gt;</a:t>
+            </a:r>
+          </a:p>
+          <a:p>
+            <a:pPr marL="692263" indent="-346132" lvl="1">
+              <a:lnSpc>
+                <a:spcPts val="4617"/>
+              </a:lnSpc>
+              <a:buFont typeface="Arial"/>
+              <a:buChar char="•"/>
+            </a:pPr>
+            <a:r>
+              <a:rPr lang="en-US" sz="3206">
+                <a:solidFill>
+                  <a:srgbClr val="000000"/>
+                </a:solidFill>
+                <a:latin typeface="Canva Sans"/>
+              </a:rPr>
+              <a:t>Function: Removes a specific image from your system.</a:t>
+            </a:r>
+          </a:p>
+          <a:p>
+            <a:pPr marL="692263" indent="-346132" lvl="1">
+              <a:lnSpc>
+                <a:spcPts val="4617"/>
+              </a:lnSpc>
+              <a:buFont typeface="Arial"/>
+              <a:buChar char="•"/>
+            </a:pPr>
+            <a:r>
+              <a:rPr lang="en-US" sz="3206">
+                <a:solidFill>
+                  <a:srgbClr val="000000"/>
+                </a:solidFill>
+                <a:latin typeface="Canva Sans"/>
+              </a:rPr>
+              <a:t>Example: </a:t>
+            </a:r>
+            <a:r>
+              <a:rPr lang="en-US" sz="3206">
+                <a:solidFill>
+                  <a:srgbClr val="990000"/>
+                </a:solidFill>
+                <a:latin typeface="Canva Sans"/>
+              </a:rPr>
+              <a:t>docker rmi myimage:latest</a:t>
+            </a:r>
+          </a:p>
+          <a:p>
+            <a:pPr marL="692263" indent="-346132" lvl="1">
+              <a:lnSpc>
+                <a:spcPts val="4617"/>
+              </a:lnSpc>
+              <a:buFont typeface="Arial"/>
+              <a:buChar char="•"/>
+            </a:pPr>
+            <a:r>
+              <a:rPr lang="en-US" sz="3206">
+                <a:solidFill>
+                  <a:srgbClr val="000000"/>
+                </a:solidFill>
+                <a:latin typeface="Canva Sans"/>
+              </a:rPr>
+              <a:t>Additional Options:</a:t>
+            </a:r>
+          </a:p>
+          <a:p>
+            <a:pPr marL="1384527" indent="-461509" lvl="2">
+              <a:lnSpc>
+                <a:spcPts val="4617"/>
+              </a:lnSpc>
+              <a:buFont typeface="Arial"/>
+              <a:buChar char="⚬"/>
+            </a:pPr>
+            <a:r>
+              <a:rPr lang="en-US" sz="3206">
+                <a:solidFill>
+                  <a:srgbClr val="000000"/>
+                </a:solidFill>
+                <a:latin typeface="Canva Sans"/>
+              </a:rPr>
+              <a:t>docker rmi -f &lt;image-id/name&gt;: Forcefully removes an image, even if it's being used by containers.</a:t>
+            </a:r>
+          </a:p>
+          <a:p>
+            <a:pPr marL="1384527" indent="-461509" lvl="2">
+              <a:lnSpc>
+                <a:spcPts val="4617"/>
+              </a:lnSpc>
+              <a:buFont typeface="Arial"/>
+              <a:buChar char="⚬"/>
+            </a:pPr>
+            <a:r>
+              <a:rPr lang="en-US" sz="3206">
+                <a:solidFill>
+                  <a:srgbClr val="000000"/>
+                </a:solidFill>
+                <a:latin typeface="Canva Sans"/>
+              </a:rPr>
+              <a:t>docker rmi $(docker images -a -q): Removes all images on your system.</a:t>
+            </a:r>
+          </a:p>
+          <a:p>
+            <a:pPr algn="l" marL="692263" indent="-346132" lvl="1">
+              <a:lnSpc>
+                <a:spcPts val="4617"/>
+              </a:lnSpc>
+              <a:buFont typeface="Arial"/>
+              <a:buChar char="•"/>
+            </a:pPr>
+          </a:p>
+        </p:txBody>
+      </p:sp>
+    </p:spTree>
+  </p:cSld>
+  <p:clrMapOvr>
+    <a:masterClrMapping/>
+  </p:clrMapOvr>
+</p:sld>
+</file>
+
+<file path=ppt/slides/slide35.xml><?xml version="1.0" encoding="utf-8"?>
+<p:sld xmlns:p="http://schemas.openxmlformats.org/presentationml/2006/main" xmlns:a="http://schemas.openxmlformats.org/drawingml/2006/main">
+  <p:cSld>
+    <p:bg>
+      <p:bgPr>
+        <a:solidFill>
+          <a:srgbClr val="E8E8E8"/>
+        </a:solidFill>
+      </p:bgPr>
+    </p:bg>
+    <p:spTree>
+      <p:nvGrpSpPr>
+        <p:cNvPr id="1" name=""/>
+        <p:cNvGrpSpPr/>
+        <p:nvPr/>
+      </p:nvGrpSpPr>
+      <p:grpSpPr>
+        <a:xfrm>
+          <a:off x="0" y="0"/>
+          <a:ext cx="0" cy="0"/>
+          <a:chOff x="0" y="0"/>
+          <a:chExt cx="0" cy="0"/>
+        </a:xfrm>
+      </p:grpSpPr>
+      <p:sp>
+        <p:nvSpPr>
+          <p:cNvPr name="TextBox 2" id="2"/>
+          <p:cNvSpPr txBox="true"/>
+          <p:nvPr/>
+        </p:nvSpPr>
+        <p:spPr>
+          <a:xfrm rot="0">
+            <a:off x="210933" y="218207"/>
+            <a:ext cx="17336724" cy="1170305"/>
+          </a:xfrm>
+          <a:prstGeom prst="rect">
+            <a:avLst/>
+          </a:prstGeom>
+        </p:spPr>
+        <p:txBody>
+          <a:bodyPr anchor="t" rtlCol="false" tIns="0" lIns="0" bIns="0" rIns="0">
+            <a:spAutoFit/>
+          </a:bodyPr>
+          <a:lstStyle/>
+          <a:p>
+            <a:pPr marL="0" indent="0" lvl="0">
+              <a:lnSpc>
+                <a:spcPts val="9520"/>
+              </a:lnSpc>
+              <a:spcBef>
+                <a:spcPct val="0"/>
+              </a:spcBef>
+            </a:pPr>
+            <a:r>
+              <a:rPr lang="en-US" sz="6800">
+                <a:solidFill>
+                  <a:srgbClr val="000000"/>
+                </a:solidFill>
+                <a:latin typeface="Canva Sans Bold"/>
+              </a:rPr>
+              <a:t>Docker Networking (1)</a:t>
+            </a:r>
+          </a:p>
+        </p:txBody>
+      </p:sp>
+      <p:sp>
+        <p:nvSpPr>
+          <p:cNvPr name="TextBox 3" id="3"/>
+          <p:cNvSpPr txBox="true"/>
+          <p:nvPr/>
+        </p:nvSpPr>
+        <p:spPr>
+          <a:xfrm rot="0">
+            <a:off x="210933" y="1714137"/>
+            <a:ext cx="17209014" cy="5788719"/>
+          </a:xfrm>
+          <a:prstGeom prst="rect">
+            <a:avLst/>
+          </a:prstGeom>
+        </p:spPr>
+        <p:txBody>
+          <a:bodyPr anchor="t" rtlCol="false" tIns="0" lIns="0" bIns="0" rIns="0">
+            <a:spAutoFit/>
+          </a:bodyPr>
+          <a:lstStyle/>
+          <a:p>
+            <a:pPr marL="692263" indent="-346132" lvl="1">
+              <a:lnSpc>
+                <a:spcPts val="4617"/>
+              </a:lnSpc>
+              <a:buFont typeface="Arial"/>
+              <a:buChar char="•"/>
+            </a:pPr>
+            <a:r>
+              <a:rPr lang="en-US" sz="3206">
+                <a:solidFill>
+                  <a:srgbClr val="000000"/>
+                </a:solidFill>
+                <a:latin typeface="Canva Sans"/>
+              </a:rPr>
+              <a:t>Docker Networking: Connecting Docker containers and enabling communication.</a:t>
+            </a:r>
+          </a:p>
+          <a:p>
+            <a:pPr marL="692263" indent="-346132" lvl="1">
+              <a:lnSpc>
+                <a:spcPts val="4617"/>
+              </a:lnSpc>
+              <a:buFont typeface="Arial"/>
+              <a:buChar char="•"/>
+            </a:pPr>
+            <a:r>
+              <a:rPr lang="en-US" sz="3206">
+                <a:solidFill>
+                  <a:srgbClr val="000000"/>
+                </a:solidFill>
+                <a:latin typeface="Canva Sans"/>
+              </a:rPr>
+              <a:t>Default Networking:</a:t>
+            </a:r>
+          </a:p>
+          <a:p>
+            <a:pPr marL="1384527" indent="-461509" lvl="2">
+              <a:lnSpc>
+                <a:spcPts val="4617"/>
+              </a:lnSpc>
+              <a:buFont typeface="Arial"/>
+              <a:buChar char="⚬"/>
+            </a:pPr>
+            <a:r>
+              <a:rPr lang="en-US" sz="3206">
+                <a:solidFill>
+                  <a:srgbClr val="000000"/>
+                </a:solidFill>
+                <a:latin typeface="Canva Sans"/>
+              </a:rPr>
+              <a:t>Docker creates a default bridge network for containers to communicate.</a:t>
+            </a:r>
+          </a:p>
+          <a:p>
+            <a:pPr marL="1384527" indent="-461509" lvl="2">
+              <a:lnSpc>
+                <a:spcPts val="4617"/>
+              </a:lnSpc>
+              <a:buFont typeface="Arial"/>
+              <a:buChar char="⚬"/>
+            </a:pPr>
+            <a:r>
+              <a:rPr lang="en-US" sz="3206">
+                <a:solidFill>
+                  <a:srgbClr val="000000"/>
+                </a:solidFill>
+                <a:latin typeface="Canva Sans"/>
+              </a:rPr>
+              <a:t>Each container gets its own IP address and can access other containers using that IP.</a:t>
+            </a:r>
+          </a:p>
+          <a:p>
+            <a:pPr marL="692263" indent="-346132" lvl="1">
+              <a:lnSpc>
+                <a:spcPts val="4617"/>
+              </a:lnSpc>
+              <a:buFont typeface="Arial"/>
+              <a:buChar char="•"/>
+            </a:pPr>
+            <a:r>
+              <a:rPr lang="en-US" sz="3206">
+                <a:solidFill>
+                  <a:srgbClr val="000000"/>
+                </a:solidFill>
+                <a:latin typeface="Canva Sans"/>
+              </a:rPr>
+              <a:t>Docker Network Commands:</a:t>
+            </a:r>
+          </a:p>
+          <a:p>
+            <a:pPr marL="1384527" indent="-461509" lvl="2">
+              <a:lnSpc>
+                <a:spcPts val="4617"/>
+              </a:lnSpc>
+              <a:buFont typeface="Arial"/>
+              <a:buChar char="⚬"/>
+            </a:pPr>
+            <a:r>
+              <a:rPr lang="en-US" sz="3206">
+                <a:solidFill>
+                  <a:srgbClr val="990000"/>
+                </a:solidFill>
+                <a:latin typeface="Canva Sans"/>
+              </a:rPr>
+              <a:t>docker network create</a:t>
+            </a:r>
+            <a:r>
+              <a:rPr lang="en-US" sz="3206">
+                <a:solidFill>
+                  <a:srgbClr val="000000"/>
+                </a:solidFill>
+                <a:latin typeface="Canva Sans"/>
+              </a:rPr>
+              <a:t>: Creates a new user-defined network.</a:t>
+            </a:r>
+          </a:p>
+          <a:p>
+            <a:pPr marL="1384527" indent="-461509" lvl="2">
+              <a:lnSpc>
+                <a:spcPts val="4617"/>
+              </a:lnSpc>
+              <a:buFont typeface="Arial"/>
+              <a:buChar char="⚬"/>
+            </a:pPr>
+            <a:r>
+              <a:rPr lang="en-US" sz="3206">
+                <a:solidFill>
+                  <a:srgbClr val="990000"/>
+                </a:solidFill>
+                <a:latin typeface="Canva Sans"/>
+              </a:rPr>
+              <a:t>docker network connect</a:t>
+            </a:r>
+            <a:r>
+              <a:rPr lang="en-US" sz="3206">
+                <a:solidFill>
+                  <a:srgbClr val="000000"/>
+                </a:solidFill>
+                <a:latin typeface="Canva Sans"/>
+              </a:rPr>
+              <a:t>: Connects a container to a network.</a:t>
+            </a:r>
+          </a:p>
+          <a:p>
+            <a:pPr marL="1384527" indent="-461509" lvl="2">
+              <a:lnSpc>
+                <a:spcPts val="4617"/>
+              </a:lnSpc>
+              <a:buFont typeface="Arial"/>
+              <a:buChar char="⚬"/>
+            </a:pPr>
+            <a:r>
+              <a:rPr lang="en-US" sz="3206">
+                <a:solidFill>
+                  <a:srgbClr val="990000"/>
+                </a:solidFill>
+                <a:latin typeface="Canva Sans"/>
+              </a:rPr>
+              <a:t>docker network disconnect</a:t>
+            </a:r>
+            <a:r>
+              <a:rPr lang="en-US" sz="3206">
+                <a:solidFill>
+                  <a:srgbClr val="000000"/>
+                </a:solidFill>
+                <a:latin typeface="Canva Sans"/>
+              </a:rPr>
+              <a:t>: Disconnects a container from a network.</a:t>
+            </a:r>
+          </a:p>
+          <a:p>
+            <a:pPr algn="l" marL="692263" indent="-346132" lvl="1">
+              <a:lnSpc>
+                <a:spcPts val="4617"/>
+              </a:lnSpc>
+              <a:buFont typeface="Arial"/>
+              <a:buChar char="•"/>
+            </a:pPr>
+          </a:p>
+        </p:txBody>
+      </p:sp>
+    </p:spTree>
+  </p:cSld>
+  <p:clrMapOvr>
+    <a:masterClrMapping/>
+  </p:clrMapOvr>
+</p:sld>
+</file>
+
+<file path=ppt/slides/slide36.xml><?xml version="1.0" encoding="utf-8"?>
+<p:sld xmlns:p="http://schemas.openxmlformats.org/presentationml/2006/main" xmlns:a="http://schemas.openxmlformats.org/drawingml/2006/main">
+  <p:cSld>
+    <p:bg>
+      <p:bgPr>
+        <a:solidFill>
+          <a:srgbClr val="E8E8E8"/>
+        </a:solidFill>
+      </p:bgPr>
+    </p:bg>
+    <p:spTree>
+      <p:nvGrpSpPr>
+        <p:cNvPr id="1" name=""/>
+        <p:cNvGrpSpPr/>
+        <p:nvPr/>
+      </p:nvGrpSpPr>
+      <p:grpSpPr>
+        <a:xfrm>
+          <a:off x="0" y="0"/>
+          <a:ext cx="0" cy="0"/>
+          <a:chOff x="0" y="0"/>
+          <a:chExt cx="0" cy="0"/>
+        </a:xfrm>
+      </p:grpSpPr>
+      <p:sp>
+        <p:nvSpPr>
+          <p:cNvPr name="TextBox 2" id="2"/>
+          <p:cNvSpPr txBox="true"/>
+          <p:nvPr/>
+        </p:nvSpPr>
+        <p:spPr>
+          <a:xfrm rot="0">
+            <a:off x="210933" y="218207"/>
+            <a:ext cx="17336724" cy="1170305"/>
+          </a:xfrm>
+          <a:prstGeom prst="rect">
+            <a:avLst/>
+          </a:prstGeom>
+        </p:spPr>
+        <p:txBody>
+          <a:bodyPr anchor="t" rtlCol="false" tIns="0" lIns="0" bIns="0" rIns="0">
+            <a:spAutoFit/>
+          </a:bodyPr>
+          <a:lstStyle/>
+          <a:p>
+            <a:pPr marL="0" indent="0" lvl="0">
+              <a:lnSpc>
+                <a:spcPts val="9520"/>
+              </a:lnSpc>
+              <a:spcBef>
+                <a:spcPct val="0"/>
+              </a:spcBef>
+            </a:pPr>
+            <a:r>
+              <a:rPr lang="en-US" sz="6800">
+                <a:solidFill>
+                  <a:srgbClr val="000000"/>
+                </a:solidFill>
+                <a:latin typeface="Canva Sans Bold"/>
+              </a:rPr>
+              <a:t>Docker Networking (2)</a:t>
+            </a:r>
+          </a:p>
+        </p:txBody>
+      </p:sp>
+      <p:sp>
+        <p:nvSpPr>
+          <p:cNvPr name="TextBox 3" id="3"/>
+          <p:cNvSpPr txBox="true"/>
+          <p:nvPr/>
+        </p:nvSpPr>
+        <p:spPr>
+          <a:xfrm rot="0">
+            <a:off x="210933" y="1714137"/>
+            <a:ext cx="17209014" cy="4045644"/>
+          </a:xfrm>
+          <a:prstGeom prst="rect">
+            <a:avLst/>
+          </a:prstGeom>
+        </p:spPr>
+        <p:txBody>
+          <a:bodyPr anchor="t" rtlCol="false" tIns="0" lIns="0" bIns="0" rIns="0">
+            <a:spAutoFit/>
+          </a:bodyPr>
+          <a:lstStyle/>
+          <a:p>
+            <a:pPr marL="692263" indent="-346132" lvl="1">
+              <a:lnSpc>
+                <a:spcPts val="4617"/>
+              </a:lnSpc>
+              <a:buFont typeface="Arial"/>
+              <a:buChar char="•"/>
+            </a:pPr>
+            <a:r>
+              <a:rPr lang="en-US" sz="3206">
+                <a:solidFill>
+                  <a:srgbClr val="000000"/>
+                </a:solidFill>
+                <a:latin typeface="Canva Sans"/>
+              </a:rPr>
+              <a:t>Types of Networking:</a:t>
+            </a:r>
+          </a:p>
+          <a:p>
+            <a:pPr marL="1384527" indent="-461509" lvl="2">
+              <a:lnSpc>
+                <a:spcPts val="4617"/>
+              </a:lnSpc>
+              <a:buFont typeface="Arial"/>
+              <a:buChar char="⚬"/>
+            </a:pPr>
+            <a:r>
+              <a:rPr lang="en-US" sz="3206">
+                <a:solidFill>
+                  <a:srgbClr val="990000"/>
+                </a:solidFill>
+                <a:latin typeface="Canva Sans"/>
+              </a:rPr>
+              <a:t>Bridge Network</a:t>
+            </a:r>
+            <a:r>
+              <a:rPr lang="en-US" sz="3206">
+                <a:solidFill>
+                  <a:srgbClr val="000000"/>
+                </a:solidFill>
+                <a:latin typeface="Canva Sans"/>
+              </a:rPr>
+              <a:t>: Default network allowing containers on the same host to communicate.</a:t>
+            </a:r>
+          </a:p>
+          <a:p>
+            <a:pPr marL="1384527" indent="-461509" lvl="2">
+              <a:lnSpc>
+                <a:spcPts val="4617"/>
+              </a:lnSpc>
+              <a:buFont typeface="Arial"/>
+              <a:buChar char="⚬"/>
+            </a:pPr>
+            <a:r>
+              <a:rPr lang="en-US" sz="3206">
+                <a:solidFill>
+                  <a:srgbClr val="990000"/>
+                </a:solidFill>
+                <a:latin typeface="Canva Sans"/>
+              </a:rPr>
+              <a:t>Host Network</a:t>
+            </a:r>
+            <a:r>
+              <a:rPr lang="en-US" sz="3206">
+                <a:solidFill>
+                  <a:srgbClr val="000000"/>
+                </a:solidFill>
+                <a:latin typeface="Canva Sans"/>
+              </a:rPr>
+              <a:t>: Container uses the host's network stack directly.</a:t>
+            </a:r>
+          </a:p>
+          <a:p>
+            <a:pPr marL="1384527" indent="-461509" lvl="2">
+              <a:lnSpc>
+                <a:spcPts val="4617"/>
+              </a:lnSpc>
+              <a:buFont typeface="Arial"/>
+              <a:buChar char="⚬"/>
+            </a:pPr>
+            <a:r>
+              <a:rPr lang="en-US" sz="3206">
+                <a:solidFill>
+                  <a:srgbClr val="990000"/>
+                </a:solidFill>
+                <a:latin typeface="Canva Sans"/>
+              </a:rPr>
+              <a:t>Overlay Network</a:t>
+            </a:r>
+            <a:r>
+              <a:rPr lang="en-US" sz="3206">
+                <a:solidFill>
+                  <a:srgbClr val="000000"/>
+                </a:solidFill>
+                <a:latin typeface="Canva Sans"/>
+              </a:rPr>
+              <a:t>: Connects containers across different Docker hosts.</a:t>
+            </a:r>
+          </a:p>
+          <a:p>
+            <a:pPr algn="l" marL="1384527" indent="-461509" lvl="2">
+              <a:lnSpc>
+                <a:spcPts val="4617"/>
+              </a:lnSpc>
+              <a:buFont typeface="Arial"/>
+              <a:buChar char="⚬"/>
+            </a:pPr>
+            <a:r>
+              <a:rPr lang="en-US" sz="3206">
+                <a:solidFill>
+                  <a:srgbClr val="990000"/>
+                </a:solidFill>
+                <a:latin typeface="Canva Sans"/>
+              </a:rPr>
+              <a:t>Macvlan Network</a:t>
+            </a:r>
+            <a:r>
+              <a:rPr lang="en-US" sz="3206">
+                <a:solidFill>
+                  <a:srgbClr val="000000"/>
+                </a:solidFill>
+                <a:latin typeface="Canva Sans"/>
+              </a:rPr>
+              <a:t>: Assigns a MAC address to each container, making it appear as a physical device on the network.</a:t>
+            </a:r>
+          </a:p>
+        </p:txBody>
+      </p:sp>
+    </p:spTree>
+  </p:cSld>
+  <p:clrMapOvr>
+    <a:masterClrMapping/>
+  </p:clrMapOvr>
+</p:sld>
+</file>
+
+<file path=ppt/slides/slide37.xml><?xml version="1.0" encoding="utf-8"?>
+<p:sld xmlns:p="http://schemas.openxmlformats.org/presentationml/2006/main" xmlns:a="http://schemas.openxmlformats.org/drawingml/2006/main" xmlns:r="http://schemas.openxmlformats.org/officeDocument/2006/relationships">
+  <p:cSld>
+    <p:bg>
+      <p:bgPr>
+        <a:solidFill>
+          <a:srgbClr val="E8E8E8"/>
+        </a:solidFill>
+      </p:bgPr>
+    </p:bg>
+    <p:spTree>
+      <p:nvGrpSpPr>
+        <p:cNvPr id="1" name=""/>
+        <p:cNvGrpSpPr/>
+        <p:nvPr/>
+      </p:nvGrpSpPr>
+      <p:grpSpPr>
+        <a:xfrm>
+          <a:off x="0" y="0"/>
+          <a:ext cx="0" cy="0"/>
+          <a:chOff x="0" y="0"/>
+          <a:chExt cx="0" cy="0"/>
+        </a:xfrm>
+      </p:grpSpPr>
+      <p:sp>
+        <p:nvSpPr>
+          <p:cNvPr name="Freeform 2" id="2"/>
+          <p:cNvSpPr/>
+          <p:nvPr/>
+        </p:nvSpPr>
+        <p:spPr>
+          <a:xfrm flipH="false" flipV="false" rot="0">
+            <a:off x="895496" y="2540569"/>
+            <a:ext cx="15642607" cy="6294435"/>
+          </a:xfrm>
+          <a:custGeom>
+            <a:avLst/>
+            <a:gdLst/>
+            <a:ahLst/>
+            <a:cxnLst/>
+            <a:rect r="r" b="b" t="t" l="l"/>
+            <a:pathLst>
+              <a:path h="6294435" w="15642607">
+                <a:moveTo>
+                  <a:pt x="0" y="0"/>
+                </a:moveTo>
+                <a:lnTo>
+                  <a:pt x="15642606" y="0"/>
+                </a:lnTo>
+                <a:lnTo>
+                  <a:pt x="15642606" y="6294435"/>
+                </a:lnTo>
+                <a:lnTo>
+                  <a:pt x="0" y="6294435"/>
+                </a:lnTo>
+                <a:lnTo>
+                  <a:pt x="0" y="0"/>
+                </a:lnTo>
+                <a:close/>
+              </a:path>
+            </a:pathLst>
+          </a:custGeom>
+          <a:blipFill>
+            <a:blip r:embed="rId2"/>
+            <a:stretch>
+              <a:fillRect l="0" t="0" r="0" b="0"/>
+            </a:stretch>
+          </a:blipFill>
+        </p:spPr>
+      </p:sp>
+      <p:sp>
+        <p:nvSpPr>
+          <p:cNvPr name="TextBox 3" id="3"/>
+          <p:cNvSpPr txBox="true"/>
+          <p:nvPr/>
+        </p:nvSpPr>
+        <p:spPr>
+          <a:xfrm rot="0">
+            <a:off x="210933" y="218207"/>
+            <a:ext cx="17336724" cy="1170305"/>
+          </a:xfrm>
+          <a:prstGeom prst="rect">
+            <a:avLst/>
+          </a:prstGeom>
+        </p:spPr>
+        <p:txBody>
+          <a:bodyPr anchor="t" rtlCol="false" tIns="0" lIns="0" bIns="0" rIns="0">
+            <a:spAutoFit/>
+          </a:bodyPr>
+          <a:lstStyle/>
+          <a:p>
+            <a:pPr marL="0" indent="0" lvl="0">
+              <a:lnSpc>
+                <a:spcPts val="9520"/>
+              </a:lnSpc>
+              <a:spcBef>
+                <a:spcPct val="0"/>
+              </a:spcBef>
+            </a:pPr>
+            <a:r>
+              <a:rPr lang="en-US" sz="6800">
+                <a:solidFill>
+                  <a:srgbClr val="000000"/>
+                </a:solidFill>
+                <a:latin typeface="Canva Sans Bold"/>
+              </a:rPr>
+              <a:t>Docker Networking (3)</a:t>
+            </a:r>
+          </a:p>
+        </p:txBody>
+      </p:sp>
+      <p:sp>
+        <p:nvSpPr>
+          <p:cNvPr name="TextBox 4" id="4"/>
+          <p:cNvSpPr txBox="true"/>
+          <p:nvPr/>
+        </p:nvSpPr>
+        <p:spPr>
+          <a:xfrm rot="0">
+            <a:off x="210933" y="1714137"/>
+            <a:ext cx="17209014" cy="559494"/>
+          </a:xfrm>
+          <a:prstGeom prst="rect">
+            <a:avLst/>
+          </a:prstGeom>
+        </p:spPr>
+        <p:txBody>
+          <a:bodyPr anchor="t" rtlCol="false" tIns="0" lIns="0" bIns="0" rIns="0">
+            <a:spAutoFit/>
+          </a:bodyPr>
+          <a:lstStyle/>
+          <a:p>
+            <a:pPr algn="l" marL="692263" indent="-346132" lvl="1">
+              <a:lnSpc>
+                <a:spcPts val="4617"/>
+              </a:lnSpc>
+              <a:buFont typeface="Arial"/>
+              <a:buChar char="•"/>
+            </a:pPr>
+            <a:r>
+              <a:rPr lang="en-US" sz="3206">
+                <a:solidFill>
+                  <a:srgbClr val="000000"/>
+                </a:solidFill>
+                <a:latin typeface="Canva Sans"/>
+              </a:rPr>
+              <a:t>Types of Networking:</a:t>
+            </a:r>
+          </a:p>
+        </p:txBody>
+      </p:sp>
+    </p:spTree>
+  </p:cSld>
+  <p:clrMapOvr>
+    <a:masterClrMapping/>
+  </p:clrMapOvr>
+</p:sld>
+</file>
+
+<file path=ppt/slides/slide38.xml><?xml version="1.0" encoding="utf-8"?>
+<p:sld xmlns:p="http://schemas.openxmlformats.org/presentationml/2006/main" xmlns:a="http://schemas.openxmlformats.org/drawingml/2006/main">
+  <p:cSld>
+    <p:bg>
+      <p:bgPr>
+        <a:solidFill>
+          <a:srgbClr val="E8E8E8"/>
+        </a:solidFill>
+      </p:bgPr>
+    </p:bg>
+    <p:spTree>
+      <p:nvGrpSpPr>
+        <p:cNvPr id="1" name=""/>
+        <p:cNvGrpSpPr/>
+        <p:nvPr/>
+      </p:nvGrpSpPr>
+      <p:grpSpPr>
+        <a:xfrm>
+          <a:off x="0" y="0"/>
+          <a:ext cx="0" cy="0"/>
+          <a:chOff x="0" y="0"/>
+          <a:chExt cx="0" cy="0"/>
+        </a:xfrm>
+      </p:grpSpPr>
+      <p:sp>
+        <p:nvSpPr>
+          <p:cNvPr name="TextBox 2" id="2"/>
+          <p:cNvSpPr txBox="true"/>
+          <p:nvPr/>
+        </p:nvSpPr>
+        <p:spPr>
+          <a:xfrm rot="0">
+            <a:off x="210933" y="218207"/>
+            <a:ext cx="17336724" cy="1170305"/>
+          </a:xfrm>
+          <a:prstGeom prst="rect">
+            <a:avLst/>
+          </a:prstGeom>
+        </p:spPr>
+        <p:txBody>
+          <a:bodyPr anchor="t" rtlCol="false" tIns="0" lIns="0" bIns="0" rIns="0">
+            <a:spAutoFit/>
+          </a:bodyPr>
+          <a:lstStyle/>
+          <a:p>
+            <a:pPr marL="0" indent="0" lvl="0">
+              <a:lnSpc>
+                <a:spcPts val="9520"/>
+              </a:lnSpc>
+              <a:spcBef>
+                <a:spcPct val="0"/>
+              </a:spcBef>
+            </a:pPr>
+            <a:r>
+              <a:rPr lang="en-US" sz="6800">
+                <a:solidFill>
+                  <a:srgbClr val="000000"/>
+                </a:solidFill>
+                <a:latin typeface="Canva Sans Bold"/>
+              </a:rPr>
+              <a:t>Docker Volumes</a:t>
+            </a:r>
+          </a:p>
+        </p:txBody>
+      </p:sp>
+      <p:sp>
+        <p:nvSpPr>
+          <p:cNvPr name="TextBox 3" id="3"/>
+          <p:cNvSpPr txBox="true"/>
+          <p:nvPr/>
+        </p:nvSpPr>
+        <p:spPr>
+          <a:xfrm rot="0">
+            <a:off x="210933" y="1714137"/>
+            <a:ext cx="17209014" cy="5788719"/>
+          </a:xfrm>
+          <a:prstGeom prst="rect">
+            <a:avLst/>
+          </a:prstGeom>
+        </p:spPr>
+        <p:txBody>
+          <a:bodyPr anchor="t" rtlCol="false" tIns="0" lIns="0" bIns="0" rIns="0">
+            <a:spAutoFit/>
+          </a:bodyPr>
+          <a:lstStyle/>
+          <a:p>
+            <a:pPr marL="692263" indent="-346132" lvl="1">
+              <a:lnSpc>
+                <a:spcPts val="4617"/>
+              </a:lnSpc>
+              <a:buFont typeface="Arial"/>
+              <a:buChar char="•"/>
+            </a:pPr>
+            <a:r>
+              <a:rPr lang="en-US" sz="3206">
+                <a:solidFill>
+                  <a:srgbClr val="000000"/>
+                </a:solidFill>
+                <a:latin typeface="Canva Sans"/>
+              </a:rPr>
+              <a:t>Docker Volumes: Persisting and sharing data.</a:t>
+            </a:r>
+          </a:p>
+          <a:p>
+            <a:pPr marL="692263" indent="-346132" lvl="1">
+              <a:lnSpc>
+                <a:spcPts val="4617"/>
+              </a:lnSpc>
+              <a:buFont typeface="Arial"/>
+              <a:buChar char="•"/>
+            </a:pPr>
+            <a:r>
+              <a:rPr lang="en-US" sz="3206">
+                <a:solidFill>
+                  <a:srgbClr val="000000"/>
+                </a:solidFill>
+                <a:latin typeface="Canva Sans"/>
+              </a:rPr>
+              <a:t>Types: Bind Mounts, Named Volumes, tmpfs Mounts.</a:t>
+            </a:r>
+          </a:p>
+          <a:p>
+            <a:pPr marL="692263" indent="-346132" lvl="1">
+              <a:lnSpc>
+                <a:spcPts val="4617"/>
+              </a:lnSpc>
+              <a:buFont typeface="Arial"/>
+              <a:buChar char="•"/>
+            </a:pPr>
+            <a:r>
+              <a:rPr lang="en-US" sz="3206">
+                <a:solidFill>
+                  <a:srgbClr val="000000"/>
+                </a:solidFill>
+                <a:latin typeface="Canva Sans"/>
+              </a:rPr>
+              <a:t>Commands: docker volume create, docker volume ls, docker volume inspect.</a:t>
+            </a:r>
+          </a:p>
+          <a:p>
+            <a:pPr marL="692263" indent="-346132" lvl="1">
+              <a:lnSpc>
+                <a:spcPts val="4617"/>
+              </a:lnSpc>
+              <a:buFont typeface="Arial"/>
+              <a:buChar char="•"/>
+            </a:pPr>
+            <a:r>
+              <a:rPr lang="en-US" sz="3206">
+                <a:solidFill>
+                  <a:srgbClr val="000000"/>
+                </a:solidFill>
+                <a:latin typeface="Canva Sans"/>
+              </a:rPr>
+              <a:t>Examples:</a:t>
+            </a:r>
+          </a:p>
+          <a:p>
+            <a:pPr marL="1384527" indent="-461509" lvl="2">
+              <a:lnSpc>
+                <a:spcPts val="4617"/>
+              </a:lnSpc>
+              <a:buFont typeface="Arial"/>
+              <a:buChar char="⚬"/>
+            </a:pPr>
+            <a:r>
+              <a:rPr lang="en-US" sz="3206">
+                <a:solidFill>
+                  <a:srgbClr val="000000"/>
+                </a:solidFill>
+                <a:latin typeface="Canva Sans"/>
+              </a:rPr>
+              <a:t>Bind Mount: </a:t>
+            </a:r>
+            <a:r>
+              <a:rPr lang="en-US" sz="3206">
+                <a:solidFill>
+                  <a:srgbClr val="990000"/>
+                </a:solidFill>
+                <a:latin typeface="Canva Sans"/>
+              </a:rPr>
+              <a:t>docker run -v /host/path:/container/path image:tag</a:t>
+            </a:r>
+          </a:p>
+          <a:p>
+            <a:pPr marL="1384527" indent="-461509" lvl="2">
+              <a:lnSpc>
+                <a:spcPts val="4617"/>
+              </a:lnSpc>
+              <a:buFont typeface="Arial"/>
+              <a:buChar char="⚬"/>
+            </a:pPr>
+            <a:r>
+              <a:rPr lang="en-US" sz="3206">
+                <a:solidFill>
+                  <a:srgbClr val="000000"/>
+                </a:solidFill>
+                <a:latin typeface="Canva Sans"/>
+              </a:rPr>
+              <a:t>Named Volume: </a:t>
+            </a:r>
+            <a:r>
+              <a:rPr lang="en-US" sz="3206">
+                <a:solidFill>
+                  <a:srgbClr val="990000"/>
+                </a:solidFill>
+                <a:latin typeface="Canva Sans"/>
+              </a:rPr>
+              <a:t>docker run -v volname:/container/path image:tag</a:t>
+            </a:r>
+          </a:p>
+          <a:p>
+            <a:pPr marL="1384527" indent="-461509" lvl="2">
+              <a:lnSpc>
+                <a:spcPts val="4617"/>
+              </a:lnSpc>
+              <a:buFont typeface="Arial"/>
+              <a:buChar char="⚬"/>
+            </a:pPr>
+            <a:r>
+              <a:rPr lang="en-US" sz="3206">
+                <a:solidFill>
+                  <a:srgbClr val="000000"/>
+                </a:solidFill>
+                <a:latin typeface="Canva Sans"/>
+              </a:rPr>
+              <a:t>tmpfs Mount: </a:t>
+            </a:r>
+            <a:r>
+              <a:rPr lang="en-US" sz="3206">
+                <a:solidFill>
+                  <a:srgbClr val="990000"/>
+                </a:solidFill>
+                <a:latin typeface="Canva Sans"/>
+              </a:rPr>
+              <a:t>docker run -v /container/path --tmpfs /container/path image:tag</a:t>
+            </a:r>
+          </a:p>
+          <a:p>
+            <a:pPr marL="692263" indent="-346132" lvl="1">
+              <a:lnSpc>
+                <a:spcPts val="4617"/>
+              </a:lnSpc>
+              <a:buFont typeface="Arial"/>
+              <a:buChar char="•"/>
+            </a:pPr>
+            <a:r>
+              <a:rPr lang="en-US" sz="3206">
+                <a:solidFill>
+                  <a:srgbClr val="000000"/>
+                </a:solidFill>
+                <a:latin typeface="Canva Sans"/>
+              </a:rPr>
+              <a:t>Benefits: Data persistence, inter-container data sharing, easy backup/restore, improved performance.</a:t>
+            </a:r>
+          </a:p>
+          <a:p>
+            <a:pPr algn="l" marL="692263" indent="-346132" lvl="1">
+              <a:lnSpc>
+                <a:spcPts val="4617"/>
+              </a:lnSpc>
+              <a:buFont typeface="Arial"/>
+              <a:buChar char="•"/>
+            </a:pPr>
+          </a:p>
+        </p:txBody>
+      </p:sp>
+    </p:spTree>
+  </p:cSld>
+  <p:clrMapOvr>
+    <a:masterClrMapping/>
+  </p:clrMapOvr>
+</p:sld>
+</file>
+
+<file path=ppt/slides/slide39.xml><?xml version="1.0" encoding="utf-8"?>
+<p:sld xmlns:p="http://schemas.openxmlformats.org/presentationml/2006/main" xmlns:a="http://schemas.openxmlformats.org/drawingml/2006/main">
+  <p:cSld>
+    <p:bg>
+      <p:bgPr>
+        <a:solidFill>
+          <a:srgbClr val="E8E8E8"/>
+        </a:solidFill>
+      </p:bgPr>
+    </p:bg>
+    <p:spTree>
+      <p:nvGrpSpPr>
+        <p:cNvPr id="1" name=""/>
+        <p:cNvGrpSpPr/>
+        <p:nvPr/>
+      </p:nvGrpSpPr>
+      <p:grpSpPr>
+        <a:xfrm>
+          <a:off x="0" y="0"/>
+          <a:ext cx="0" cy="0"/>
+          <a:chOff x="0" y="0"/>
+          <a:chExt cx="0" cy="0"/>
+        </a:xfrm>
+      </p:grpSpPr>
+      <p:sp>
+        <p:nvSpPr>
+          <p:cNvPr name="TextBox 2" id="2"/>
+          <p:cNvSpPr txBox="true"/>
+          <p:nvPr/>
+        </p:nvSpPr>
+        <p:spPr>
+          <a:xfrm rot="0">
+            <a:off x="210933" y="218207"/>
+            <a:ext cx="17336724" cy="1170305"/>
+          </a:xfrm>
+          <a:prstGeom prst="rect">
+            <a:avLst/>
+          </a:prstGeom>
+        </p:spPr>
+        <p:txBody>
+          <a:bodyPr anchor="t" rtlCol="false" tIns="0" lIns="0" bIns="0" rIns="0">
+            <a:spAutoFit/>
+          </a:bodyPr>
+          <a:lstStyle/>
+          <a:p>
+            <a:pPr marL="0" indent="0" lvl="0">
+              <a:lnSpc>
+                <a:spcPts val="9520"/>
+              </a:lnSpc>
+              <a:spcBef>
+                <a:spcPct val="0"/>
+              </a:spcBef>
+            </a:pPr>
+            <a:r>
+              <a:rPr lang="en-US" sz="6800">
+                <a:solidFill>
+                  <a:srgbClr val="000000"/>
+                </a:solidFill>
+                <a:latin typeface="Canva Sans Bold"/>
+              </a:rPr>
+              <a:t>Docker Compose</a:t>
+            </a:r>
+          </a:p>
+        </p:txBody>
+      </p:sp>
+      <p:sp>
+        <p:nvSpPr>
+          <p:cNvPr name="TextBox 3" id="3"/>
+          <p:cNvSpPr txBox="true"/>
+          <p:nvPr/>
+        </p:nvSpPr>
+        <p:spPr>
+          <a:xfrm rot="0">
+            <a:off x="210933" y="1714137"/>
+            <a:ext cx="17209014" cy="8693844"/>
+          </a:xfrm>
+          <a:prstGeom prst="rect">
+            <a:avLst/>
+          </a:prstGeom>
+        </p:spPr>
+        <p:txBody>
+          <a:bodyPr anchor="t" rtlCol="false" tIns="0" lIns="0" bIns="0" rIns="0">
+            <a:spAutoFit/>
+          </a:bodyPr>
+          <a:lstStyle/>
+          <a:p>
+            <a:pPr marL="692263" indent="-346132" lvl="1">
+              <a:lnSpc>
+                <a:spcPts val="4617"/>
+              </a:lnSpc>
+              <a:buFont typeface="Arial"/>
+              <a:buChar char="•"/>
+            </a:pPr>
+            <a:r>
+              <a:rPr lang="en-US" sz="3206">
+                <a:solidFill>
+                  <a:srgbClr val="000000"/>
+                </a:solidFill>
+                <a:latin typeface="Canva Sans"/>
+              </a:rPr>
+              <a:t>Docker Compose: Define and manage multi-container Docker applications.</a:t>
+            </a:r>
+          </a:p>
+          <a:p>
+            <a:pPr marL="692263" indent="-346132" lvl="1">
+              <a:lnSpc>
+                <a:spcPts val="4617"/>
+              </a:lnSpc>
+              <a:buFont typeface="Arial"/>
+              <a:buChar char="•"/>
+            </a:pPr>
+            <a:r>
+              <a:rPr lang="en-US" sz="3206">
+                <a:solidFill>
+                  <a:srgbClr val="000000"/>
+                </a:solidFill>
+                <a:latin typeface="Canva Sans"/>
+              </a:rPr>
+              <a:t>Compose File (docker-compose.yml):</a:t>
+            </a:r>
+          </a:p>
+          <a:p>
+            <a:pPr marL="1384527" indent="-461509" lvl="2">
+              <a:lnSpc>
+                <a:spcPts val="4617"/>
+              </a:lnSpc>
+              <a:buFont typeface="Arial"/>
+              <a:buChar char="⚬"/>
+            </a:pPr>
+            <a:r>
+              <a:rPr lang="en-US" sz="3206">
+                <a:solidFill>
+                  <a:srgbClr val="000000"/>
+                </a:solidFill>
+                <a:latin typeface="Canva Sans"/>
+              </a:rPr>
+              <a:t>YAML file format to define services, networks, and volumes.</a:t>
+            </a:r>
+          </a:p>
+          <a:p>
+            <a:pPr marL="1384527" indent="-461509" lvl="2">
+              <a:lnSpc>
+                <a:spcPts val="4617"/>
+              </a:lnSpc>
+              <a:buFont typeface="Arial"/>
+              <a:buChar char="⚬"/>
+            </a:pPr>
+            <a:r>
+              <a:rPr lang="en-US" sz="3206">
+                <a:solidFill>
+                  <a:srgbClr val="000000"/>
+                </a:solidFill>
+                <a:latin typeface="Canva Sans"/>
+              </a:rPr>
+              <a:t>Describes relationships between containers and their configurations.</a:t>
+            </a:r>
+          </a:p>
+          <a:p>
+            <a:pPr marL="692263" indent="-346132" lvl="1">
+              <a:lnSpc>
+                <a:spcPts val="4617"/>
+              </a:lnSpc>
+              <a:buFont typeface="Arial"/>
+              <a:buChar char="•"/>
+            </a:pPr>
+            <a:r>
+              <a:rPr lang="en-US" sz="3206">
+                <a:solidFill>
+                  <a:srgbClr val="000000"/>
+                </a:solidFill>
+                <a:latin typeface="Canva Sans"/>
+              </a:rPr>
+              <a:t>Key Concepts:</a:t>
+            </a:r>
+          </a:p>
+          <a:p>
+            <a:pPr marL="1384527" indent="-461509" lvl="2">
+              <a:lnSpc>
+                <a:spcPts val="4617"/>
+              </a:lnSpc>
+              <a:buFont typeface="Arial"/>
+              <a:buChar char="⚬"/>
+            </a:pPr>
+            <a:r>
+              <a:rPr lang="en-US" sz="3206">
+                <a:solidFill>
+                  <a:srgbClr val="000000"/>
+                </a:solidFill>
+                <a:latin typeface="Canva Sans"/>
+              </a:rPr>
+              <a:t>Services: Containers defined in the Compose file.</a:t>
+            </a:r>
+          </a:p>
+          <a:p>
+            <a:pPr marL="1384527" indent="-461509" lvl="2">
+              <a:lnSpc>
+                <a:spcPts val="4617"/>
+              </a:lnSpc>
+              <a:buFont typeface="Arial"/>
+              <a:buChar char="⚬"/>
+            </a:pPr>
+            <a:r>
+              <a:rPr lang="en-US" sz="3206">
+                <a:solidFill>
+                  <a:srgbClr val="000000"/>
+                </a:solidFill>
+                <a:latin typeface="Canva Sans"/>
+              </a:rPr>
+              <a:t>Networks: Networks to connect services together.</a:t>
+            </a:r>
+          </a:p>
+          <a:p>
+            <a:pPr marL="1384527" indent="-461509" lvl="2">
+              <a:lnSpc>
+                <a:spcPts val="4617"/>
+              </a:lnSpc>
+              <a:buFont typeface="Arial"/>
+              <a:buChar char="⚬"/>
+            </a:pPr>
+            <a:r>
+              <a:rPr lang="en-US" sz="3206">
+                <a:solidFill>
+                  <a:srgbClr val="000000"/>
+                </a:solidFill>
+                <a:latin typeface="Canva Sans"/>
+              </a:rPr>
+              <a:t>Volumes: Persistent data storage for services.</a:t>
+            </a:r>
+          </a:p>
+          <a:p>
+            <a:pPr marL="692263" indent="-346132" lvl="1">
+              <a:lnSpc>
+                <a:spcPts val="4617"/>
+              </a:lnSpc>
+              <a:buFont typeface="Arial"/>
+              <a:buChar char="•"/>
+            </a:pPr>
+            <a:r>
+              <a:rPr lang="en-US" sz="3206">
+                <a:solidFill>
+                  <a:srgbClr val="000000"/>
+                </a:solidFill>
+                <a:latin typeface="Canva Sans"/>
+              </a:rPr>
+              <a:t>Docker Compose Commands:</a:t>
+            </a:r>
+          </a:p>
+          <a:p>
+            <a:pPr marL="1384527" indent="-461509" lvl="2">
+              <a:lnSpc>
+                <a:spcPts val="4617"/>
+              </a:lnSpc>
+              <a:buFont typeface="Arial"/>
+              <a:buChar char="⚬"/>
+            </a:pPr>
+            <a:r>
+              <a:rPr lang="en-US" sz="3206">
+                <a:solidFill>
+                  <a:srgbClr val="000000"/>
+                </a:solidFill>
+                <a:latin typeface="Canva Sans"/>
+              </a:rPr>
+              <a:t>docker-compose up: Create and start all services in the Compose file.</a:t>
+            </a:r>
+          </a:p>
+          <a:p>
+            <a:pPr marL="1384527" indent="-461509" lvl="2">
+              <a:lnSpc>
+                <a:spcPts val="4617"/>
+              </a:lnSpc>
+              <a:buFont typeface="Arial"/>
+              <a:buChar char="⚬"/>
+            </a:pPr>
+            <a:r>
+              <a:rPr lang="en-US" sz="3206">
+                <a:solidFill>
+                  <a:srgbClr val="000000"/>
+                </a:solidFill>
+                <a:latin typeface="Canva Sans"/>
+              </a:rPr>
+              <a:t>docker-compose down: Stop and remove all services defined in the Compose file.</a:t>
+            </a:r>
+          </a:p>
+          <a:p>
+            <a:pPr marL="1384527" indent="-461509" lvl="2">
+              <a:lnSpc>
+                <a:spcPts val="4617"/>
+              </a:lnSpc>
+              <a:buFont typeface="Arial"/>
+              <a:buChar char="⚬"/>
+            </a:pPr>
+            <a:r>
+              <a:rPr lang="en-US" sz="3206">
+                <a:solidFill>
+                  <a:srgbClr val="000000"/>
+                </a:solidFill>
+                <a:latin typeface="Canva Sans"/>
+              </a:rPr>
+              <a:t>docker-compose pause/resume: Pause/resume running containers.</a:t>
+            </a:r>
+          </a:p>
+          <a:p>
+            <a:pPr marL="1384527" indent="-461509" lvl="2">
+              <a:lnSpc>
+                <a:spcPts val="4617"/>
+              </a:lnSpc>
+              <a:buFont typeface="Arial"/>
+              <a:buChar char="⚬"/>
+            </a:pPr>
+            <a:r>
+              <a:rPr lang="en-US" sz="3206">
+                <a:solidFill>
+                  <a:srgbClr val="000000"/>
+                </a:solidFill>
+                <a:latin typeface="Canva Sans"/>
+              </a:rPr>
+              <a:t>docker-compose build: Build or rebuild services defined in the Compose file.</a:t>
+            </a:r>
+          </a:p>
+          <a:p>
+            <a:pPr algn="l" marL="692263" indent="-346132" lvl="1">
+              <a:lnSpc>
+                <a:spcPts val="4617"/>
+              </a:lnSpc>
+              <a:buFont typeface="Arial"/>
+              <a:buChar char="•"/>
+            </a:pPr>
           </a:p>
         </p:txBody>
       </p:sp>
@@ -9272,6 +16253,1577 @@
               </a:rPr>
               <a:t>Briefly explain the importance of DevOps in software development and testing.</a:t>
             </a:r>
+          </a:p>
+        </p:txBody>
+      </p:sp>
+    </p:spTree>
+  </p:cSld>
+  <p:clrMapOvr>
+    <a:masterClrMapping/>
+  </p:clrMapOvr>
+</p:sld>
+</file>
+
+<file path=ppt/slides/slide40.xml><?xml version="1.0" encoding="utf-8"?>
+<p:sld xmlns:p="http://schemas.openxmlformats.org/presentationml/2006/main" xmlns:a="http://schemas.openxmlformats.org/drawingml/2006/main">
+  <p:cSld>
+    <p:bg>
+      <p:bgPr>
+        <a:solidFill>
+          <a:srgbClr val="E8E8E8"/>
+        </a:solidFill>
+      </p:bgPr>
+    </p:bg>
+    <p:spTree>
+      <p:nvGrpSpPr>
+        <p:cNvPr id="1" name=""/>
+        <p:cNvGrpSpPr/>
+        <p:nvPr/>
+      </p:nvGrpSpPr>
+      <p:grpSpPr>
+        <a:xfrm>
+          <a:off x="0" y="0"/>
+          <a:ext cx="0" cy="0"/>
+          <a:chOff x="0" y="0"/>
+          <a:chExt cx="0" cy="0"/>
+        </a:xfrm>
+      </p:grpSpPr>
+      <p:sp>
+        <p:nvSpPr>
+          <p:cNvPr name="TextBox 2" id="2"/>
+          <p:cNvSpPr txBox="true"/>
+          <p:nvPr/>
+        </p:nvSpPr>
+        <p:spPr>
+          <a:xfrm rot="0">
+            <a:off x="210933" y="218207"/>
+            <a:ext cx="17336724" cy="1170305"/>
+          </a:xfrm>
+          <a:prstGeom prst="rect">
+            <a:avLst/>
+          </a:prstGeom>
+        </p:spPr>
+        <p:txBody>
+          <a:bodyPr anchor="t" rtlCol="false" tIns="0" lIns="0" bIns="0" rIns="0">
+            <a:spAutoFit/>
+          </a:bodyPr>
+          <a:lstStyle/>
+          <a:p>
+            <a:pPr marL="0" indent="0" lvl="0">
+              <a:lnSpc>
+                <a:spcPts val="9520"/>
+              </a:lnSpc>
+              <a:spcBef>
+                <a:spcPct val="0"/>
+              </a:spcBef>
+            </a:pPr>
+            <a:r>
+              <a:rPr lang="en-US" sz="6800">
+                <a:solidFill>
+                  <a:srgbClr val="000000"/>
+                </a:solidFill>
+                <a:latin typeface="Canva Sans Bold"/>
+              </a:rPr>
+              <a:t>Docker Compose (2)</a:t>
+            </a:r>
+          </a:p>
+        </p:txBody>
+      </p:sp>
+      <p:sp>
+        <p:nvSpPr>
+          <p:cNvPr name="TextBox 3" id="3"/>
+          <p:cNvSpPr txBox="true"/>
+          <p:nvPr/>
+        </p:nvSpPr>
+        <p:spPr>
+          <a:xfrm rot="0">
+            <a:off x="730151" y="1723662"/>
+            <a:ext cx="13991602" cy="6128364"/>
+          </a:xfrm>
+          <a:prstGeom prst="rect">
+            <a:avLst/>
+          </a:prstGeom>
+        </p:spPr>
+        <p:txBody>
+          <a:bodyPr anchor="t" rtlCol="false" tIns="0" lIns="0" bIns="0" rIns="0">
+            <a:spAutoFit/>
+          </a:bodyPr>
+          <a:lstStyle/>
+          <a:p>
+            <a:pPr>
+              <a:lnSpc>
+                <a:spcPts val="3753"/>
+              </a:lnSpc>
+            </a:pPr>
+            <a:r>
+              <a:rPr lang="en-US" sz="2606">
+                <a:solidFill>
+                  <a:srgbClr val="990000"/>
+                </a:solidFill>
+                <a:latin typeface="Canva Sans"/>
+              </a:rPr>
+              <a:t>version: '3'</a:t>
+            </a:r>
+          </a:p>
+          <a:p>
+            <a:pPr>
+              <a:lnSpc>
+                <a:spcPts val="3753"/>
+              </a:lnSpc>
+            </a:pPr>
+            <a:r>
+              <a:rPr lang="en-US" sz="2606">
+                <a:solidFill>
+                  <a:srgbClr val="990000"/>
+                </a:solidFill>
+                <a:latin typeface="Canva Sans"/>
+              </a:rPr>
+              <a:t>services:</a:t>
+            </a:r>
+          </a:p>
+          <a:p>
+            <a:pPr>
+              <a:lnSpc>
+                <a:spcPts val="3753"/>
+              </a:lnSpc>
+            </a:pPr>
+            <a:r>
+              <a:rPr lang="en-US" sz="2606">
+                <a:solidFill>
+                  <a:srgbClr val="990000"/>
+                </a:solidFill>
+                <a:latin typeface="Canva Sans"/>
+              </a:rPr>
+              <a:t>  web:</a:t>
+            </a:r>
+          </a:p>
+          <a:p>
+            <a:pPr>
+              <a:lnSpc>
+                <a:spcPts val="3753"/>
+              </a:lnSpc>
+            </a:pPr>
+            <a:r>
+              <a:rPr lang="en-US" sz="2606">
+                <a:solidFill>
+                  <a:srgbClr val="990000"/>
+                </a:solidFill>
+                <a:latin typeface="Canva Sans"/>
+              </a:rPr>
+              <a:t>    build: .</a:t>
+            </a:r>
+          </a:p>
+          <a:p>
+            <a:pPr>
+              <a:lnSpc>
+                <a:spcPts val="3753"/>
+              </a:lnSpc>
+            </a:pPr>
+            <a:r>
+              <a:rPr lang="en-US" sz="2606">
+                <a:solidFill>
+                  <a:srgbClr val="990000"/>
+                </a:solidFill>
+                <a:latin typeface="Canva Sans"/>
+              </a:rPr>
+              <a:t>    ports:</a:t>
+            </a:r>
+          </a:p>
+          <a:p>
+            <a:pPr>
+              <a:lnSpc>
+                <a:spcPts val="3753"/>
+              </a:lnSpc>
+            </a:pPr>
+            <a:r>
+              <a:rPr lang="en-US" sz="2606">
+                <a:solidFill>
+                  <a:srgbClr val="990000"/>
+                </a:solidFill>
+                <a:latin typeface="Canva Sans"/>
+              </a:rPr>
+              <a:t>      - "8080:80"</a:t>
+            </a:r>
+          </a:p>
+          <a:p>
+            <a:pPr>
+              <a:lnSpc>
+                <a:spcPts val="3753"/>
+              </a:lnSpc>
+            </a:pPr>
+            <a:r>
+              <a:rPr lang="en-US" sz="2606">
+                <a:solidFill>
+                  <a:srgbClr val="990000"/>
+                </a:solidFill>
+                <a:latin typeface="Canva Sans"/>
+              </a:rPr>
+              <a:t>    volumes:</a:t>
+            </a:r>
+          </a:p>
+          <a:p>
+            <a:pPr>
+              <a:lnSpc>
+                <a:spcPts val="3753"/>
+              </a:lnSpc>
+            </a:pPr>
+            <a:r>
+              <a:rPr lang="en-US" sz="2606">
+                <a:solidFill>
+                  <a:srgbClr val="990000"/>
+                </a:solidFill>
+                <a:latin typeface="Canva Sans"/>
+              </a:rPr>
+              <a:t>      - ./app:/app</a:t>
+            </a:r>
+          </a:p>
+          <a:p>
+            <a:pPr>
+              <a:lnSpc>
+                <a:spcPts val="3753"/>
+              </a:lnSpc>
+            </a:pPr>
+            <a:r>
+              <a:rPr lang="en-US" sz="2606">
+                <a:solidFill>
+                  <a:srgbClr val="990000"/>
+                </a:solidFill>
+                <a:latin typeface="Canva Sans"/>
+              </a:rPr>
+              <a:t>  db:</a:t>
+            </a:r>
+          </a:p>
+          <a:p>
+            <a:pPr>
+              <a:lnSpc>
+                <a:spcPts val="3753"/>
+              </a:lnSpc>
+            </a:pPr>
+            <a:r>
+              <a:rPr lang="en-US" sz="2606">
+                <a:solidFill>
+                  <a:srgbClr val="990000"/>
+                </a:solidFill>
+                <a:latin typeface="Canva Sans"/>
+              </a:rPr>
+              <a:t>    image: mysql:latest</a:t>
+            </a:r>
+          </a:p>
+          <a:p>
+            <a:pPr>
+              <a:lnSpc>
+                <a:spcPts val="3753"/>
+              </a:lnSpc>
+            </a:pPr>
+            <a:r>
+              <a:rPr lang="en-US" sz="2606">
+                <a:solidFill>
+                  <a:srgbClr val="990000"/>
+                </a:solidFill>
+                <a:latin typeface="Canva Sans"/>
+              </a:rPr>
+              <a:t>    environment:</a:t>
+            </a:r>
+          </a:p>
+          <a:p>
+            <a:pPr>
+              <a:lnSpc>
+                <a:spcPts val="3753"/>
+              </a:lnSpc>
+            </a:pPr>
+            <a:r>
+              <a:rPr lang="en-US" sz="2606">
+                <a:solidFill>
+                  <a:srgbClr val="990000"/>
+                </a:solidFill>
+                <a:latin typeface="Canva Sans"/>
+              </a:rPr>
+              <a:t>      - MYSQL_ROOT_PASSWORD=root</a:t>
+            </a:r>
+          </a:p>
+          <a:p>
+            <a:pPr algn="l">
+              <a:lnSpc>
+                <a:spcPts val="3753"/>
+              </a:lnSpc>
+            </a:pPr>
+          </a:p>
+        </p:txBody>
+      </p:sp>
+      <p:sp>
+        <p:nvSpPr>
+          <p:cNvPr name="TextBox 4" id="4"/>
+          <p:cNvSpPr txBox="true"/>
+          <p:nvPr/>
+        </p:nvSpPr>
+        <p:spPr>
+          <a:xfrm rot="0">
+            <a:off x="431438" y="7998517"/>
+            <a:ext cx="16547259" cy="2298039"/>
+          </a:xfrm>
+          <a:prstGeom prst="rect">
+            <a:avLst/>
+          </a:prstGeom>
+        </p:spPr>
+        <p:txBody>
+          <a:bodyPr anchor="t" rtlCol="false" tIns="0" lIns="0" bIns="0" rIns="0">
+            <a:spAutoFit/>
+          </a:bodyPr>
+          <a:lstStyle/>
+          <a:p>
+            <a:pPr marL="707295" indent="-353647" lvl="1">
+              <a:lnSpc>
+                <a:spcPts val="4586"/>
+              </a:lnSpc>
+              <a:spcBef>
+                <a:spcPct val="0"/>
+              </a:spcBef>
+              <a:buFont typeface="Arial"/>
+              <a:buChar char="•"/>
+            </a:pPr>
+            <a:r>
+              <a:rPr lang="en-US" sz="3276">
+                <a:solidFill>
+                  <a:srgbClr val="000000"/>
+                </a:solidFill>
+                <a:latin typeface="Canva Sans"/>
+              </a:rPr>
+              <a:t>Benefits: Simplifies managing complex </a:t>
+            </a:r>
+            <a:r>
+              <a:rPr lang="en-US" sz="3276" strike="noStrike" u="none">
+                <a:solidFill>
+                  <a:srgbClr val="000000"/>
+                </a:solidFill>
+                <a:latin typeface="Canva Sans"/>
+              </a:rPr>
+              <a:t>multi-container applications, easy to version and share configurations, enables running applications with a single command.</a:t>
+            </a:r>
+          </a:p>
+          <a:p>
+            <a:pPr algn="ctr" marL="0" indent="0" lvl="0">
+              <a:lnSpc>
+                <a:spcPts val="4586"/>
+              </a:lnSpc>
+              <a:spcBef>
+                <a:spcPct val="0"/>
+              </a:spcBef>
+            </a:pPr>
+          </a:p>
+        </p:txBody>
+      </p:sp>
+    </p:spTree>
+  </p:cSld>
+  <p:clrMapOvr>
+    <a:masterClrMapping/>
+  </p:clrMapOvr>
+</p:sld>
+</file>
+
+<file path=ppt/slides/slide41.xml><?xml version="1.0" encoding="utf-8"?>
+<p:sld xmlns:p="http://schemas.openxmlformats.org/presentationml/2006/main" xmlns:a="http://schemas.openxmlformats.org/drawingml/2006/main">
+  <p:cSld>
+    <p:bg>
+      <p:bgPr>
+        <a:solidFill>
+          <a:srgbClr val="E8E8E8"/>
+        </a:solidFill>
+      </p:bgPr>
+    </p:bg>
+    <p:spTree>
+      <p:nvGrpSpPr>
+        <p:cNvPr id="1" name=""/>
+        <p:cNvGrpSpPr/>
+        <p:nvPr/>
+      </p:nvGrpSpPr>
+      <p:grpSpPr>
+        <a:xfrm>
+          <a:off x="0" y="0"/>
+          <a:ext cx="0" cy="0"/>
+          <a:chOff x="0" y="0"/>
+          <a:chExt cx="0" cy="0"/>
+        </a:xfrm>
+      </p:grpSpPr>
+      <p:sp>
+        <p:nvSpPr>
+          <p:cNvPr name="TextBox 2" id="2"/>
+          <p:cNvSpPr txBox="true"/>
+          <p:nvPr/>
+        </p:nvSpPr>
+        <p:spPr>
+          <a:xfrm rot="0">
+            <a:off x="210933" y="218207"/>
+            <a:ext cx="17336724" cy="1170305"/>
+          </a:xfrm>
+          <a:prstGeom prst="rect">
+            <a:avLst/>
+          </a:prstGeom>
+        </p:spPr>
+        <p:txBody>
+          <a:bodyPr anchor="t" rtlCol="false" tIns="0" lIns="0" bIns="0" rIns="0">
+            <a:spAutoFit/>
+          </a:bodyPr>
+          <a:lstStyle/>
+          <a:p>
+            <a:pPr marL="0" indent="0" lvl="0">
+              <a:lnSpc>
+                <a:spcPts val="9520"/>
+              </a:lnSpc>
+              <a:spcBef>
+                <a:spcPct val="0"/>
+              </a:spcBef>
+            </a:pPr>
+            <a:r>
+              <a:rPr lang="en-US" sz="6800">
+                <a:solidFill>
+                  <a:srgbClr val="000000"/>
+                </a:solidFill>
+                <a:latin typeface="Canva Sans Bold"/>
+              </a:rPr>
+              <a:t>Best Practices for Docker</a:t>
+            </a:r>
+          </a:p>
+        </p:txBody>
+      </p:sp>
+      <p:sp>
+        <p:nvSpPr>
+          <p:cNvPr name="TextBox 3" id="3"/>
+          <p:cNvSpPr txBox="true"/>
+          <p:nvPr/>
+        </p:nvSpPr>
+        <p:spPr>
+          <a:xfrm rot="0">
+            <a:off x="210933" y="2131559"/>
+            <a:ext cx="16441490" cy="3447862"/>
+          </a:xfrm>
+          <a:prstGeom prst="rect">
+            <a:avLst/>
+          </a:prstGeom>
+        </p:spPr>
+        <p:txBody>
+          <a:bodyPr anchor="t" rtlCol="false" tIns="0" lIns="0" bIns="0" rIns="0">
+            <a:spAutoFit/>
+          </a:bodyPr>
+          <a:lstStyle/>
+          <a:p>
+            <a:pPr marL="702774" indent="-351387" lvl="1">
+              <a:lnSpc>
+                <a:spcPts val="4557"/>
+              </a:lnSpc>
+              <a:buFont typeface="Arial"/>
+              <a:buChar char="•"/>
+            </a:pPr>
+            <a:r>
+              <a:rPr lang="en-US" sz="3255">
+                <a:solidFill>
+                  <a:srgbClr val="000000"/>
+                </a:solidFill>
+                <a:latin typeface="Canva Sans"/>
+              </a:rPr>
+              <a:t>Docs: </a:t>
+            </a:r>
+          </a:p>
+          <a:p>
+            <a:pPr marL="1405548" indent="-468516" lvl="2">
+              <a:lnSpc>
+                <a:spcPts val="4557"/>
+              </a:lnSpc>
+              <a:buFont typeface="Arial"/>
+              <a:buChar char="⚬"/>
+            </a:pPr>
+            <a:r>
+              <a:rPr lang="en-US" sz="3255">
+                <a:solidFill>
+                  <a:srgbClr val="000000"/>
+                </a:solidFill>
+                <a:latin typeface="Canva Sans"/>
+              </a:rPr>
+              <a:t>https://docs.docker.com/develop/dev-best-practices/#how-to-keep-your-images-small</a:t>
+            </a:r>
+          </a:p>
+          <a:p>
+            <a:pPr marL="1405548" indent="-468516" lvl="2">
+              <a:lnSpc>
+                <a:spcPts val="4557"/>
+              </a:lnSpc>
+              <a:buFont typeface="Arial"/>
+              <a:buChar char="⚬"/>
+            </a:pPr>
+            <a:r>
+              <a:rPr lang="en-US" sz="3255">
+                <a:solidFill>
+                  <a:srgbClr val="000000"/>
+                </a:solidFill>
+                <a:latin typeface="Canva Sans"/>
+              </a:rPr>
+              <a:t>https://docs.docker.com/develop/develop-images/dockerfile_best-practices/</a:t>
+            </a:r>
+          </a:p>
+          <a:p>
+            <a:pPr marL="1405548" indent="-468516" lvl="2">
+              <a:lnSpc>
+                <a:spcPts val="4557"/>
+              </a:lnSpc>
+              <a:buFont typeface="Arial"/>
+              <a:buChar char="⚬"/>
+            </a:pPr>
+            <a:r>
+              <a:rPr lang="en-US" sz="3255">
+                <a:solidFill>
+                  <a:srgbClr val="000000"/>
+                </a:solidFill>
+                <a:latin typeface="Canva Sans"/>
+              </a:rPr>
+              <a:t>https://docs.docker.com/develop/security-best-practices/</a:t>
+            </a:r>
+          </a:p>
+        </p:txBody>
+      </p:sp>
+    </p:spTree>
+  </p:cSld>
+  <p:clrMapOvr>
+    <a:masterClrMapping/>
+  </p:clrMapOvr>
+</p:sld>
+</file>
+
+<file path=ppt/slides/slide42.xml><?xml version="1.0" encoding="utf-8"?>
+<p:sld xmlns:p="http://schemas.openxmlformats.org/presentationml/2006/main" xmlns:a="http://schemas.openxmlformats.org/drawingml/2006/main">
+  <p:cSld>
+    <p:bg>
+      <p:bgPr>
+        <a:solidFill>
+          <a:srgbClr val="E8E8E8"/>
+        </a:solidFill>
+      </p:bgPr>
+    </p:bg>
+    <p:spTree>
+      <p:nvGrpSpPr>
+        <p:cNvPr id="1" name=""/>
+        <p:cNvGrpSpPr/>
+        <p:nvPr/>
+      </p:nvGrpSpPr>
+      <p:grpSpPr>
+        <a:xfrm>
+          <a:off x="0" y="0"/>
+          <a:ext cx="0" cy="0"/>
+          <a:chOff x="0" y="0"/>
+          <a:chExt cx="0" cy="0"/>
+        </a:xfrm>
+      </p:grpSpPr>
+      <p:sp>
+        <p:nvSpPr>
+          <p:cNvPr name="TextBox 2" id="2"/>
+          <p:cNvSpPr txBox="true"/>
+          <p:nvPr/>
+        </p:nvSpPr>
+        <p:spPr>
+          <a:xfrm rot="0">
+            <a:off x="210933" y="218207"/>
+            <a:ext cx="17336724" cy="2122804"/>
+          </a:xfrm>
+          <a:prstGeom prst="rect">
+            <a:avLst/>
+          </a:prstGeom>
+        </p:spPr>
+        <p:txBody>
+          <a:bodyPr anchor="t" rtlCol="false" tIns="0" lIns="0" bIns="0" rIns="0">
+            <a:spAutoFit/>
+          </a:bodyPr>
+          <a:lstStyle/>
+          <a:p>
+            <a:pPr>
+              <a:lnSpc>
+                <a:spcPts val="9520"/>
+              </a:lnSpc>
+            </a:pPr>
+            <a:r>
+              <a:rPr lang="en-US" sz="6800">
+                <a:solidFill>
+                  <a:srgbClr val="000000"/>
+                </a:solidFill>
+                <a:latin typeface="Canva Sans Bold"/>
+              </a:rPr>
+              <a:t>Hands-On Exercise -</a:t>
+            </a:r>
+          </a:p>
+          <a:p>
+            <a:pPr marL="0" indent="0" lvl="0">
+              <a:lnSpc>
+                <a:spcPts val="7420"/>
+              </a:lnSpc>
+              <a:spcBef>
+                <a:spcPct val="0"/>
+              </a:spcBef>
+            </a:pPr>
+            <a:r>
+              <a:rPr lang="en-US" sz="5300">
+                <a:solidFill>
+                  <a:srgbClr val="000000"/>
+                </a:solidFill>
+                <a:latin typeface="Canva Sans Bold"/>
+              </a:rPr>
+              <a:t>Containerizing Selenium and Postman for Testing</a:t>
+            </a:r>
+          </a:p>
+        </p:txBody>
+      </p:sp>
+      <p:sp>
+        <p:nvSpPr>
+          <p:cNvPr name="TextBox 3" id="3"/>
+          <p:cNvSpPr txBox="true"/>
+          <p:nvPr/>
+        </p:nvSpPr>
+        <p:spPr>
+          <a:xfrm rot="0">
+            <a:off x="210933" y="2514904"/>
+            <a:ext cx="17562817" cy="7536180"/>
+          </a:xfrm>
+          <a:prstGeom prst="rect">
+            <a:avLst/>
+          </a:prstGeom>
+        </p:spPr>
+        <p:txBody>
+          <a:bodyPr anchor="t" rtlCol="false" tIns="0" lIns="0" bIns="0" rIns="0">
+            <a:spAutoFit/>
+          </a:bodyPr>
+          <a:lstStyle/>
+          <a:p>
+            <a:pPr marL="0" indent="0" lvl="0">
+              <a:lnSpc>
+                <a:spcPts val="4620"/>
+              </a:lnSpc>
+              <a:spcBef>
+                <a:spcPct val="0"/>
+              </a:spcBef>
+            </a:pPr>
+            <a:r>
+              <a:rPr lang="en-US" sz="3300">
+                <a:solidFill>
+                  <a:srgbClr val="000000"/>
+                </a:solidFill>
+                <a:latin typeface="Canva Sans"/>
+              </a:rPr>
+              <a:t>Objective: Containerize Seleniu</a:t>
+            </a:r>
+            <a:r>
+              <a:rPr lang="en-US" sz="3300" strike="noStrike" u="none">
+                <a:solidFill>
+                  <a:srgbClr val="000000"/>
+                </a:solidFill>
+                <a:latin typeface="Canva Sans"/>
+              </a:rPr>
+              <a:t>m for web automation testing and use Postman/Newman for API testing in Docker.</a:t>
+            </a:r>
+          </a:p>
+          <a:p>
+            <a:pPr marL="712470" indent="-356235" lvl="1">
+              <a:lnSpc>
+                <a:spcPts val="4620"/>
+              </a:lnSpc>
+              <a:spcBef>
+                <a:spcPct val="0"/>
+              </a:spcBef>
+              <a:buFont typeface="Arial"/>
+              <a:buChar char="•"/>
+            </a:pPr>
+            <a:r>
+              <a:rPr lang="en-US" sz="3300" strike="noStrike" u="none">
+                <a:solidFill>
+                  <a:srgbClr val="000000"/>
+                </a:solidFill>
+                <a:latin typeface="Canva Sans"/>
+              </a:rPr>
+              <a:t>Containerizing Selenium:</a:t>
+            </a:r>
+          </a:p>
+          <a:p>
+            <a:pPr marL="1424940" indent="-474980" lvl="2">
+              <a:lnSpc>
+                <a:spcPts val="4620"/>
+              </a:lnSpc>
+              <a:spcBef>
+                <a:spcPct val="0"/>
+              </a:spcBef>
+              <a:buFont typeface="Arial"/>
+              <a:buChar char="⚬"/>
+            </a:pPr>
+            <a:r>
+              <a:rPr lang="en-US" sz="3300" strike="noStrike" u="none">
+                <a:solidFill>
+                  <a:srgbClr val="000000"/>
+                </a:solidFill>
+                <a:latin typeface="Canva Sans"/>
+              </a:rPr>
+              <a:t>Build a Docker image with Selenium dependencies and browser driver.</a:t>
+            </a:r>
+          </a:p>
+          <a:p>
+            <a:pPr marL="1424940" indent="-474980" lvl="2">
+              <a:lnSpc>
+                <a:spcPts val="4620"/>
+              </a:lnSpc>
+              <a:spcBef>
+                <a:spcPct val="0"/>
+              </a:spcBef>
+              <a:buFont typeface="Arial"/>
+              <a:buChar char="⚬"/>
+            </a:pPr>
+            <a:r>
+              <a:rPr lang="en-US" sz="3300" strike="noStrike" u="none">
+                <a:solidFill>
+                  <a:srgbClr val="000000"/>
+                </a:solidFill>
+                <a:latin typeface="Canva Sans"/>
+              </a:rPr>
+              <a:t>Run the Docker container for web automation testing.</a:t>
+            </a:r>
+          </a:p>
+          <a:p>
+            <a:pPr marL="1424940" indent="-474980" lvl="2">
+              <a:lnSpc>
+                <a:spcPts val="4620"/>
+              </a:lnSpc>
+              <a:spcBef>
+                <a:spcPct val="0"/>
+              </a:spcBef>
+              <a:buFont typeface="Arial"/>
+              <a:buChar char="⚬"/>
+            </a:pPr>
+            <a:r>
+              <a:rPr lang="en-US" sz="3300" strike="noStrike" u="none">
+                <a:solidFill>
+                  <a:srgbClr val="000000"/>
+                </a:solidFill>
+                <a:latin typeface="Canva Sans"/>
+              </a:rPr>
+              <a:t>Verify successful execution of Selenium tests.</a:t>
+            </a:r>
+          </a:p>
+          <a:p>
+            <a:pPr marL="712470" indent="-356235" lvl="1">
+              <a:lnSpc>
+                <a:spcPts val="4620"/>
+              </a:lnSpc>
+              <a:spcBef>
+                <a:spcPct val="0"/>
+              </a:spcBef>
+              <a:buFont typeface="Arial"/>
+              <a:buChar char="•"/>
+            </a:pPr>
+            <a:r>
+              <a:rPr lang="en-US" sz="3300" strike="noStrike" u="none">
+                <a:solidFill>
+                  <a:srgbClr val="000000"/>
+                </a:solidFill>
+                <a:latin typeface="Canva Sans"/>
+              </a:rPr>
+              <a:t>Using Postman/Newman:</a:t>
+            </a:r>
+          </a:p>
+          <a:p>
+            <a:pPr marL="1424940" indent="-474980" lvl="2">
+              <a:lnSpc>
+                <a:spcPts val="4620"/>
+              </a:lnSpc>
+              <a:spcBef>
+                <a:spcPct val="0"/>
+              </a:spcBef>
+              <a:buFont typeface="Arial"/>
+              <a:buChar char="⚬"/>
+            </a:pPr>
+            <a:r>
+              <a:rPr lang="en-US" sz="3300" strike="noStrike" u="none">
+                <a:solidFill>
+                  <a:srgbClr val="000000"/>
+                </a:solidFill>
+                <a:latin typeface="Canva Sans"/>
+              </a:rPr>
+              <a:t>Build a Docker image with Postman and Newman dependencies.</a:t>
+            </a:r>
+          </a:p>
+          <a:p>
+            <a:pPr marL="1424940" indent="-474980" lvl="2">
+              <a:lnSpc>
+                <a:spcPts val="4620"/>
+              </a:lnSpc>
+              <a:spcBef>
+                <a:spcPct val="0"/>
+              </a:spcBef>
+              <a:buFont typeface="Arial"/>
+              <a:buChar char="⚬"/>
+            </a:pPr>
+            <a:r>
+              <a:rPr lang="en-US" sz="3300" strike="noStrike" u="none">
+                <a:solidFill>
+                  <a:srgbClr val="000000"/>
+                </a:solidFill>
+                <a:latin typeface="Canva Sans"/>
+              </a:rPr>
+              <a:t>Run the Docker container for API testing.</a:t>
+            </a:r>
+          </a:p>
+          <a:p>
+            <a:pPr marL="1424940" indent="-474980" lvl="2">
+              <a:lnSpc>
+                <a:spcPts val="4620"/>
+              </a:lnSpc>
+              <a:spcBef>
+                <a:spcPct val="0"/>
+              </a:spcBef>
+              <a:buFont typeface="Arial"/>
+              <a:buChar char="⚬"/>
+            </a:pPr>
+            <a:r>
+              <a:rPr lang="en-US" sz="3300" strike="noStrike" u="none">
+                <a:solidFill>
+                  <a:srgbClr val="000000"/>
+                </a:solidFill>
+                <a:latin typeface="Canva Sans"/>
+              </a:rPr>
+              <a:t>Verify successful execution of API tests.</a:t>
+            </a:r>
+          </a:p>
+          <a:p>
+            <a:pPr>
+              <a:lnSpc>
+                <a:spcPts val="4620"/>
+              </a:lnSpc>
+              <a:spcBef>
+                <a:spcPct val="0"/>
+              </a:spcBef>
+            </a:pPr>
+          </a:p>
+          <a:p>
+            <a:pPr>
+              <a:lnSpc>
+                <a:spcPts val="4620"/>
+              </a:lnSpc>
+              <a:spcBef>
+                <a:spcPct val="0"/>
+              </a:spcBef>
+            </a:pPr>
+            <a:r>
+              <a:rPr lang="en-US" sz="3300" strike="noStrike" u="none">
+                <a:solidFill>
+                  <a:srgbClr val="000000"/>
+                </a:solidFill>
+                <a:latin typeface="Canva Sans"/>
+              </a:rPr>
+              <a:t>Source code: https://github.com/tranphuquy19/QA-DevOps-training</a:t>
+            </a:r>
+          </a:p>
+          <a:p>
+            <a:pPr marL="0" indent="0" lvl="0">
+              <a:lnSpc>
+                <a:spcPts val="4620"/>
+              </a:lnSpc>
+              <a:spcBef>
+                <a:spcPct val="0"/>
+              </a:spcBef>
+            </a:pPr>
+          </a:p>
+        </p:txBody>
+      </p:sp>
+    </p:spTree>
+  </p:cSld>
+  <p:clrMapOvr>
+    <a:masterClrMapping/>
+  </p:clrMapOvr>
+</p:sld>
+</file>
+
+<file path=ppt/slides/slide43.xml><?xml version="1.0" encoding="utf-8"?>
+<p:sld xmlns:p="http://schemas.openxmlformats.org/presentationml/2006/main" xmlns:a="http://schemas.openxmlformats.org/drawingml/2006/main">
+  <p:cSld>
+    <p:bg>
+      <p:bgPr>
+        <a:solidFill>
+          <a:srgbClr val="E8E8E8"/>
+        </a:solidFill>
+      </p:bgPr>
+    </p:bg>
+    <p:spTree>
+      <p:nvGrpSpPr>
+        <p:cNvPr id="1" name=""/>
+        <p:cNvGrpSpPr/>
+        <p:nvPr/>
+      </p:nvGrpSpPr>
+      <p:grpSpPr>
+        <a:xfrm>
+          <a:off x="0" y="0"/>
+          <a:ext cx="0" cy="0"/>
+          <a:chOff x="0" y="0"/>
+          <a:chExt cx="0" cy="0"/>
+        </a:xfrm>
+      </p:grpSpPr>
+      <p:sp>
+        <p:nvSpPr>
+          <p:cNvPr name="TextBox 2" id="2"/>
+          <p:cNvSpPr txBox="true"/>
+          <p:nvPr/>
+        </p:nvSpPr>
+        <p:spPr>
+          <a:xfrm rot="0">
+            <a:off x="210933" y="218207"/>
+            <a:ext cx="17336724" cy="2122804"/>
+          </a:xfrm>
+          <a:prstGeom prst="rect">
+            <a:avLst/>
+          </a:prstGeom>
+        </p:spPr>
+        <p:txBody>
+          <a:bodyPr anchor="t" rtlCol="false" tIns="0" lIns="0" bIns="0" rIns="0">
+            <a:spAutoFit/>
+          </a:bodyPr>
+          <a:lstStyle/>
+          <a:p>
+            <a:pPr>
+              <a:lnSpc>
+                <a:spcPts val="9520"/>
+              </a:lnSpc>
+            </a:pPr>
+            <a:r>
+              <a:rPr lang="en-US" sz="6800">
+                <a:solidFill>
+                  <a:srgbClr val="000000"/>
+                </a:solidFill>
+                <a:latin typeface="Canva Sans Bold"/>
+              </a:rPr>
+              <a:t>Hands-On Exercise -</a:t>
+            </a:r>
+          </a:p>
+          <a:p>
+            <a:pPr marL="0" indent="0" lvl="0">
+              <a:lnSpc>
+                <a:spcPts val="7420"/>
+              </a:lnSpc>
+              <a:spcBef>
+                <a:spcPct val="0"/>
+              </a:spcBef>
+            </a:pPr>
+            <a:r>
+              <a:rPr lang="en-US" sz="5300">
+                <a:solidFill>
+                  <a:srgbClr val="000000"/>
+                </a:solidFill>
+                <a:latin typeface="Canva Sans Bold"/>
+              </a:rPr>
+              <a:t>Containerizing Selenium and Postman for Testing</a:t>
+            </a:r>
+          </a:p>
+        </p:txBody>
+      </p:sp>
+      <p:sp>
+        <p:nvSpPr>
+          <p:cNvPr name="TextBox 3" id="3"/>
+          <p:cNvSpPr txBox="true"/>
+          <p:nvPr/>
+        </p:nvSpPr>
+        <p:spPr>
+          <a:xfrm rot="0">
+            <a:off x="210933" y="2514904"/>
+            <a:ext cx="17562817" cy="7536180"/>
+          </a:xfrm>
+          <a:prstGeom prst="rect">
+            <a:avLst/>
+          </a:prstGeom>
+        </p:spPr>
+        <p:txBody>
+          <a:bodyPr anchor="t" rtlCol="false" tIns="0" lIns="0" bIns="0" rIns="0">
+            <a:spAutoFit/>
+          </a:bodyPr>
+          <a:lstStyle/>
+          <a:p>
+            <a:pPr marL="0" indent="0" lvl="0">
+              <a:lnSpc>
+                <a:spcPts val="4620"/>
+              </a:lnSpc>
+              <a:spcBef>
+                <a:spcPct val="0"/>
+              </a:spcBef>
+            </a:pPr>
+            <a:r>
+              <a:rPr lang="en-US" sz="3300">
+                <a:solidFill>
+                  <a:srgbClr val="000000"/>
+                </a:solidFill>
+                <a:latin typeface="Canva Sans"/>
+              </a:rPr>
+              <a:t>Objective: Containerize Seleniu</a:t>
+            </a:r>
+            <a:r>
+              <a:rPr lang="en-US" sz="3300" strike="noStrike" u="none">
+                <a:solidFill>
+                  <a:srgbClr val="000000"/>
+                </a:solidFill>
+                <a:latin typeface="Canva Sans"/>
+              </a:rPr>
+              <a:t>m for web automation testing and use Postman/Newman for API testing in Docker.</a:t>
+            </a:r>
+          </a:p>
+          <a:p>
+            <a:pPr marL="712470" indent="-356235" lvl="1">
+              <a:lnSpc>
+                <a:spcPts val="4620"/>
+              </a:lnSpc>
+              <a:spcBef>
+                <a:spcPct val="0"/>
+              </a:spcBef>
+              <a:buFont typeface="Arial"/>
+              <a:buChar char="•"/>
+            </a:pPr>
+            <a:r>
+              <a:rPr lang="en-US" sz="3300" strike="noStrike" u="none">
+                <a:solidFill>
+                  <a:srgbClr val="000000"/>
+                </a:solidFill>
+                <a:latin typeface="Canva Sans"/>
+              </a:rPr>
+              <a:t>Containerizing Selenium:</a:t>
+            </a:r>
+          </a:p>
+          <a:p>
+            <a:pPr marL="1424940" indent="-474980" lvl="2">
+              <a:lnSpc>
+                <a:spcPts val="4620"/>
+              </a:lnSpc>
+              <a:spcBef>
+                <a:spcPct val="0"/>
+              </a:spcBef>
+              <a:buFont typeface="Arial"/>
+              <a:buChar char="⚬"/>
+            </a:pPr>
+            <a:r>
+              <a:rPr lang="en-US" sz="3300" strike="noStrike" u="none">
+                <a:solidFill>
+                  <a:srgbClr val="000000"/>
+                </a:solidFill>
+                <a:latin typeface="Canva Sans"/>
+              </a:rPr>
+              <a:t>Build a Docker image with Selenium dependencies and browser driver.</a:t>
+            </a:r>
+          </a:p>
+          <a:p>
+            <a:pPr marL="1424940" indent="-474980" lvl="2">
+              <a:lnSpc>
+                <a:spcPts val="4620"/>
+              </a:lnSpc>
+              <a:spcBef>
+                <a:spcPct val="0"/>
+              </a:spcBef>
+              <a:buFont typeface="Arial"/>
+              <a:buChar char="⚬"/>
+            </a:pPr>
+            <a:r>
+              <a:rPr lang="en-US" sz="3300" strike="noStrike" u="none">
+                <a:solidFill>
+                  <a:srgbClr val="000000"/>
+                </a:solidFill>
+                <a:latin typeface="Canva Sans"/>
+              </a:rPr>
+              <a:t>Run the Docker container for web automation testing.</a:t>
+            </a:r>
+          </a:p>
+          <a:p>
+            <a:pPr marL="1424940" indent="-474980" lvl="2">
+              <a:lnSpc>
+                <a:spcPts val="4620"/>
+              </a:lnSpc>
+              <a:spcBef>
+                <a:spcPct val="0"/>
+              </a:spcBef>
+              <a:buFont typeface="Arial"/>
+              <a:buChar char="⚬"/>
+            </a:pPr>
+            <a:r>
+              <a:rPr lang="en-US" sz="3300" strike="noStrike" u="none">
+                <a:solidFill>
+                  <a:srgbClr val="000000"/>
+                </a:solidFill>
+                <a:latin typeface="Canva Sans"/>
+              </a:rPr>
+              <a:t>Verify successful execution of Selenium tests.</a:t>
+            </a:r>
+          </a:p>
+          <a:p>
+            <a:pPr marL="712470" indent="-356235" lvl="1">
+              <a:lnSpc>
+                <a:spcPts val="4620"/>
+              </a:lnSpc>
+              <a:spcBef>
+                <a:spcPct val="0"/>
+              </a:spcBef>
+              <a:buFont typeface="Arial"/>
+              <a:buChar char="•"/>
+            </a:pPr>
+            <a:r>
+              <a:rPr lang="en-US" sz="3300" strike="noStrike" u="none">
+                <a:solidFill>
+                  <a:srgbClr val="000000"/>
+                </a:solidFill>
+                <a:latin typeface="Canva Sans"/>
+              </a:rPr>
+              <a:t>Using Postman/Newman:</a:t>
+            </a:r>
+          </a:p>
+          <a:p>
+            <a:pPr marL="1424940" indent="-474980" lvl="2">
+              <a:lnSpc>
+                <a:spcPts val="4620"/>
+              </a:lnSpc>
+              <a:spcBef>
+                <a:spcPct val="0"/>
+              </a:spcBef>
+              <a:buFont typeface="Arial"/>
+              <a:buChar char="⚬"/>
+            </a:pPr>
+            <a:r>
+              <a:rPr lang="en-US" sz="3300" strike="noStrike" u="none">
+                <a:solidFill>
+                  <a:srgbClr val="000000"/>
+                </a:solidFill>
+                <a:latin typeface="Canva Sans"/>
+              </a:rPr>
+              <a:t>Build a Docker image with Postman and Newman dependencies.</a:t>
+            </a:r>
+          </a:p>
+          <a:p>
+            <a:pPr marL="1424940" indent="-474980" lvl="2">
+              <a:lnSpc>
+                <a:spcPts val="4620"/>
+              </a:lnSpc>
+              <a:spcBef>
+                <a:spcPct val="0"/>
+              </a:spcBef>
+              <a:buFont typeface="Arial"/>
+              <a:buChar char="⚬"/>
+            </a:pPr>
+            <a:r>
+              <a:rPr lang="en-US" sz="3300" strike="noStrike" u="none">
+                <a:solidFill>
+                  <a:srgbClr val="000000"/>
+                </a:solidFill>
+                <a:latin typeface="Canva Sans"/>
+              </a:rPr>
+              <a:t>Run the Docker container for API testing.</a:t>
+            </a:r>
+          </a:p>
+          <a:p>
+            <a:pPr marL="1424940" indent="-474980" lvl="2">
+              <a:lnSpc>
+                <a:spcPts val="4620"/>
+              </a:lnSpc>
+              <a:spcBef>
+                <a:spcPct val="0"/>
+              </a:spcBef>
+              <a:buFont typeface="Arial"/>
+              <a:buChar char="⚬"/>
+            </a:pPr>
+            <a:r>
+              <a:rPr lang="en-US" sz="3300" strike="noStrike" u="none">
+                <a:solidFill>
+                  <a:srgbClr val="000000"/>
+                </a:solidFill>
+                <a:latin typeface="Canva Sans"/>
+              </a:rPr>
+              <a:t>Verify successful execution of API tests.</a:t>
+            </a:r>
+          </a:p>
+          <a:p>
+            <a:pPr>
+              <a:lnSpc>
+                <a:spcPts val="4620"/>
+              </a:lnSpc>
+              <a:spcBef>
+                <a:spcPct val="0"/>
+              </a:spcBef>
+            </a:pPr>
+          </a:p>
+          <a:p>
+            <a:pPr>
+              <a:lnSpc>
+                <a:spcPts val="4620"/>
+              </a:lnSpc>
+              <a:spcBef>
+                <a:spcPct val="0"/>
+              </a:spcBef>
+            </a:pPr>
+            <a:r>
+              <a:rPr lang="en-US" sz="3300" strike="noStrike" u="none">
+                <a:solidFill>
+                  <a:srgbClr val="000000"/>
+                </a:solidFill>
+                <a:latin typeface="Canva Sans"/>
+              </a:rPr>
+              <a:t>Source code: https://github.com/tranphuquy19/QA-DevOps-training</a:t>
+            </a:r>
+          </a:p>
+          <a:p>
+            <a:pPr marL="0" indent="0" lvl="0">
+              <a:lnSpc>
+                <a:spcPts val="4620"/>
+              </a:lnSpc>
+              <a:spcBef>
+                <a:spcPct val="0"/>
+              </a:spcBef>
+            </a:pPr>
+          </a:p>
+        </p:txBody>
+      </p:sp>
+    </p:spTree>
+  </p:cSld>
+  <p:clrMapOvr>
+    <a:masterClrMapping/>
+  </p:clrMapOvr>
+</p:sld>
+</file>
+
+<file path=ppt/slides/slide44.xml><?xml version="1.0" encoding="utf-8"?>
+<p:sld xmlns:p="http://schemas.openxmlformats.org/presentationml/2006/main" xmlns:a="http://schemas.openxmlformats.org/drawingml/2006/main" xmlns:r="http://schemas.openxmlformats.org/officeDocument/2006/relationships">
+  <p:cSld>
+    <p:bg>
+      <p:bgPr>
+        <a:solidFill>
+          <a:srgbClr val="E8E8E8"/>
+        </a:solidFill>
+      </p:bgPr>
+    </p:bg>
+    <p:spTree>
+      <p:nvGrpSpPr>
+        <p:cNvPr id="1" name=""/>
+        <p:cNvGrpSpPr/>
+        <p:nvPr/>
+      </p:nvGrpSpPr>
+      <p:grpSpPr>
+        <a:xfrm>
+          <a:off x="0" y="0"/>
+          <a:ext cx="0" cy="0"/>
+          <a:chOff x="0" y="0"/>
+          <a:chExt cx="0" cy="0"/>
+        </a:xfrm>
+      </p:grpSpPr>
+      <p:sp>
+        <p:nvSpPr>
+          <p:cNvPr name="TextBox 2" id="2"/>
+          <p:cNvSpPr txBox="true"/>
+          <p:nvPr/>
+        </p:nvSpPr>
+        <p:spPr>
+          <a:xfrm rot="0">
+            <a:off x="210933" y="218207"/>
+            <a:ext cx="17336724" cy="1170305"/>
+          </a:xfrm>
+          <a:prstGeom prst="rect">
+            <a:avLst/>
+          </a:prstGeom>
+        </p:spPr>
+        <p:txBody>
+          <a:bodyPr anchor="t" rtlCol="false" tIns="0" lIns="0" bIns="0" rIns="0">
+            <a:spAutoFit/>
+          </a:bodyPr>
+          <a:lstStyle/>
+          <a:p>
+            <a:pPr marL="0" indent="0" lvl="0">
+              <a:lnSpc>
+                <a:spcPts val="9520"/>
+              </a:lnSpc>
+              <a:spcBef>
+                <a:spcPct val="0"/>
+              </a:spcBef>
+            </a:pPr>
+            <a:r>
+              <a:rPr lang="en-US" sz="6800">
+                <a:solidFill>
+                  <a:srgbClr val="000000"/>
+                </a:solidFill>
+                <a:latin typeface="Canva Sans Bold"/>
+              </a:rPr>
+              <a:t>Summary and Additional Resources</a:t>
+            </a:r>
+          </a:p>
+        </p:txBody>
+      </p:sp>
+      <p:sp>
+        <p:nvSpPr>
+          <p:cNvPr name="TextBox 3" id="3"/>
+          <p:cNvSpPr txBox="true"/>
+          <p:nvPr/>
+        </p:nvSpPr>
+        <p:spPr>
+          <a:xfrm rot="0">
+            <a:off x="210933" y="2514904"/>
+            <a:ext cx="17562817" cy="8117205"/>
+          </a:xfrm>
+          <a:prstGeom prst="rect">
+            <a:avLst/>
+          </a:prstGeom>
+        </p:spPr>
+        <p:txBody>
+          <a:bodyPr anchor="t" rtlCol="false" tIns="0" lIns="0" bIns="0" rIns="0">
+            <a:spAutoFit/>
+          </a:bodyPr>
+          <a:lstStyle/>
+          <a:p>
+            <a:pPr>
+              <a:lnSpc>
+                <a:spcPts val="4620"/>
+              </a:lnSpc>
+            </a:pPr>
+            <a:r>
+              <a:rPr lang="en-US" sz="3300">
+                <a:solidFill>
+                  <a:srgbClr val="000000"/>
+                </a:solidFill>
+                <a:latin typeface="Canva Sans"/>
+              </a:rPr>
+              <a:t>Additional Resources:</a:t>
+            </a:r>
+          </a:p>
+          <a:p>
+            <a:pPr marL="712470" indent="-356235" lvl="1">
+              <a:lnSpc>
+                <a:spcPts val="4620"/>
+              </a:lnSpc>
+              <a:spcBef>
+                <a:spcPct val="0"/>
+              </a:spcBef>
+              <a:buFont typeface="Arial"/>
+              <a:buChar char="•"/>
+            </a:pPr>
+            <a:r>
+              <a:rPr lang="en-US" sz="3300">
+                <a:solidFill>
+                  <a:srgbClr val="000000"/>
+                </a:solidFill>
+                <a:latin typeface="Canva Sans"/>
+              </a:rPr>
+              <a:t>Docker Documentation: Official documentation fro</a:t>
+            </a:r>
+            <a:r>
+              <a:rPr lang="en-US" sz="3300" strike="noStrike" u="none">
+                <a:solidFill>
+                  <a:srgbClr val="000000"/>
+                </a:solidFill>
+                <a:latin typeface="Canva Sans"/>
+              </a:rPr>
+              <a:t>m Docker for detailed information and guides on Docker best practices.</a:t>
+            </a:r>
+          </a:p>
+          <a:p>
+            <a:pPr marL="1424940" indent="-474980" lvl="2">
+              <a:lnSpc>
+                <a:spcPts val="4620"/>
+              </a:lnSpc>
+              <a:spcBef>
+                <a:spcPct val="0"/>
+              </a:spcBef>
+              <a:buFont typeface="Arial"/>
+              <a:buChar char="⚬"/>
+            </a:pPr>
+            <a:r>
+              <a:rPr lang="en-US" sz="3300" strike="noStrike" u="none">
+                <a:solidFill>
+                  <a:srgbClr val="000000"/>
+                </a:solidFill>
+                <a:latin typeface="Canva Sans"/>
+              </a:rPr>
+              <a:t>Link: </a:t>
+            </a:r>
+            <a:r>
+              <a:rPr lang="en-US" sz="3300" strike="noStrike" u="sng">
+                <a:solidFill>
+                  <a:srgbClr val="000000"/>
+                </a:solidFill>
+                <a:latin typeface="Canva Sans"/>
+                <a:hlinkClick r:id="rId2" tooltip="https://www.docker.com/get-started"/>
+              </a:rPr>
+              <a:t>docker.com/get-started</a:t>
+            </a:r>
+          </a:p>
+          <a:p>
+            <a:pPr marL="712470" indent="-356235" lvl="1">
+              <a:lnSpc>
+                <a:spcPts val="4620"/>
+              </a:lnSpc>
+              <a:spcBef>
+                <a:spcPct val="0"/>
+              </a:spcBef>
+              <a:buFont typeface="Arial"/>
+              <a:buChar char="•"/>
+            </a:pPr>
+            <a:r>
+              <a:rPr lang="en-US" sz="3300" strike="noStrike" u="none">
+                <a:solidFill>
+                  <a:srgbClr val="000000"/>
+                </a:solidFill>
+                <a:latin typeface="Canva Sans"/>
+              </a:rPr>
+              <a:t>Docker Best Practices Guide: A comprehensive guide on Docker best practices, including container security, performance optimization, and image management.</a:t>
+            </a:r>
+          </a:p>
+          <a:p>
+            <a:pPr marL="1424940" indent="-474980" lvl="2">
+              <a:lnSpc>
+                <a:spcPts val="4620"/>
+              </a:lnSpc>
+              <a:spcBef>
+                <a:spcPct val="0"/>
+              </a:spcBef>
+              <a:buFont typeface="Arial"/>
+              <a:buChar char="⚬"/>
+            </a:pPr>
+            <a:r>
+              <a:rPr lang="en-US" sz="3300" strike="noStrike" u="none">
+                <a:solidFill>
+                  <a:srgbClr val="000000"/>
+                </a:solidFill>
+                <a:latin typeface="Canva Sans"/>
+              </a:rPr>
+              <a:t>L</a:t>
+            </a:r>
+            <a:r>
+              <a:rPr lang="en-US" sz="3300" strike="noStrike" u="none">
+                <a:solidFill>
+                  <a:srgbClr val="000000"/>
+                </a:solidFill>
+                <a:latin typeface="Canva Sans"/>
+              </a:rPr>
+              <a:t>ink: </a:t>
+            </a:r>
+            <a:r>
+              <a:rPr lang="en-US" sz="3300" strike="noStrike" u="sng">
+                <a:solidFill>
+                  <a:srgbClr val="000000"/>
+                </a:solidFill>
+                <a:latin typeface="Canva Sans"/>
+                <a:hlinkClick r:id="rId3" tooltip="https://docs.docker.com/develop/"/>
+              </a:rPr>
+              <a:t>docs.docker.com/develop</a:t>
+            </a:r>
+          </a:p>
+          <a:p>
+            <a:pPr marL="712470" indent="-356235" lvl="1">
+              <a:lnSpc>
+                <a:spcPts val="4620"/>
+              </a:lnSpc>
+              <a:spcBef>
+                <a:spcPct val="0"/>
+              </a:spcBef>
+              <a:buFont typeface="Arial"/>
+              <a:buChar char="•"/>
+            </a:pPr>
+            <a:r>
+              <a:rPr lang="en-US" sz="3300" strike="noStrike" u="none">
+                <a:solidFill>
+                  <a:srgbClr val="000000"/>
+                </a:solidFill>
+                <a:latin typeface="Canva Sans"/>
+              </a:rPr>
+              <a:t>Selenium: Official documentation for Selenium WebDriver to understand how to automate web browser testing.</a:t>
+            </a:r>
+          </a:p>
+          <a:p>
+            <a:pPr marL="1424940" indent="-474980" lvl="2">
+              <a:lnSpc>
+                <a:spcPts val="4620"/>
+              </a:lnSpc>
+              <a:spcBef>
+                <a:spcPct val="0"/>
+              </a:spcBef>
+              <a:buFont typeface="Arial"/>
+              <a:buChar char="⚬"/>
+            </a:pPr>
+            <a:r>
+              <a:rPr lang="en-US" sz="3300" strike="noStrike" u="none">
+                <a:solidFill>
+                  <a:srgbClr val="000000"/>
+                </a:solidFill>
+                <a:latin typeface="Canva Sans"/>
+              </a:rPr>
+              <a:t>Link: </a:t>
+            </a:r>
+            <a:r>
+              <a:rPr lang="en-US" sz="3300" strike="noStrike" u="sng">
+                <a:solidFill>
+                  <a:srgbClr val="000000"/>
+                </a:solidFill>
+                <a:latin typeface="Canva Sans"/>
+                <a:hlinkClick r:id="rId4" tooltip="https://www.selenium.dev/documentation/"/>
+              </a:rPr>
+              <a:t>selenium.dev/documentation</a:t>
+            </a:r>
+          </a:p>
+          <a:p>
+            <a:pPr marL="712470" indent="-356235" lvl="1">
+              <a:lnSpc>
+                <a:spcPts val="4620"/>
+              </a:lnSpc>
+              <a:spcBef>
+                <a:spcPct val="0"/>
+              </a:spcBef>
+              <a:buFont typeface="Arial"/>
+              <a:buChar char="•"/>
+            </a:pPr>
+            <a:r>
+              <a:rPr lang="en-US" sz="3300" strike="noStrike" u="none">
+                <a:solidFill>
+                  <a:srgbClr val="000000"/>
+                </a:solidFill>
+                <a:latin typeface="Canva Sans"/>
+              </a:rPr>
+              <a:t>Postman and Newman Documentation: Official documentation for Postman and Newman tools for API testing</a:t>
+            </a:r>
+            <a:r>
+              <a:rPr lang="en-US" sz="3300" strike="noStrike" u="none">
+                <a:solidFill>
+                  <a:srgbClr val="000000"/>
+                </a:solidFill>
+                <a:latin typeface="Canva Sans"/>
+              </a:rPr>
+              <a:t> and automation.</a:t>
+            </a:r>
+          </a:p>
+          <a:p>
+            <a:pPr marL="1424940" indent="-474980" lvl="2">
+              <a:lnSpc>
+                <a:spcPts val="4620"/>
+              </a:lnSpc>
+              <a:spcBef>
+                <a:spcPct val="0"/>
+              </a:spcBef>
+              <a:buFont typeface="Arial"/>
+              <a:buChar char="⚬"/>
+            </a:pPr>
+            <a:r>
+              <a:rPr lang="en-US" sz="3300" strike="noStrike" u="none">
+                <a:solidFill>
+                  <a:srgbClr val="000000"/>
+                </a:solidFill>
+                <a:latin typeface="Canva Sans"/>
+              </a:rPr>
+              <a:t>Link: </a:t>
+            </a:r>
+            <a:r>
+              <a:rPr lang="en-US" sz="3300" strike="noStrike" u="sng">
+                <a:solidFill>
+                  <a:srgbClr val="000000"/>
+                </a:solidFill>
+                <a:latin typeface="Canva Sans"/>
+                <a:hlinkClick r:id="rId5" tooltip="https://www.postman.com/docs/"/>
+              </a:rPr>
+              <a:t>postman.com/docs</a:t>
+            </a:r>
+          </a:p>
+          <a:p>
+            <a:pPr marL="0" indent="0" lvl="0">
+              <a:lnSpc>
+                <a:spcPts val="4620"/>
+              </a:lnSpc>
+              <a:spcBef>
+                <a:spcPct val="0"/>
+              </a:spcBef>
+            </a:pPr>
           </a:p>
         </p:txBody>
       </p:sp>
